--- a/LA VERITÀ STA NEI GESTI.pptx
+++ b/LA VERITÀ STA NEI GESTI.pptx
@@ -6,7 +6,13 @@
   </p:sldMasterIdLst>
   <p:sldIdLst>
     <p:sldId id="256" r:id="rId2"/>
-    <p:sldId id="257" r:id="rId3"/>
+    <p:sldId id="258" r:id="rId3"/>
+    <p:sldId id="257" r:id="rId4"/>
+    <p:sldId id="259" r:id="rId5"/>
+    <p:sldId id="260" r:id="rId6"/>
+    <p:sldId id="261" r:id="rId7"/>
+    <p:sldId id="262" r:id="rId8"/>
+    <p:sldId id="263" r:id="rId9"/>
   </p:sldIdLst>
   <p:sldSz cx="12192000" cy="6858000"/>
   <p:notesSz cx="6858000" cy="9144000"/>
@@ -109,6 +115,60 @@
 </file>
 
 <file path=ppt/ink/ink1.xml><?xml version="1.0" encoding="utf-8"?>
+<inkml:ink xmlns:inkml="http://www.w3.org/2003/InkML">
+  <inkml:definitions>
+    <inkml:context xml:id="ctx0">
+      <inkml:inkSource xml:id="inkSrc0">
+        <inkml:traceFormat>
+          <inkml:channel name="X" type="integer" min="-2.14748E9" max="2.14748E9" units="cm"/>
+          <inkml:channel name="Y" type="integer" min="-2.14748E9" max="2.14748E9" units="cm"/>
+          <inkml:channel name="F" type="integer" max="32767" units="dev"/>
+        </inkml:traceFormat>
+        <inkml:channelProperties>
+          <inkml:channelProperty channel="X" name="resolution" value="1000" units="1/cm"/>
+          <inkml:channelProperty channel="Y" name="resolution" value="1000" units="1/cm"/>
+          <inkml:channelProperty channel="F" name="resolution" value="0" units="1/dev"/>
+        </inkml:channelProperties>
+      </inkml:inkSource>
+      <inkml:timestamp xml:id="ts0" timeString="2023-02-23T20:00:52.595"/>
+    </inkml:context>
+    <inkml:brush xml:id="br0">
+      <inkml:brushProperty name="width" value="0.05" units="cm"/>
+      <inkml:brushProperty name="height" value="0.05" units="cm"/>
+    </inkml:brush>
+  </inkml:definitions>
+  <inkml:trace contextRef="#ctx0" brushRef="#br0">1 0 24575,'0'0'-8191</inkml:trace>
+</inkml:ink>
+</file>
+
+<file path=ppt/ink/ink2.xml><?xml version="1.0" encoding="utf-8"?>
+<inkml:ink xmlns:inkml="http://www.w3.org/2003/InkML">
+  <inkml:definitions>
+    <inkml:context xml:id="ctx0">
+      <inkml:inkSource xml:id="inkSrc0">
+        <inkml:traceFormat>
+          <inkml:channel name="X" type="integer" min="-2.14748E9" max="2.14748E9" units="cm"/>
+          <inkml:channel name="Y" type="integer" min="-2.14748E9" max="2.14748E9" units="cm"/>
+          <inkml:channel name="F" type="integer" max="32767" units="dev"/>
+        </inkml:traceFormat>
+        <inkml:channelProperties>
+          <inkml:channelProperty channel="X" name="resolution" value="1000" units="1/cm"/>
+          <inkml:channelProperty channel="Y" name="resolution" value="1000" units="1/cm"/>
+          <inkml:channelProperty channel="F" name="resolution" value="0" units="1/dev"/>
+        </inkml:channelProperties>
+      </inkml:inkSource>
+      <inkml:timestamp xml:id="ts0" timeString="2023-02-23T20:00:52.595"/>
+    </inkml:context>
+    <inkml:brush xml:id="br0">
+      <inkml:brushProperty name="width" value="0.05" units="cm"/>
+      <inkml:brushProperty name="height" value="0.05" units="cm"/>
+    </inkml:brush>
+  </inkml:definitions>
+  <inkml:trace contextRef="#ctx0" brushRef="#br0">1 0 24575,'0'0'-8191</inkml:trace>
+</inkml:ink>
+</file>
+
+<file path=ppt/ink/ink3.xml><?xml version="1.0" encoding="utf-8"?>
 <inkml:ink xmlns:inkml="http://www.w3.org/2003/InkML">
   <inkml:definitions>
     <inkml:context xml:id="ctx0">
@@ -5459,6 +5519,137 @@
       </p:grpSpPr>
       <p:sp>
         <p:nvSpPr>
+          <p:cNvPr id="3" name="Sottotitolo 2">
+            <a:extLst>
+              <a:ext uri="{FF2B5EF4-FFF2-40B4-BE49-F238E27FC236}">
+                <a16:creationId xmlns:a16="http://schemas.microsoft.com/office/drawing/2014/main" id="{04793D03-CD36-87FA-D46E-3B347C785E20}"/>
+              </a:ext>
+            </a:extLst>
+          </p:cNvPr>
+          <p:cNvSpPr>
+            <a:spLocks noGrp="1"/>
+          </p:cNvSpPr>
+          <p:nvPr>
+            <p:ph type="subTitle" idx="1"/>
+          </p:nvPr>
+        </p:nvSpPr>
+        <p:spPr/>
+        <p:txBody>
+          <a:bodyPr/>
+          <a:lstStyle/>
+          <a:p>
+            <a:endParaRPr lang="it-IT" dirty="0"/>
+          </a:p>
+        </p:txBody>
+      </p:sp>
+      <p:sp>
+        <p:nvSpPr>
+          <p:cNvPr id="7" name="Titolo 1">
+            <a:extLst>
+              <a:ext uri="{FF2B5EF4-FFF2-40B4-BE49-F238E27FC236}">
+                <a16:creationId xmlns:a16="http://schemas.microsoft.com/office/drawing/2014/main" id="{C6CA296C-565A-3CDF-D2CC-6CF8AFCC6511}"/>
+              </a:ext>
+            </a:extLst>
+          </p:cNvPr>
+          <p:cNvSpPr>
+            <a:spLocks noGrp="1"/>
+          </p:cNvSpPr>
+          <p:nvPr>
+            <p:ph type="ctrTitle"/>
+          </p:nvPr>
+        </p:nvSpPr>
+        <p:spPr>
+          <a:xfrm>
+            <a:off x="1464099" y="0"/>
+            <a:ext cx="10389103" cy="911833"/>
+          </a:xfrm>
+          <a:solidFill>
+            <a:schemeClr val="bg1"/>
+          </a:solidFill>
+        </p:spPr>
+        <p:txBody>
+          <a:bodyPr anchor="b">
+            <a:normAutofit fontScale="90000"/>
+          </a:bodyPr>
+          <a:lstStyle/>
+          <a:p>
+            <a:r>
+              <a:rPr lang="it-IT" sz="3200" b="1" dirty="0">
+                <a:latin typeface="Neue Haas Grotesk Text Pro" panose="020B0504020202020204" pitchFamily="34" charset="0"/>
+              </a:rPr>
+              <a:t>IMPLEMENTAZIONE DELLA MACCHINA DELLA VERITA </a:t>
+            </a:r>
+          </a:p>
+        </p:txBody>
+      </p:sp>
+      <p:sp>
+        <p:nvSpPr>
+          <p:cNvPr id="8" name="CasellaDiTesto 7">
+            <a:extLst>
+              <a:ext uri="{FF2B5EF4-FFF2-40B4-BE49-F238E27FC236}">
+                <a16:creationId xmlns:a16="http://schemas.microsoft.com/office/drawing/2014/main" id="{AEBC704C-00C8-0CF0-3552-7667EE8DE817}"/>
+              </a:ext>
+            </a:extLst>
+          </p:cNvPr>
+          <p:cNvSpPr txBox="1"/>
+          <p:nvPr/>
+        </p:nvSpPr>
+        <p:spPr>
+          <a:xfrm>
+            <a:off x="2739056" y="911833"/>
+            <a:ext cx="5621858" cy="461665"/>
+          </a:xfrm>
+          <a:prstGeom prst="rect">
+            <a:avLst/>
+          </a:prstGeom>
+          <a:noFill/>
+        </p:spPr>
+        <p:txBody>
+          <a:bodyPr wrap="square" rtlCol="0">
+            <a:spAutoFit/>
+          </a:bodyPr>
+          <a:lstStyle/>
+          <a:p>
+            <a:pPr algn="ctr"/>
+            <a:r>
+              <a:rPr lang="it-IT" sz="2400" dirty="0"/>
+              <a:t>Sistema fuzzy</a:t>
+            </a:r>
+          </a:p>
+        </p:txBody>
+      </p:sp>
+    </p:spTree>
+    <p:extLst>
+      <p:ext uri="{BB962C8B-B14F-4D97-AF65-F5344CB8AC3E}">
+        <p14:creationId xmlns:p14="http://schemas.microsoft.com/office/powerpoint/2010/main" val="306241919"/>
+      </p:ext>
+    </p:extLst>
+  </p:cSld>
+  <p:clrMapOvr>
+    <a:masterClrMapping/>
+  </p:clrMapOvr>
+</p:sld>
+</file>
+
+<file path=ppt/slides/slide3.xml><?xml version="1.0" encoding="utf-8"?>
+<p:sld xmlns:a="http://schemas.openxmlformats.org/drawingml/2006/main" xmlns:r="http://schemas.openxmlformats.org/officeDocument/2006/relationships" xmlns:p="http://schemas.openxmlformats.org/presentationml/2006/main">
+  <p:cSld>
+    <p:spTree>
+      <p:nvGrpSpPr>
+        <p:cNvPr id="1" name=""/>
+        <p:cNvGrpSpPr/>
+        <p:nvPr/>
+      </p:nvGrpSpPr>
+      <p:grpSpPr>
+        <a:xfrm>
+          <a:off x="0" y="0"/>
+          <a:ext cx="0" cy="0"/>
+          <a:chOff x="0" y="0"/>
+          <a:chExt cx="0" cy="0"/>
+        </a:xfrm>
+      </p:grpSpPr>
+      <p:sp>
+        <p:nvSpPr>
           <p:cNvPr id="2" name="Titolo 1">
             <a:extLst>
               <a:ext uri="{FF2B5EF4-FFF2-40B4-BE49-F238E27FC236}">
@@ -5562,8 +5753,8 @@
         </p:nvSpPr>
         <p:spPr>
           <a:xfrm>
-            <a:off x="3534186" y="939054"/>
-            <a:ext cx="5621858" cy="461665"/>
+            <a:off x="3180918" y="1090374"/>
+            <a:ext cx="6955463" cy="461665"/>
           </a:xfrm>
           <a:prstGeom prst="rect">
             <a:avLst/>
@@ -5578,7 +5769,7 @@
           <a:p>
             <a:r>
               <a:rPr lang="it-IT" sz="2400" dirty="0"/>
-              <a:t>Scelta dei parametri presi in esame</a:t>
+              <a:t>Scelta dell’input: parametri analizzati</a:t>
             </a:r>
           </a:p>
         </p:txBody>
@@ -5597,8 +5788,8 @@
         </p:nvSpPr>
         <p:spPr>
           <a:xfrm>
-            <a:off x="338796" y="1889607"/>
-            <a:ext cx="11618742" cy="2308324"/>
+            <a:off x="286629" y="1730581"/>
+            <a:ext cx="11618742" cy="3877985"/>
           </a:xfrm>
           <a:prstGeom prst="rect">
             <a:avLst/>
@@ -5611,10 +5802,6 @@
           </a:bodyPr>
           <a:lstStyle/>
           <a:p>
-            <a:pPr marL="342900" indent="-342900">
-              <a:buFont typeface="Wingdings" panose="05000000000000000000" pitchFamily="2" charset="2"/>
-              <a:buChar char="q"/>
-            </a:pPr>
             <a:r>
               <a:rPr lang="it-IT" sz="1800" dirty="0"/>
               <a:t>PARAMETRI FISIOLOGICI</a:t>
@@ -5636,17 +5823,16 @@
               <a:rPr lang="it-IT" sz="1800" dirty="0"/>
               <a:t>Frequenza cardiaca</a:t>
             </a:r>
-            <a:endParaRPr lang="it-IT" sz="4800" dirty="0"/>
           </a:p>
           <a:p>
             <a:pPr marL="342900" indent="-342900">
               <a:buFont typeface="Arial" panose="020B0604020202020204" pitchFamily="34" charset="0"/>
               <a:buChar char="•"/>
             </a:pPr>
-            <a:r>
-              <a:rPr lang="it-IT" sz="1800" dirty="0"/>
-              <a:t>Frequenza respiratoria</a:t>
-            </a:r>
+            <a:endParaRPr lang="it-IT" dirty="0"/>
+          </a:p>
+          <a:p>
+            <a:endParaRPr lang="it-IT" sz="4800" dirty="0"/>
           </a:p>
           <a:p>
             <a:pPr marL="342900" indent="-342900">
@@ -5655,31 +5841,967 @@
             </a:pPr>
             <a:r>
               <a:rPr lang="it-IT" sz="1800" dirty="0"/>
+              <a:t>Frequenza respiratoria</a:t>
+            </a:r>
+          </a:p>
+          <a:p>
+            <a:pPr marL="342900" indent="-342900">
+              <a:buFont typeface="Arial" panose="020B0604020202020204" pitchFamily="34" charset="0"/>
+              <a:buChar char="•"/>
+            </a:pPr>
+            <a:endParaRPr lang="it-IT" dirty="0"/>
+          </a:p>
+          <a:p>
+            <a:pPr marL="342900" indent="-342900">
+              <a:buFont typeface="Arial" panose="020B0604020202020204" pitchFamily="34" charset="0"/>
+              <a:buChar char="•"/>
+            </a:pPr>
+            <a:endParaRPr lang="it-IT" sz="1800" dirty="0"/>
+          </a:p>
+          <a:p>
+            <a:pPr marL="342900" indent="-342900">
+              <a:buFont typeface="Arial" panose="020B0604020202020204" pitchFamily="34" charset="0"/>
+              <a:buChar char="•"/>
+            </a:pPr>
+            <a:endParaRPr lang="it-IT" dirty="0"/>
+          </a:p>
+          <a:p>
+            <a:pPr marL="342900" indent="-342900">
+              <a:buFont typeface="Arial" panose="020B0604020202020204" pitchFamily="34" charset="0"/>
+              <a:buChar char="•"/>
+            </a:pPr>
+            <a:endParaRPr lang="it-IT" sz="1800" dirty="0"/>
+          </a:p>
+          <a:p>
+            <a:pPr marL="342900" indent="-342900">
+              <a:buFont typeface="Arial" panose="020B0604020202020204" pitchFamily="34" charset="0"/>
+              <a:buChar char="•"/>
+            </a:pPr>
+            <a:r>
+              <a:rPr lang="it-IT" sz="1800" dirty="0"/>
               <a:t>Conduttività cutanea</a:t>
             </a:r>
           </a:p>
           <a:p>
             <a:endParaRPr lang="it-IT" sz="1800" dirty="0"/>
+          </a:p>
+        </p:txBody>
+      </p:sp>
+    </p:spTree>
+    <p:extLst>
+      <p:ext uri="{BB962C8B-B14F-4D97-AF65-F5344CB8AC3E}">
+        <p14:creationId xmlns:p14="http://schemas.microsoft.com/office/powerpoint/2010/main" val="182089455"/>
+      </p:ext>
+    </p:extLst>
+  </p:cSld>
+  <p:clrMapOvr>
+    <a:masterClrMapping/>
+  </p:clrMapOvr>
+</p:sld>
+</file>
+
+<file path=ppt/slides/slide4.xml><?xml version="1.0" encoding="utf-8"?>
+<p:sld xmlns:a="http://schemas.openxmlformats.org/drawingml/2006/main" xmlns:r="http://schemas.openxmlformats.org/officeDocument/2006/relationships" xmlns:p="http://schemas.openxmlformats.org/presentationml/2006/main">
+  <p:cSld>
+    <p:spTree>
+      <p:nvGrpSpPr>
+        <p:cNvPr id="1" name=""/>
+        <p:cNvGrpSpPr/>
+        <p:nvPr/>
+      </p:nvGrpSpPr>
+      <p:grpSpPr>
+        <a:xfrm>
+          <a:off x="0" y="0"/>
+          <a:ext cx="0" cy="0"/>
+          <a:chOff x="0" y="0"/>
+          <a:chExt cx="0" cy="0"/>
+        </a:xfrm>
+      </p:grpSpPr>
+      <p:sp>
+        <p:nvSpPr>
+          <p:cNvPr id="2" name="Titolo 1">
+            <a:extLst>
+              <a:ext uri="{FF2B5EF4-FFF2-40B4-BE49-F238E27FC236}">
+                <a16:creationId xmlns:a16="http://schemas.microsoft.com/office/drawing/2014/main" id="{8C357273-83B7-A36C-9E7C-FBFEB4124F4E}"/>
+              </a:ext>
+            </a:extLst>
+          </p:cNvPr>
+          <p:cNvSpPr>
+            <a:spLocks noGrp="1"/>
+          </p:cNvSpPr>
+          <p:nvPr>
+            <p:ph type="ctrTitle"/>
+          </p:nvPr>
+        </p:nvSpPr>
+        <p:spPr>
+          <a:xfrm>
+            <a:off x="1464099" y="0"/>
+            <a:ext cx="10389103" cy="911833"/>
+          </a:xfrm>
+          <a:solidFill>
+            <a:schemeClr val="bg1"/>
+          </a:solidFill>
+        </p:spPr>
+        <p:txBody>
+          <a:bodyPr anchor="b">
+            <a:normAutofit fontScale="90000"/>
+          </a:bodyPr>
+          <a:lstStyle/>
+          <a:p>
+            <a:r>
+              <a:rPr lang="it-IT" sz="3200" b="1" dirty="0">
+                <a:latin typeface="Neue Haas Grotesk Text Pro" panose="020B0504020202020204" pitchFamily="34" charset="0"/>
+              </a:rPr>
+              <a:t>IMPLEMENTAZIONE DELLA MACCHINA DELLA VERITA </a:t>
+            </a:r>
+          </a:p>
+        </p:txBody>
+      </p:sp>
+      <mc:AlternateContent xmlns:mc="http://schemas.openxmlformats.org/markup-compatibility/2006">
+        <mc:Choice xmlns:p14="http://schemas.microsoft.com/office/powerpoint/2010/main" Requires="p14">
+          <p:contentPart p14:bwMode="auto" r:id="rId2">
+            <p14:nvContentPartPr>
+              <p14:cNvPr id="5" name="Input penna 4">
+                <a:extLst>
+                  <a:ext uri="{FF2B5EF4-FFF2-40B4-BE49-F238E27FC236}">
+                    <a16:creationId xmlns:a16="http://schemas.microsoft.com/office/drawing/2014/main" id="{7B587679-EA6D-A980-72D3-470CA32E4713}"/>
+                  </a:ext>
+                </a:extLst>
+              </p14:cNvPr>
+              <p14:cNvContentPartPr/>
+              <p14:nvPr/>
+            </p14:nvContentPartPr>
+            <p14:xfrm>
+              <a:off x="7757117" y="2905270"/>
+              <a:ext cx="360" cy="360"/>
+            </p14:xfrm>
+          </p:contentPart>
+        </mc:Choice>
+        <mc:Fallback>
+          <p:pic>
+            <p:nvPicPr>
+              <p:cNvPr id="5" name="Input penna 4">
+                <a:extLst>
+                  <a:ext uri="{FF2B5EF4-FFF2-40B4-BE49-F238E27FC236}">
+                    <a16:creationId xmlns:a16="http://schemas.microsoft.com/office/drawing/2014/main" id="{7B587679-EA6D-A980-72D3-470CA32E4713}"/>
+                  </a:ext>
+                </a:extLst>
+              </p:cNvPr>
+              <p:cNvPicPr/>
+              <p:nvPr/>
+            </p:nvPicPr>
+            <p:blipFill>
+              <a:blip r:embed="rId3"/>
+              <a:stretch>
+                <a:fillRect/>
+              </a:stretch>
+            </p:blipFill>
+            <p:spPr>
+              <a:xfrm>
+                <a:off x="7748117" y="2896270"/>
+                <a:ext cx="18000" cy="18000"/>
+              </a:xfrm>
+              <a:prstGeom prst="rect">
+                <a:avLst/>
+              </a:prstGeom>
+            </p:spPr>
+          </p:pic>
+        </mc:Fallback>
+      </mc:AlternateContent>
+      <p:sp>
+        <p:nvSpPr>
+          <p:cNvPr id="14" name="CasellaDiTesto 13">
+            <a:extLst>
+              <a:ext uri="{FF2B5EF4-FFF2-40B4-BE49-F238E27FC236}">
+                <a16:creationId xmlns:a16="http://schemas.microsoft.com/office/drawing/2014/main" id="{01ECD587-472E-39C0-2892-F4FEFE469A0A}"/>
+              </a:ext>
+            </a:extLst>
+          </p:cNvPr>
+          <p:cNvSpPr txBox="1"/>
+          <p:nvPr/>
+        </p:nvSpPr>
+        <p:spPr>
+          <a:xfrm>
+            <a:off x="286629" y="1730581"/>
+            <a:ext cx="11618742" cy="3323987"/>
+          </a:xfrm>
+          <a:prstGeom prst="rect">
+            <a:avLst/>
+          </a:prstGeom>
+          <a:noFill/>
+        </p:spPr>
+        <p:txBody>
+          <a:bodyPr wrap="square" rtlCol="0">
+            <a:spAutoFit/>
+          </a:bodyPr>
+          <a:lstStyle/>
+          <a:p>
+            <a:r>
+              <a:rPr lang="it-IT" sz="1800" dirty="0"/>
+              <a:t>PARAMETRI COMPORTAMENTALI</a:t>
+            </a:r>
           </a:p>
           <a:p>
             <a:pPr marL="342900" indent="-342900">
               <a:buFont typeface="Wingdings" panose="05000000000000000000" pitchFamily="2" charset="2"/>
               <a:buChar char="q"/>
             </a:pPr>
+            <a:endParaRPr lang="it-IT" sz="1800" dirty="0"/>
+          </a:p>
+          <a:p>
+            <a:pPr marL="342900" indent="-342900">
+              <a:buFont typeface="Arial" panose="020B0604020202020204" pitchFamily="34" charset="0"/>
+              <a:buChar char="•"/>
+            </a:pPr>
             <a:r>
               <a:rPr lang="it-IT" sz="1800" dirty="0"/>
-              <a:t>FATTORI COMPORTAMENTALI</a:t>
-            </a:r>
-          </a:p>
-          <a:p>
+              <a:t>Movenze</a:t>
+            </a:r>
+          </a:p>
+          <a:p>
+            <a:pPr marL="342900" indent="-342900">
+              <a:buFont typeface="Arial" panose="020B0604020202020204" pitchFamily="34" charset="0"/>
+              <a:buChar char="•"/>
+            </a:pPr>
             <a:endParaRPr lang="it-IT" dirty="0"/>
+          </a:p>
+          <a:p>
+            <a:endParaRPr lang="it-IT" sz="4800" dirty="0"/>
+          </a:p>
+          <a:p>
+            <a:pPr marL="342900" indent="-342900">
+              <a:buFont typeface="Arial" panose="020B0604020202020204" pitchFamily="34" charset="0"/>
+              <a:buChar char="•"/>
+            </a:pPr>
+            <a:r>
+              <a:rPr lang="it-IT" dirty="0"/>
+              <a:t>Contatto visivo</a:t>
+            </a:r>
+            <a:endParaRPr lang="it-IT" sz="1800" dirty="0"/>
+          </a:p>
+          <a:p>
+            <a:pPr marL="342900" indent="-342900">
+              <a:buFont typeface="Arial" panose="020B0604020202020204" pitchFamily="34" charset="0"/>
+              <a:buChar char="•"/>
+            </a:pPr>
+            <a:endParaRPr lang="it-IT" dirty="0"/>
+          </a:p>
+          <a:p>
+            <a:pPr marL="342900" indent="-342900">
+              <a:buFont typeface="Arial" panose="020B0604020202020204" pitchFamily="34" charset="0"/>
+              <a:buChar char="•"/>
+            </a:pPr>
+            <a:endParaRPr lang="it-IT" sz="1800" dirty="0"/>
+          </a:p>
+          <a:p>
+            <a:pPr marL="342900" indent="-342900">
+              <a:buFont typeface="Arial" panose="020B0604020202020204" pitchFamily="34" charset="0"/>
+              <a:buChar char="•"/>
+            </a:pPr>
+            <a:endParaRPr lang="it-IT" dirty="0"/>
+          </a:p>
+          <a:p>
+            <a:pPr marL="342900" indent="-342900">
+              <a:buFont typeface="Arial" panose="020B0604020202020204" pitchFamily="34" charset="0"/>
+              <a:buChar char="•"/>
+            </a:pPr>
+            <a:endParaRPr lang="it-IT" sz="1800" dirty="0"/>
+          </a:p>
+        </p:txBody>
+      </p:sp>
+      <p:sp>
+        <p:nvSpPr>
+          <p:cNvPr id="4" name="CasellaDiTesto 3">
+            <a:extLst>
+              <a:ext uri="{FF2B5EF4-FFF2-40B4-BE49-F238E27FC236}">
+                <a16:creationId xmlns:a16="http://schemas.microsoft.com/office/drawing/2014/main" id="{0C1E12E0-F644-124F-FF2D-6150915612FD}"/>
+              </a:ext>
+            </a:extLst>
+          </p:cNvPr>
+          <p:cNvSpPr txBox="1"/>
+          <p:nvPr/>
+        </p:nvSpPr>
+        <p:spPr>
+          <a:xfrm>
+            <a:off x="3180918" y="1090374"/>
+            <a:ext cx="6955463" cy="461665"/>
+          </a:xfrm>
+          <a:prstGeom prst="rect">
+            <a:avLst/>
+          </a:prstGeom>
+          <a:noFill/>
+        </p:spPr>
+        <p:txBody>
+          <a:bodyPr wrap="square" rtlCol="0">
+            <a:spAutoFit/>
+          </a:bodyPr>
+          <a:lstStyle/>
+          <a:p>
+            <a:r>
+              <a:rPr lang="it-IT" sz="2400" dirty="0"/>
+              <a:t>Scelta dell’input: parametri analizzati</a:t>
+            </a:r>
           </a:p>
         </p:txBody>
       </p:sp>
     </p:spTree>
     <p:extLst>
       <p:ext uri="{BB962C8B-B14F-4D97-AF65-F5344CB8AC3E}">
-        <p14:creationId xmlns:p14="http://schemas.microsoft.com/office/powerpoint/2010/main" val="182089455"/>
+        <p14:creationId xmlns:p14="http://schemas.microsoft.com/office/powerpoint/2010/main" val="7994765"/>
+      </p:ext>
+    </p:extLst>
+  </p:cSld>
+  <p:clrMapOvr>
+    <a:masterClrMapping/>
+  </p:clrMapOvr>
+</p:sld>
+</file>
+
+<file path=ppt/slides/slide5.xml><?xml version="1.0" encoding="utf-8"?>
+<p:sld xmlns:a="http://schemas.openxmlformats.org/drawingml/2006/main" xmlns:r="http://schemas.openxmlformats.org/officeDocument/2006/relationships" xmlns:p="http://schemas.openxmlformats.org/presentationml/2006/main">
+  <p:cSld>
+    <p:spTree>
+      <p:nvGrpSpPr>
+        <p:cNvPr id="1" name=""/>
+        <p:cNvGrpSpPr/>
+        <p:nvPr/>
+      </p:nvGrpSpPr>
+      <p:grpSpPr>
+        <a:xfrm>
+          <a:off x="0" y="0"/>
+          <a:ext cx="0" cy="0"/>
+          <a:chOff x="0" y="0"/>
+          <a:chExt cx="0" cy="0"/>
+        </a:xfrm>
+      </p:grpSpPr>
+      <p:sp>
+        <p:nvSpPr>
+          <p:cNvPr id="2" name="Titolo 1">
+            <a:extLst>
+              <a:ext uri="{FF2B5EF4-FFF2-40B4-BE49-F238E27FC236}">
+                <a16:creationId xmlns:a16="http://schemas.microsoft.com/office/drawing/2014/main" id="{8C357273-83B7-A36C-9E7C-FBFEB4124F4E}"/>
+              </a:ext>
+            </a:extLst>
+          </p:cNvPr>
+          <p:cNvSpPr>
+            <a:spLocks noGrp="1"/>
+          </p:cNvSpPr>
+          <p:nvPr>
+            <p:ph type="ctrTitle"/>
+          </p:nvPr>
+        </p:nvSpPr>
+        <p:spPr>
+          <a:xfrm>
+            <a:off x="1464099" y="0"/>
+            <a:ext cx="10389103" cy="911833"/>
+          </a:xfrm>
+          <a:solidFill>
+            <a:schemeClr val="bg1"/>
+          </a:solidFill>
+        </p:spPr>
+        <p:txBody>
+          <a:bodyPr anchor="b">
+            <a:normAutofit fontScale="90000"/>
+          </a:bodyPr>
+          <a:lstStyle/>
+          <a:p>
+            <a:r>
+              <a:rPr lang="it-IT" sz="3200" b="1" dirty="0">
+                <a:latin typeface="Neue Haas Grotesk Text Pro" panose="020B0504020202020204" pitchFamily="34" charset="0"/>
+              </a:rPr>
+              <a:t>IMPLEMENTAZIONE DELLA MACCHINA DELLA VERITA </a:t>
+            </a:r>
+          </a:p>
+        </p:txBody>
+      </p:sp>
+      <mc:AlternateContent xmlns:mc="http://schemas.openxmlformats.org/markup-compatibility/2006">
+        <mc:Choice xmlns:p14="http://schemas.microsoft.com/office/powerpoint/2010/main" Requires="p14">
+          <p:contentPart p14:bwMode="auto" r:id="rId2">
+            <p14:nvContentPartPr>
+              <p14:cNvPr id="5" name="Input penna 4">
+                <a:extLst>
+                  <a:ext uri="{FF2B5EF4-FFF2-40B4-BE49-F238E27FC236}">
+                    <a16:creationId xmlns:a16="http://schemas.microsoft.com/office/drawing/2014/main" id="{7B587679-EA6D-A980-72D3-470CA32E4713}"/>
+                  </a:ext>
+                </a:extLst>
+              </p14:cNvPr>
+              <p14:cNvContentPartPr/>
+              <p14:nvPr/>
+            </p14:nvContentPartPr>
+            <p14:xfrm>
+              <a:off x="7757117" y="2905270"/>
+              <a:ext cx="360" cy="360"/>
+            </p14:xfrm>
+          </p:contentPart>
+        </mc:Choice>
+        <mc:Fallback>
+          <p:pic>
+            <p:nvPicPr>
+              <p:cNvPr id="5" name="Input penna 4">
+                <a:extLst>
+                  <a:ext uri="{FF2B5EF4-FFF2-40B4-BE49-F238E27FC236}">
+                    <a16:creationId xmlns:a16="http://schemas.microsoft.com/office/drawing/2014/main" id="{7B587679-EA6D-A980-72D3-470CA32E4713}"/>
+                  </a:ext>
+                </a:extLst>
+              </p:cNvPr>
+              <p:cNvPicPr/>
+              <p:nvPr/>
+            </p:nvPicPr>
+            <p:blipFill>
+              <a:blip r:embed="rId3"/>
+              <a:stretch>
+                <a:fillRect/>
+              </a:stretch>
+            </p:blipFill>
+            <p:spPr>
+              <a:xfrm>
+                <a:off x="7748117" y="2896270"/>
+                <a:ext cx="18000" cy="18000"/>
+              </a:xfrm>
+              <a:prstGeom prst="rect">
+                <a:avLst/>
+              </a:prstGeom>
+            </p:spPr>
+          </p:pic>
+        </mc:Fallback>
+      </mc:AlternateContent>
+      <p:sp>
+        <p:nvSpPr>
+          <p:cNvPr id="14" name="CasellaDiTesto 13">
+            <a:extLst>
+              <a:ext uri="{FF2B5EF4-FFF2-40B4-BE49-F238E27FC236}">
+                <a16:creationId xmlns:a16="http://schemas.microsoft.com/office/drawing/2014/main" id="{01ECD587-472E-39C0-2892-F4FEFE469A0A}"/>
+              </a:ext>
+            </a:extLst>
+          </p:cNvPr>
+          <p:cNvSpPr txBox="1"/>
+          <p:nvPr/>
+        </p:nvSpPr>
+        <p:spPr>
+          <a:xfrm>
+            <a:off x="286629" y="1730581"/>
+            <a:ext cx="11618742" cy="3323987"/>
+          </a:xfrm>
+          <a:prstGeom prst="rect">
+            <a:avLst/>
+          </a:prstGeom>
+          <a:noFill/>
+        </p:spPr>
+        <p:txBody>
+          <a:bodyPr wrap="square" rtlCol="0">
+            <a:spAutoFit/>
+          </a:bodyPr>
+          <a:lstStyle/>
+          <a:p>
+            <a:r>
+              <a:rPr lang="it-IT" sz="1800" dirty="0"/>
+              <a:t>PARAMETRI COMPORTAMENTALI</a:t>
+            </a:r>
+          </a:p>
+          <a:p>
+            <a:pPr marL="342900" indent="-342900">
+              <a:buFont typeface="Wingdings" panose="05000000000000000000" pitchFamily="2" charset="2"/>
+              <a:buChar char="q"/>
+            </a:pPr>
+            <a:endParaRPr lang="it-IT" sz="1800" dirty="0"/>
+          </a:p>
+          <a:p>
+            <a:pPr marL="342900" indent="-342900">
+              <a:buFont typeface="Arial" panose="020B0604020202020204" pitchFamily="34" charset="0"/>
+              <a:buChar char="•"/>
+            </a:pPr>
+            <a:r>
+              <a:rPr lang="it-IT" dirty="0"/>
+              <a:t>Coerenza nelle risposte</a:t>
+            </a:r>
+            <a:endParaRPr lang="it-IT" sz="1800" dirty="0"/>
+          </a:p>
+          <a:p>
+            <a:pPr marL="342900" indent="-342900">
+              <a:buFont typeface="Arial" panose="020B0604020202020204" pitchFamily="34" charset="0"/>
+              <a:buChar char="•"/>
+            </a:pPr>
+            <a:endParaRPr lang="it-IT" dirty="0"/>
+          </a:p>
+          <a:p>
+            <a:endParaRPr lang="it-IT" sz="4800" dirty="0"/>
+          </a:p>
+          <a:p>
+            <a:pPr marL="342900" indent="-342900">
+              <a:buFont typeface="Arial" panose="020B0604020202020204" pitchFamily="34" charset="0"/>
+              <a:buChar char="•"/>
+            </a:pPr>
+            <a:r>
+              <a:rPr lang="it-IT" sz="1800" dirty="0"/>
+              <a:t>Modo di </a:t>
+            </a:r>
+            <a:r>
+              <a:rPr lang="it-IT" dirty="0"/>
+              <a:t>parlare</a:t>
+            </a:r>
+            <a:endParaRPr lang="it-IT" sz="1800" dirty="0"/>
+          </a:p>
+          <a:p>
+            <a:pPr marL="342900" indent="-342900">
+              <a:buFont typeface="Arial" panose="020B0604020202020204" pitchFamily="34" charset="0"/>
+              <a:buChar char="•"/>
+            </a:pPr>
+            <a:endParaRPr lang="it-IT" dirty="0"/>
+          </a:p>
+          <a:p>
+            <a:pPr marL="342900" indent="-342900">
+              <a:buFont typeface="Arial" panose="020B0604020202020204" pitchFamily="34" charset="0"/>
+              <a:buChar char="•"/>
+            </a:pPr>
+            <a:endParaRPr lang="it-IT" sz="1800" dirty="0"/>
+          </a:p>
+          <a:p>
+            <a:pPr marL="342900" indent="-342900">
+              <a:buFont typeface="Arial" panose="020B0604020202020204" pitchFamily="34" charset="0"/>
+              <a:buChar char="•"/>
+            </a:pPr>
+            <a:endParaRPr lang="it-IT" dirty="0"/>
+          </a:p>
+          <a:p>
+            <a:pPr marL="342900" indent="-342900">
+              <a:buFont typeface="Arial" panose="020B0604020202020204" pitchFamily="34" charset="0"/>
+              <a:buChar char="•"/>
+            </a:pPr>
+            <a:endParaRPr lang="it-IT" sz="1800" dirty="0"/>
+          </a:p>
+        </p:txBody>
+      </p:sp>
+      <p:sp>
+        <p:nvSpPr>
+          <p:cNvPr id="4" name="CasellaDiTesto 3">
+            <a:extLst>
+              <a:ext uri="{FF2B5EF4-FFF2-40B4-BE49-F238E27FC236}">
+                <a16:creationId xmlns:a16="http://schemas.microsoft.com/office/drawing/2014/main" id="{EB007141-D4B8-082B-246F-B1F8B732786D}"/>
+              </a:ext>
+            </a:extLst>
+          </p:cNvPr>
+          <p:cNvSpPr txBox="1"/>
+          <p:nvPr/>
+        </p:nvSpPr>
+        <p:spPr>
+          <a:xfrm>
+            <a:off x="3180918" y="1090374"/>
+            <a:ext cx="6955463" cy="461665"/>
+          </a:xfrm>
+          <a:prstGeom prst="rect">
+            <a:avLst/>
+          </a:prstGeom>
+          <a:noFill/>
+        </p:spPr>
+        <p:txBody>
+          <a:bodyPr wrap="square" rtlCol="0">
+            <a:spAutoFit/>
+          </a:bodyPr>
+          <a:lstStyle/>
+          <a:p>
+            <a:r>
+              <a:rPr lang="it-IT" sz="2400" dirty="0"/>
+              <a:t>Scelta dell’input: parametri analizzati</a:t>
+            </a:r>
+          </a:p>
+        </p:txBody>
+      </p:sp>
+    </p:spTree>
+    <p:extLst>
+      <p:ext uri="{BB962C8B-B14F-4D97-AF65-F5344CB8AC3E}">
+        <p14:creationId xmlns:p14="http://schemas.microsoft.com/office/powerpoint/2010/main" val="3925692203"/>
+      </p:ext>
+    </p:extLst>
+  </p:cSld>
+  <p:clrMapOvr>
+    <a:masterClrMapping/>
+  </p:clrMapOvr>
+</p:sld>
+</file>
+
+<file path=ppt/slides/slide6.xml><?xml version="1.0" encoding="utf-8"?>
+<p:sld xmlns:a="http://schemas.openxmlformats.org/drawingml/2006/main" xmlns:r="http://schemas.openxmlformats.org/officeDocument/2006/relationships" xmlns:p="http://schemas.openxmlformats.org/presentationml/2006/main">
+  <p:cSld>
+    <p:spTree>
+      <p:nvGrpSpPr>
+        <p:cNvPr id="1" name=""/>
+        <p:cNvGrpSpPr/>
+        <p:nvPr/>
+      </p:nvGrpSpPr>
+      <p:grpSpPr>
+        <a:xfrm>
+          <a:off x="0" y="0"/>
+          <a:ext cx="0" cy="0"/>
+          <a:chOff x="0" y="0"/>
+          <a:chExt cx="0" cy="0"/>
+        </a:xfrm>
+      </p:grpSpPr>
+      <p:sp>
+        <p:nvSpPr>
+          <p:cNvPr id="3" name="Sottotitolo 2">
+            <a:extLst>
+              <a:ext uri="{FF2B5EF4-FFF2-40B4-BE49-F238E27FC236}">
+                <a16:creationId xmlns:a16="http://schemas.microsoft.com/office/drawing/2014/main" id="{04793D03-CD36-87FA-D46E-3B347C785E20}"/>
+              </a:ext>
+            </a:extLst>
+          </p:cNvPr>
+          <p:cNvSpPr>
+            <a:spLocks noGrp="1"/>
+          </p:cNvSpPr>
+          <p:nvPr>
+            <p:ph type="subTitle" idx="1"/>
+          </p:nvPr>
+        </p:nvSpPr>
+        <p:spPr/>
+        <p:txBody>
+          <a:bodyPr/>
+          <a:lstStyle/>
+          <a:p>
+            <a:endParaRPr lang="it-IT" dirty="0"/>
+          </a:p>
+        </p:txBody>
+      </p:sp>
+      <p:sp>
+        <p:nvSpPr>
+          <p:cNvPr id="7" name="Titolo 1">
+            <a:extLst>
+              <a:ext uri="{FF2B5EF4-FFF2-40B4-BE49-F238E27FC236}">
+                <a16:creationId xmlns:a16="http://schemas.microsoft.com/office/drawing/2014/main" id="{C6CA296C-565A-3CDF-D2CC-6CF8AFCC6511}"/>
+              </a:ext>
+            </a:extLst>
+          </p:cNvPr>
+          <p:cNvSpPr>
+            <a:spLocks noGrp="1"/>
+          </p:cNvSpPr>
+          <p:nvPr>
+            <p:ph type="ctrTitle"/>
+          </p:nvPr>
+        </p:nvSpPr>
+        <p:spPr>
+          <a:xfrm>
+            <a:off x="1464099" y="0"/>
+            <a:ext cx="10389103" cy="911833"/>
+          </a:xfrm>
+          <a:solidFill>
+            <a:schemeClr val="bg1"/>
+          </a:solidFill>
+        </p:spPr>
+        <p:txBody>
+          <a:bodyPr anchor="b">
+            <a:normAutofit fontScale="90000"/>
+          </a:bodyPr>
+          <a:lstStyle/>
+          <a:p>
+            <a:r>
+              <a:rPr lang="it-IT" sz="3200" b="1" dirty="0">
+                <a:latin typeface="Neue Haas Grotesk Text Pro" panose="020B0504020202020204" pitchFamily="34" charset="0"/>
+              </a:rPr>
+              <a:t>IMPLEMENTAZIONE DELLA MACCHINA DELLA VERITA </a:t>
+            </a:r>
+          </a:p>
+        </p:txBody>
+      </p:sp>
+      <p:sp>
+        <p:nvSpPr>
+          <p:cNvPr id="2" name="CasellaDiTesto 1">
+            <a:extLst>
+              <a:ext uri="{FF2B5EF4-FFF2-40B4-BE49-F238E27FC236}">
+                <a16:creationId xmlns:a16="http://schemas.microsoft.com/office/drawing/2014/main" id="{1F1C2ABC-739F-792B-6AA5-F4C04501D67B}"/>
+              </a:ext>
+            </a:extLst>
+          </p:cNvPr>
+          <p:cNvSpPr txBox="1"/>
+          <p:nvPr/>
+        </p:nvSpPr>
+        <p:spPr>
+          <a:xfrm>
+            <a:off x="4386866" y="1063870"/>
+            <a:ext cx="2716300" cy="461665"/>
+          </a:xfrm>
+          <a:prstGeom prst="rect">
+            <a:avLst/>
+          </a:prstGeom>
+          <a:noFill/>
+        </p:spPr>
+        <p:txBody>
+          <a:bodyPr wrap="square" rtlCol="0">
+            <a:spAutoFit/>
+          </a:bodyPr>
+          <a:lstStyle/>
+          <a:p>
+            <a:r>
+              <a:rPr lang="it-IT" sz="2400" dirty="0"/>
+              <a:t>Scelta dell’output</a:t>
+            </a:r>
+          </a:p>
+        </p:txBody>
+      </p:sp>
+    </p:spTree>
+    <p:extLst>
+      <p:ext uri="{BB962C8B-B14F-4D97-AF65-F5344CB8AC3E}">
+        <p14:creationId xmlns:p14="http://schemas.microsoft.com/office/powerpoint/2010/main" val="589458051"/>
+      </p:ext>
+    </p:extLst>
+  </p:cSld>
+  <p:clrMapOvr>
+    <a:masterClrMapping/>
+  </p:clrMapOvr>
+</p:sld>
+</file>
+
+<file path=ppt/slides/slide7.xml><?xml version="1.0" encoding="utf-8"?>
+<p:sld xmlns:a="http://schemas.openxmlformats.org/drawingml/2006/main" xmlns:r="http://schemas.openxmlformats.org/officeDocument/2006/relationships" xmlns:p="http://schemas.openxmlformats.org/presentationml/2006/main">
+  <p:cSld>
+    <p:spTree>
+      <p:nvGrpSpPr>
+        <p:cNvPr id="1" name=""/>
+        <p:cNvGrpSpPr/>
+        <p:nvPr/>
+      </p:nvGrpSpPr>
+      <p:grpSpPr>
+        <a:xfrm>
+          <a:off x="0" y="0"/>
+          <a:ext cx="0" cy="0"/>
+          <a:chOff x="0" y="0"/>
+          <a:chExt cx="0" cy="0"/>
+        </a:xfrm>
+      </p:grpSpPr>
+      <p:sp>
+        <p:nvSpPr>
+          <p:cNvPr id="3" name="Sottotitolo 2">
+            <a:extLst>
+              <a:ext uri="{FF2B5EF4-FFF2-40B4-BE49-F238E27FC236}">
+                <a16:creationId xmlns:a16="http://schemas.microsoft.com/office/drawing/2014/main" id="{04793D03-CD36-87FA-D46E-3B347C785E20}"/>
+              </a:ext>
+            </a:extLst>
+          </p:cNvPr>
+          <p:cNvSpPr>
+            <a:spLocks noGrp="1"/>
+          </p:cNvSpPr>
+          <p:nvPr>
+            <p:ph type="subTitle" idx="1"/>
+          </p:nvPr>
+        </p:nvSpPr>
+        <p:spPr/>
+        <p:txBody>
+          <a:bodyPr/>
+          <a:lstStyle/>
+          <a:p>
+            <a:endParaRPr lang="it-IT" dirty="0"/>
+          </a:p>
+        </p:txBody>
+      </p:sp>
+      <p:sp>
+        <p:nvSpPr>
+          <p:cNvPr id="7" name="Titolo 1">
+            <a:extLst>
+              <a:ext uri="{FF2B5EF4-FFF2-40B4-BE49-F238E27FC236}">
+                <a16:creationId xmlns:a16="http://schemas.microsoft.com/office/drawing/2014/main" id="{C6CA296C-565A-3CDF-D2CC-6CF8AFCC6511}"/>
+              </a:ext>
+            </a:extLst>
+          </p:cNvPr>
+          <p:cNvSpPr>
+            <a:spLocks noGrp="1"/>
+          </p:cNvSpPr>
+          <p:nvPr>
+            <p:ph type="ctrTitle"/>
+          </p:nvPr>
+        </p:nvSpPr>
+        <p:spPr>
+          <a:xfrm>
+            <a:off x="1464099" y="0"/>
+            <a:ext cx="10389103" cy="911833"/>
+          </a:xfrm>
+          <a:solidFill>
+            <a:schemeClr val="bg1"/>
+          </a:solidFill>
+        </p:spPr>
+        <p:txBody>
+          <a:bodyPr anchor="b">
+            <a:normAutofit fontScale="90000"/>
+          </a:bodyPr>
+          <a:lstStyle/>
+          <a:p>
+            <a:r>
+              <a:rPr lang="it-IT" sz="3200" b="1" dirty="0">
+                <a:latin typeface="Neue Haas Grotesk Text Pro" panose="020B0504020202020204" pitchFamily="34" charset="0"/>
+              </a:rPr>
+              <a:t>IMPLEMENTAZIONE DELLA MACCHINA DELLA VERITA </a:t>
+            </a:r>
+          </a:p>
+        </p:txBody>
+      </p:sp>
+      <p:sp>
+        <p:nvSpPr>
+          <p:cNvPr id="2" name="CasellaDiTesto 1">
+            <a:extLst>
+              <a:ext uri="{FF2B5EF4-FFF2-40B4-BE49-F238E27FC236}">
+                <a16:creationId xmlns:a16="http://schemas.microsoft.com/office/drawing/2014/main" id="{1F1C2ABC-739F-792B-6AA5-F4C04501D67B}"/>
+              </a:ext>
+            </a:extLst>
+          </p:cNvPr>
+          <p:cNvSpPr txBox="1"/>
+          <p:nvPr/>
+        </p:nvSpPr>
+        <p:spPr>
+          <a:xfrm>
+            <a:off x="2067339" y="1063870"/>
+            <a:ext cx="8229599" cy="461665"/>
+          </a:xfrm>
+          <a:prstGeom prst="rect">
+            <a:avLst/>
+          </a:prstGeom>
+          <a:noFill/>
+        </p:spPr>
+        <p:txBody>
+          <a:bodyPr wrap="square" rtlCol="0">
+            <a:spAutoFit/>
+          </a:bodyPr>
+          <a:lstStyle/>
+          <a:p>
+            <a:pPr algn="ctr"/>
+            <a:r>
+              <a:rPr lang="it-IT" sz="2400" dirty="0"/>
+              <a:t>Scelta dell’output: implementazione delle regole fuzzy</a:t>
+            </a:r>
+          </a:p>
+        </p:txBody>
+      </p:sp>
+    </p:spTree>
+    <p:extLst>
+      <p:ext uri="{BB962C8B-B14F-4D97-AF65-F5344CB8AC3E}">
+        <p14:creationId xmlns:p14="http://schemas.microsoft.com/office/powerpoint/2010/main" val="412318806"/>
+      </p:ext>
+    </p:extLst>
+  </p:cSld>
+  <p:clrMapOvr>
+    <a:masterClrMapping/>
+  </p:clrMapOvr>
+</p:sld>
+</file>
+
+<file path=ppt/slides/slide8.xml><?xml version="1.0" encoding="utf-8"?>
+<p:sld xmlns:a="http://schemas.openxmlformats.org/drawingml/2006/main" xmlns:r="http://schemas.openxmlformats.org/officeDocument/2006/relationships" xmlns:p="http://schemas.openxmlformats.org/presentationml/2006/main">
+  <p:cSld>
+    <p:spTree>
+      <p:nvGrpSpPr>
+        <p:cNvPr id="1" name=""/>
+        <p:cNvGrpSpPr/>
+        <p:nvPr/>
+      </p:nvGrpSpPr>
+      <p:grpSpPr>
+        <a:xfrm>
+          <a:off x="0" y="0"/>
+          <a:ext cx="0" cy="0"/>
+          <a:chOff x="0" y="0"/>
+          <a:chExt cx="0" cy="0"/>
+        </a:xfrm>
+      </p:grpSpPr>
+      <p:sp>
+        <p:nvSpPr>
+          <p:cNvPr id="3" name="Sottotitolo 2">
+            <a:extLst>
+              <a:ext uri="{FF2B5EF4-FFF2-40B4-BE49-F238E27FC236}">
+                <a16:creationId xmlns:a16="http://schemas.microsoft.com/office/drawing/2014/main" id="{04793D03-CD36-87FA-D46E-3B347C785E20}"/>
+              </a:ext>
+            </a:extLst>
+          </p:cNvPr>
+          <p:cNvSpPr>
+            <a:spLocks noGrp="1"/>
+          </p:cNvSpPr>
+          <p:nvPr>
+            <p:ph type="subTitle" idx="1"/>
+          </p:nvPr>
+        </p:nvSpPr>
+        <p:spPr/>
+        <p:txBody>
+          <a:bodyPr/>
+          <a:lstStyle/>
+          <a:p>
+            <a:endParaRPr lang="it-IT" dirty="0"/>
+          </a:p>
+        </p:txBody>
+      </p:sp>
+      <p:sp>
+        <p:nvSpPr>
+          <p:cNvPr id="7" name="Titolo 1">
+            <a:extLst>
+              <a:ext uri="{FF2B5EF4-FFF2-40B4-BE49-F238E27FC236}">
+                <a16:creationId xmlns:a16="http://schemas.microsoft.com/office/drawing/2014/main" id="{C6CA296C-565A-3CDF-D2CC-6CF8AFCC6511}"/>
+              </a:ext>
+            </a:extLst>
+          </p:cNvPr>
+          <p:cNvSpPr>
+            <a:spLocks noGrp="1"/>
+          </p:cNvSpPr>
+          <p:nvPr>
+            <p:ph type="ctrTitle"/>
+          </p:nvPr>
+        </p:nvSpPr>
+        <p:spPr>
+          <a:xfrm>
+            <a:off x="1464099" y="0"/>
+            <a:ext cx="10389103" cy="911833"/>
+          </a:xfrm>
+          <a:solidFill>
+            <a:schemeClr val="bg1"/>
+          </a:solidFill>
+        </p:spPr>
+        <p:txBody>
+          <a:bodyPr anchor="b">
+            <a:normAutofit fontScale="90000"/>
+          </a:bodyPr>
+          <a:lstStyle/>
+          <a:p>
+            <a:r>
+              <a:rPr lang="it-IT" sz="3200" b="1" dirty="0">
+                <a:latin typeface="Neue Haas Grotesk Text Pro" panose="020B0504020202020204" pitchFamily="34" charset="0"/>
+              </a:rPr>
+              <a:t>IMPLEMENTAZIONE DELLA MACCHINA DELLA VERITA </a:t>
+            </a:r>
+          </a:p>
+        </p:txBody>
+      </p:sp>
+      <p:sp>
+        <p:nvSpPr>
+          <p:cNvPr id="2" name="CasellaDiTesto 1">
+            <a:extLst>
+              <a:ext uri="{FF2B5EF4-FFF2-40B4-BE49-F238E27FC236}">
+                <a16:creationId xmlns:a16="http://schemas.microsoft.com/office/drawing/2014/main" id="{1F1C2ABC-739F-792B-6AA5-F4C04501D67B}"/>
+              </a:ext>
+            </a:extLst>
+          </p:cNvPr>
+          <p:cNvSpPr txBox="1"/>
+          <p:nvPr/>
+        </p:nvSpPr>
+        <p:spPr>
+          <a:xfrm>
+            <a:off x="1464099" y="1050617"/>
+            <a:ext cx="8229599" cy="461665"/>
+          </a:xfrm>
+          <a:prstGeom prst="rect">
+            <a:avLst/>
+          </a:prstGeom>
+          <a:noFill/>
+        </p:spPr>
+        <p:txBody>
+          <a:bodyPr wrap="square" rtlCol="0">
+            <a:spAutoFit/>
+          </a:bodyPr>
+          <a:lstStyle/>
+          <a:p>
+            <a:pPr algn="ctr"/>
+            <a:r>
+              <a:rPr lang="it-IT" sz="2400" dirty="0"/>
+              <a:t>Esempi applicativi</a:t>
+            </a:r>
+          </a:p>
+        </p:txBody>
+      </p:sp>
+    </p:spTree>
+    <p:extLst>
+      <p:ext uri="{BB962C8B-B14F-4D97-AF65-F5344CB8AC3E}">
+        <p14:creationId xmlns:p14="http://schemas.microsoft.com/office/powerpoint/2010/main" val="2304897171"/>
       </p:ext>
     </p:extLst>
   </p:cSld>

--- a/LA VERITÀ STA NEI GESTI.pptx
+++ b/LA VERITÀ STA NEI GESTI.pptx
@@ -13,6 +13,7 @@
     <p:sldId id="261" r:id="rId7"/>
     <p:sldId id="262" r:id="rId8"/>
     <p:sldId id="263" r:id="rId9"/>
+    <p:sldId id="264" r:id="rId10"/>
   </p:sldIdLst>
   <p:sldSz cx="12192000" cy="6858000"/>
   <p:notesSz cx="6858000" cy="9144000"/>
@@ -6811,6 +6812,137 @@
 </p:sld>
 </file>
 
+<file path=ppt/slides/slide9.xml><?xml version="1.0" encoding="utf-8"?>
+<p:sld xmlns:a="http://schemas.openxmlformats.org/drawingml/2006/main" xmlns:r="http://schemas.openxmlformats.org/officeDocument/2006/relationships" xmlns:p="http://schemas.openxmlformats.org/presentationml/2006/main">
+  <p:cSld>
+    <p:spTree>
+      <p:nvGrpSpPr>
+        <p:cNvPr id="1" name=""/>
+        <p:cNvGrpSpPr/>
+        <p:nvPr/>
+      </p:nvGrpSpPr>
+      <p:grpSpPr>
+        <a:xfrm>
+          <a:off x="0" y="0"/>
+          <a:ext cx="0" cy="0"/>
+          <a:chOff x="0" y="0"/>
+          <a:chExt cx="0" cy="0"/>
+        </a:xfrm>
+      </p:grpSpPr>
+      <p:sp>
+        <p:nvSpPr>
+          <p:cNvPr id="3" name="Sottotitolo 2">
+            <a:extLst>
+              <a:ext uri="{FF2B5EF4-FFF2-40B4-BE49-F238E27FC236}">
+                <a16:creationId xmlns:a16="http://schemas.microsoft.com/office/drawing/2014/main" id="{6B8B845A-3AC7-6D1F-E8D4-33815172593F}"/>
+              </a:ext>
+            </a:extLst>
+          </p:cNvPr>
+          <p:cNvSpPr>
+            <a:spLocks noGrp="1"/>
+          </p:cNvSpPr>
+          <p:nvPr>
+            <p:ph type="subTitle" idx="1"/>
+          </p:nvPr>
+        </p:nvSpPr>
+        <p:spPr/>
+        <p:txBody>
+          <a:bodyPr/>
+          <a:lstStyle/>
+          <a:p>
+            <a:endParaRPr lang="it-IT"/>
+          </a:p>
+        </p:txBody>
+      </p:sp>
+      <p:sp>
+        <p:nvSpPr>
+          <p:cNvPr id="4" name="Titolo 1">
+            <a:extLst>
+              <a:ext uri="{FF2B5EF4-FFF2-40B4-BE49-F238E27FC236}">
+                <a16:creationId xmlns:a16="http://schemas.microsoft.com/office/drawing/2014/main" id="{69C6F4FD-BA62-586A-8CC4-D399AF387611}"/>
+              </a:ext>
+            </a:extLst>
+          </p:cNvPr>
+          <p:cNvSpPr>
+            <a:spLocks noGrp="1"/>
+          </p:cNvSpPr>
+          <p:nvPr>
+            <p:ph type="ctrTitle"/>
+          </p:nvPr>
+        </p:nvSpPr>
+        <p:spPr>
+          <a:xfrm>
+            <a:off x="1464099" y="0"/>
+            <a:ext cx="10389103" cy="911833"/>
+          </a:xfrm>
+          <a:solidFill>
+            <a:schemeClr val="bg1"/>
+          </a:solidFill>
+        </p:spPr>
+        <p:txBody>
+          <a:bodyPr anchor="b">
+            <a:normAutofit fontScale="90000"/>
+          </a:bodyPr>
+          <a:lstStyle/>
+          <a:p>
+            <a:r>
+              <a:rPr lang="it-IT" sz="3200" b="1" dirty="0">
+                <a:latin typeface="Neue Haas Grotesk Text Pro" panose="020B0504020202020204" pitchFamily="34" charset="0"/>
+              </a:rPr>
+              <a:t>IMPLEMENTAZIONE DELLA MACCHINA DELLA VERITA </a:t>
+            </a:r>
+          </a:p>
+        </p:txBody>
+      </p:sp>
+      <p:sp>
+        <p:nvSpPr>
+          <p:cNvPr id="5" name="CasellaDiTesto 4">
+            <a:extLst>
+              <a:ext uri="{FF2B5EF4-FFF2-40B4-BE49-F238E27FC236}">
+                <a16:creationId xmlns:a16="http://schemas.microsoft.com/office/drawing/2014/main" id="{505BEDF1-7245-6F5E-7C2B-6167BF70B360}"/>
+              </a:ext>
+            </a:extLst>
+          </p:cNvPr>
+          <p:cNvSpPr txBox="1"/>
+          <p:nvPr/>
+        </p:nvSpPr>
+        <p:spPr>
+          <a:xfrm>
+            <a:off x="1464099" y="1050617"/>
+            <a:ext cx="8229599" cy="461665"/>
+          </a:xfrm>
+          <a:prstGeom prst="rect">
+            <a:avLst/>
+          </a:prstGeom>
+          <a:noFill/>
+        </p:spPr>
+        <p:txBody>
+          <a:bodyPr wrap="square" rtlCol="0">
+            <a:spAutoFit/>
+          </a:bodyPr>
+          <a:lstStyle/>
+          <a:p>
+            <a:pPr algn="ctr"/>
+            <a:r>
+              <a:rPr lang="it-IT" sz="2400" dirty="0"/>
+              <a:t>Valutazione dei risultati ottenuti</a:t>
+            </a:r>
+          </a:p>
+        </p:txBody>
+      </p:sp>
+    </p:spTree>
+    <p:extLst>
+      <p:ext uri="{BB962C8B-B14F-4D97-AF65-F5344CB8AC3E}">
+        <p14:creationId xmlns:p14="http://schemas.microsoft.com/office/powerpoint/2010/main" val="3753401525"/>
+      </p:ext>
+    </p:extLst>
+  </p:cSld>
+  <p:clrMapOvr>
+    <a:masterClrMapping/>
+  </p:clrMapOvr>
+</p:sld>
+</file>
+
 <file path=ppt/theme/theme1.xml><?xml version="1.0" encoding="utf-8"?>
 <a:theme xmlns:a="http://schemas.openxmlformats.org/drawingml/2006/main" name="AccentBoxVTI">
   <a:themeElements>

--- a/LA VERITÀ STA NEI GESTI.pptx
+++ b/LA VERITÀ STA NEI GESTI.pptx
@@ -7,13 +7,17 @@
   <p:sldIdLst>
     <p:sldId id="256" r:id="rId2"/>
     <p:sldId id="258" r:id="rId3"/>
-    <p:sldId id="257" r:id="rId4"/>
-    <p:sldId id="259" r:id="rId5"/>
-    <p:sldId id="260" r:id="rId6"/>
-    <p:sldId id="261" r:id="rId7"/>
-    <p:sldId id="262" r:id="rId8"/>
-    <p:sldId id="263" r:id="rId9"/>
-    <p:sldId id="264" r:id="rId10"/>
+    <p:sldId id="265" r:id="rId4"/>
+    <p:sldId id="257" r:id="rId5"/>
+    <p:sldId id="266" r:id="rId6"/>
+    <p:sldId id="267" r:id="rId7"/>
+    <p:sldId id="259" r:id="rId8"/>
+    <p:sldId id="268" r:id="rId9"/>
+    <p:sldId id="260" r:id="rId10"/>
+    <p:sldId id="261" r:id="rId11"/>
+    <p:sldId id="262" r:id="rId12"/>
+    <p:sldId id="263" r:id="rId13"/>
+    <p:sldId id="264" r:id="rId14"/>
   </p:sldIdLst>
   <p:sldSz cx="12192000" cy="6858000"/>
   <p:notesSz cx="6858000" cy="9144000"/>
@@ -196,6 +200,33 @@
 </inkml:ink>
 </file>
 
+<file path=ppt/ink/ink4.xml><?xml version="1.0" encoding="utf-8"?>
+<inkml:ink xmlns:inkml="http://www.w3.org/2003/InkML">
+  <inkml:definitions>
+    <inkml:context xml:id="ctx0">
+      <inkml:inkSource xml:id="inkSrc0">
+        <inkml:traceFormat>
+          <inkml:channel name="X" type="integer" min="-2.14748E9" max="2.14748E9" units="cm"/>
+          <inkml:channel name="Y" type="integer" min="-2.14748E9" max="2.14748E9" units="cm"/>
+          <inkml:channel name="F" type="integer" max="32767" units="dev"/>
+        </inkml:traceFormat>
+        <inkml:channelProperties>
+          <inkml:channelProperty channel="X" name="resolution" value="1000" units="1/cm"/>
+          <inkml:channelProperty channel="Y" name="resolution" value="1000" units="1/cm"/>
+          <inkml:channelProperty channel="F" name="resolution" value="0" units="1/dev"/>
+        </inkml:channelProperties>
+      </inkml:inkSource>
+      <inkml:timestamp xml:id="ts0" timeString="2023-02-23T20:00:52.595"/>
+    </inkml:context>
+    <inkml:brush xml:id="br0">
+      <inkml:brushProperty name="width" value="0.05" units="cm"/>
+      <inkml:brushProperty name="height" value="0.05" units="cm"/>
+    </inkml:brush>
+  </inkml:definitions>
+  <inkml:trace contextRef="#ctx0" brushRef="#br0">1 0 24575,'0'0'-8191</inkml:trace>
+</inkml:ink>
+</file>
+
 <file path=ppt/slideLayouts/slideLayout1.xml><?xml version="1.0" encoding="utf-8"?>
 <p:sldLayout xmlns:a="http://schemas.openxmlformats.org/drawingml/2006/main" xmlns:r="http://schemas.openxmlformats.org/officeDocument/2006/relationships" xmlns:p="http://schemas.openxmlformats.org/presentationml/2006/main" type="title" preserve="1">
   <p:cSld name="Title Slide">
@@ -4577,9 +4608,14 @@
 <p:sldMaster xmlns:a="http://schemas.openxmlformats.org/drawingml/2006/main" xmlns:r="http://schemas.openxmlformats.org/officeDocument/2006/relationships" xmlns:p="http://schemas.openxmlformats.org/presentationml/2006/main">
   <p:cSld>
     <p:bg>
-      <p:bgRef idx="1001">
-        <a:schemeClr val="bg1"/>
-      </p:bgRef>
+      <p:bgPr>
+        <a:solidFill>
+          <a:srgbClr val="002060">
+            <a:alpha val="17000"/>
+          </a:srgbClr>
+        </a:solidFill>
+        <a:effectLst/>
+      </p:bgPr>
     </p:bg>
     <p:spTree>
       <p:nvGrpSpPr>
@@ -5146,14 +5182,6 @@
 <file path=ppt/slides/slide1.xml><?xml version="1.0" encoding="utf-8"?>
 <p:sld xmlns:a="http://schemas.openxmlformats.org/drawingml/2006/main" xmlns:r="http://schemas.openxmlformats.org/officeDocument/2006/relationships" xmlns:p="http://schemas.openxmlformats.org/presentationml/2006/main">
   <p:cSld>
-    <p:bg>
-      <p:bgPr>
-        <a:solidFill>
-          <a:schemeClr val="bg1"/>
-        </a:solidFill>
-        <a:effectLst/>
-      </p:bgPr>
-    </p:bg>
     <p:spTree>
       <p:nvGrpSpPr>
         <p:cNvPr id="1" name=""/>
@@ -5501,6 +5529,529 @@
 </p:sld>
 </file>
 
+<file path=ppt/slides/slide10.xml><?xml version="1.0" encoding="utf-8"?>
+<p:sld xmlns:a="http://schemas.openxmlformats.org/drawingml/2006/main" xmlns:r="http://schemas.openxmlformats.org/officeDocument/2006/relationships" xmlns:p="http://schemas.openxmlformats.org/presentationml/2006/main">
+  <p:cSld>
+    <p:spTree>
+      <p:nvGrpSpPr>
+        <p:cNvPr id="1" name=""/>
+        <p:cNvGrpSpPr/>
+        <p:nvPr/>
+      </p:nvGrpSpPr>
+      <p:grpSpPr>
+        <a:xfrm>
+          <a:off x="0" y="0"/>
+          <a:ext cx="0" cy="0"/>
+          <a:chOff x="0" y="0"/>
+          <a:chExt cx="0" cy="0"/>
+        </a:xfrm>
+      </p:grpSpPr>
+      <p:sp>
+        <p:nvSpPr>
+          <p:cNvPr id="3" name="Sottotitolo 2">
+            <a:extLst>
+              <a:ext uri="{FF2B5EF4-FFF2-40B4-BE49-F238E27FC236}">
+                <a16:creationId xmlns:a16="http://schemas.microsoft.com/office/drawing/2014/main" id="{04793D03-CD36-87FA-D46E-3B347C785E20}"/>
+              </a:ext>
+            </a:extLst>
+          </p:cNvPr>
+          <p:cNvSpPr>
+            <a:spLocks noGrp="1"/>
+          </p:cNvSpPr>
+          <p:nvPr>
+            <p:ph type="subTitle" idx="1"/>
+          </p:nvPr>
+        </p:nvSpPr>
+        <p:spPr/>
+        <p:txBody>
+          <a:bodyPr/>
+          <a:lstStyle/>
+          <a:p>
+            <a:endParaRPr lang="it-IT" dirty="0"/>
+          </a:p>
+        </p:txBody>
+      </p:sp>
+      <p:sp>
+        <p:nvSpPr>
+          <p:cNvPr id="7" name="Titolo 1">
+            <a:extLst>
+              <a:ext uri="{FF2B5EF4-FFF2-40B4-BE49-F238E27FC236}">
+                <a16:creationId xmlns:a16="http://schemas.microsoft.com/office/drawing/2014/main" id="{C6CA296C-565A-3CDF-D2CC-6CF8AFCC6511}"/>
+              </a:ext>
+            </a:extLst>
+          </p:cNvPr>
+          <p:cNvSpPr>
+            <a:spLocks noGrp="1"/>
+          </p:cNvSpPr>
+          <p:nvPr>
+            <p:ph type="ctrTitle"/>
+          </p:nvPr>
+        </p:nvSpPr>
+        <p:spPr>
+          <a:xfrm>
+            <a:off x="1464099" y="204716"/>
+            <a:ext cx="10389103" cy="707117"/>
+          </a:xfrm>
+          <a:solidFill>
+            <a:schemeClr val="bg1"/>
+          </a:solidFill>
+        </p:spPr>
+        <p:txBody>
+          <a:bodyPr anchor="b">
+            <a:normAutofit fontScale="90000"/>
+          </a:bodyPr>
+          <a:lstStyle/>
+          <a:p>
+            <a:r>
+              <a:rPr lang="it-IT" sz="3200" b="1" dirty="0">
+                <a:latin typeface="Neue Haas Grotesk Text Pro" panose="020B0504020202020204" pitchFamily="34" charset="0"/>
+              </a:rPr>
+              <a:t>IMPLEMENTAZIONE DELLA MACCHINA DELLA VERITA </a:t>
+            </a:r>
+          </a:p>
+        </p:txBody>
+      </p:sp>
+      <p:sp>
+        <p:nvSpPr>
+          <p:cNvPr id="2" name="CasellaDiTesto 1">
+            <a:extLst>
+              <a:ext uri="{FF2B5EF4-FFF2-40B4-BE49-F238E27FC236}">
+                <a16:creationId xmlns:a16="http://schemas.microsoft.com/office/drawing/2014/main" id="{1F1C2ABC-739F-792B-6AA5-F4C04501D67B}"/>
+              </a:ext>
+            </a:extLst>
+          </p:cNvPr>
+          <p:cNvSpPr txBox="1"/>
+          <p:nvPr/>
+        </p:nvSpPr>
+        <p:spPr>
+          <a:xfrm>
+            <a:off x="4386866" y="1063870"/>
+            <a:ext cx="2716300" cy="461665"/>
+          </a:xfrm>
+          <a:prstGeom prst="rect">
+            <a:avLst/>
+          </a:prstGeom>
+          <a:noFill/>
+        </p:spPr>
+        <p:txBody>
+          <a:bodyPr wrap="square" rtlCol="0">
+            <a:spAutoFit/>
+          </a:bodyPr>
+          <a:lstStyle/>
+          <a:p>
+            <a:r>
+              <a:rPr lang="it-IT" sz="2400" dirty="0"/>
+              <a:t>Scelta dell’output</a:t>
+            </a:r>
+          </a:p>
+        </p:txBody>
+      </p:sp>
+    </p:spTree>
+    <p:extLst>
+      <p:ext uri="{BB962C8B-B14F-4D97-AF65-F5344CB8AC3E}">
+        <p14:creationId xmlns:p14="http://schemas.microsoft.com/office/powerpoint/2010/main" val="589458051"/>
+      </p:ext>
+    </p:extLst>
+  </p:cSld>
+  <p:clrMapOvr>
+    <a:masterClrMapping/>
+  </p:clrMapOvr>
+</p:sld>
+</file>
+
+<file path=ppt/slides/slide11.xml><?xml version="1.0" encoding="utf-8"?>
+<p:sld xmlns:a="http://schemas.openxmlformats.org/drawingml/2006/main" xmlns:r="http://schemas.openxmlformats.org/officeDocument/2006/relationships" xmlns:p="http://schemas.openxmlformats.org/presentationml/2006/main">
+  <p:cSld>
+    <p:spTree>
+      <p:nvGrpSpPr>
+        <p:cNvPr id="1" name=""/>
+        <p:cNvGrpSpPr/>
+        <p:nvPr/>
+      </p:nvGrpSpPr>
+      <p:grpSpPr>
+        <a:xfrm>
+          <a:off x="0" y="0"/>
+          <a:ext cx="0" cy="0"/>
+          <a:chOff x="0" y="0"/>
+          <a:chExt cx="0" cy="0"/>
+        </a:xfrm>
+      </p:grpSpPr>
+      <p:sp>
+        <p:nvSpPr>
+          <p:cNvPr id="3" name="Sottotitolo 2">
+            <a:extLst>
+              <a:ext uri="{FF2B5EF4-FFF2-40B4-BE49-F238E27FC236}">
+                <a16:creationId xmlns:a16="http://schemas.microsoft.com/office/drawing/2014/main" id="{04793D03-CD36-87FA-D46E-3B347C785E20}"/>
+              </a:ext>
+            </a:extLst>
+          </p:cNvPr>
+          <p:cNvSpPr>
+            <a:spLocks noGrp="1"/>
+          </p:cNvSpPr>
+          <p:nvPr>
+            <p:ph type="subTitle" idx="1"/>
+          </p:nvPr>
+        </p:nvSpPr>
+        <p:spPr/>
+        <p:txBody>
+          <a:bodyPr/>
+          <a:lstStyle/>
+          <a:p>
+            <a:endParaRPr lang="it-IT" dirty="0"/>
+          </a:p>
+        </p:txBody>
+      </p:sp>
+      <p:sp>
+        <p:nvSpPr>
+          <p:cNvPr id="7" name="Titolo 1">
+            <a:extLst>
+              <a:ext uri="{FF2B5EF4-FFF2-40B4-BE49-F238E27FC236}">
+                <a16:creationId xmlns:a16="http://schemas.microsoft.com/office/drawing/2014/main" id="{C6CA296C-565A-3CDF-D2CC-6CF8AFCC6511}"/>
+              </a:ext>
+            </a:extLst>
+          </p:cNvPr>
+          <p:cNvSpPr>
+            <a:spLocks noGrp="1"/>
+          </p:cNvSpPr>
+          <p:nvPr>
+            <p:ph type="ctrTitle"/>
+          </p:nvPr>
+        </p:nvSpPr>
+        <p:spPr>
+          <a:xfrm>
+            <a:off x="1464099" y="0"/>
+            <a:ext cx="10389103" cy="911833"/>
+          </a:xfrm>
+          <a:solidFill>
+            <a:schemeClr val="bg1"/>
+          </a:solidFill>
+        </p:spPr>
+        <p:txBody>
+          <a:bodyPr anchor="b">
+            <a:normAutofit fontScale="90000"/>
+          </a:bodyPr>
+          <a:lstStyle/>
+          <a:p>
+            <a:r>
+              <a:rPr lang="it-IT" sz="3200" b="1" dirty="0">
+                <a:latin typeface="Neue Haas Grotesk Text Pro" panose="020B0504020202020204" pitchFamily="34" charset="0"/>
+              </a:rPr>
+              <a:t>IMPLEMENTAZIONE DELLA MACCHINA DELLA VERITA </a:t>
+            </a:r>
+          </a:p>
+        </p:txBody>
+      </p:sp>
+      <p:sp>
+        <p:nvSpPr>
+          <p:cNvPr id="2" name="CasellaDiTesto 1">
+            <a:extLst>
+              <a:ext uri="{FF2B5EF4-FFF2-40B4-BE49-F238E27FC236}">
+                <a16:creationId xmlns:a16="http://schemas.microsoft.com/office/drawing/2014/main" id="{1F1C2ABC-739F-792B-6AA5-F4C04501D67B}"/>
+              </a:ext>
+            </a:extLst>
+          </p:cNvPr>
+          <p:cNvSpPr txBox="1"/>
+          <p:nvPr/>
+        </p:nvSpPr>
+        <p:spPr>
+          <a:xfrm>
+            <a:off x="2067339" y="1063870"/>
+            <a:ext cx="8229599" cy="461665"/>
+          </a:xfrm>
+          <a:prstGeom prst="rect">
+            <a:avLst/>
+          </a:prstGeom>
+          <a:noFill/>
+        </p:spPr>
+        <p:txBody>
+          <a:bodyPr wrap="square" rtlCol="0">
+            <a:spAutoFit/>
+          </a:bodyPr>
+          <a:lstStyle/>
+          <a:p>
+            <a:pPr algn="ctr"/>
+            <a:r>
+              <a:rPr lang="it-IT" sz="2400" dirty="0"/>
+              <a:t>Scelta dell’output: implementazione delle regole fuzzy</a:t>
+            </a:r>
+          </a:p>
+        </p:txBody>
+      </p:sp>
+    </p:spTree>
+    <p:extLst>
+      <p:ext uri="{BB962C8B-B14F-4D97-AF65-F5344CB8AC3E}">
+        <p14:creationId xmlns:p14="http://schemas.microsoft.com/office/powerpoint/2010/main" val="412318806"/>
+      </p:ext>
+    </p:extLst>
+  </p:cSld>
+  <p:clrMapOvr>
+    <a:masterClrMapping/>
+  </p:clrMapOvr>
+</p:sld>
+</file>
+
+<file path=ppt/slides/slide12.xml><?xml version="1.0" encoding="utf-8"?>
+<p:sld xmlns:a="http://schemas.openxmlformats.org/drawingml/2006/main" xmlns:r="http://schemas.openxmlformats.org/officeDocument/2006/relationships" xmlns:p="http://schemas.openxmlformats.org/presentationml/2006/main">
+  <p:cSld>
+    <p:spTree>
+      <p:nvGrpSpPr>
+        <p:cNvPr id="1" name=""/>
+        <p:cNvGrpSpPr/>
+        <p:nvPr/>
+      </p:nvGrpSpPr>
+      <p:grpSpPr>
+        <a:xfrm>
+          <a:off x="0" y="0"/>
+          <a:ext cx="0" cy="0"/>
+          <a:chOff x="0" y="0"/>
+          <a:chExt cx="0" cy="0"/>
+        </a:xfrm>
+      </p:grpSpPr>
+      <p:sp>
+        <p:nvSpPr>
+          <p:cNvPr id="3" name="Sottotitolo 2">
+            <a:extLst>
+              <a:ext uri="{FF2B5EF4-FFF2-40B4-BE49-F238E27FC236}">
+                <a16:creationId xmlns:a16="http://schemas.microsoft.com/office/drawing/2014/main" id="{04793D03-CD36-87FA-D46E-3B347C785E20}"/>
+              </a:ext>
+            </a:extLst>
+          </p:cNvPr>
+          <p:cNvSpPr>
+            <a:spLocks noGrp="1"/>
+          </p:cNvSpPr>
+          <p:nvPr>
+            <p:ph type="subTitle" idx="1"/>
+          </p:nvPr>
+        </p:nvSpPr>
+        <p:spPr/>
+        <p:txBody>
+          <a:bodyPr/>
+          <a:lstStyle/>
+          <a:p>
+            <a:endParaRPr lang="it-IT" dirty="0"/>
+          </a:p>
+        </p:txBody>
+      </p:sp>
+      <p:sp>
+        <p:nvSpPr>
+          <p:cNvPr id="7" name="Titolo 1">
+            <a:extLst>
+              <a:ext uri="{FF2B5EF4-FFF2-40B4-BE49-F238E27FC236}">
+                <a16:creationId xmlns:a16="http://schemas.microsoft.com/office/drawing/2014/main" id="{C6CA296C-565A-3CDF-D2CC-6CF8AFCC6511}"/>
+              </a:ext>
+            </a:extLst>
+          </p:cNvPr>
+          <p:cNvSpPr>
+            <a:spLocks noGrp="1"/>
+          </p:cNvSpPr>
+          <p:nvPr>
+            <p:ph type="ctrTitle"/>
+          </p:nvPr>
+        </p:nvSpPr>
+        <p:spPr>
+          <a:xfrm>
+            <a:off x="1464099" y="0"/>
+            <a:ext cx="10389103" cy="911833"/>
+          </a:xfrm>
+          <a:solidFill>
+            <a:schemeClr val="bg1"/>
+          </a:solidFill>
+        </p:spPr>
+        <p:txBody>
+          <a:bodyPr anchor="b">
+            <a:normAutofit fontScale="90000"/>
+          </a:bodyPr>
+          <a:lstStyle/>
+          <a:p>
+            <a:r>
+              <a:rPr lang="it-IT" sz="3200" b="1" dirty="0">
+                <a:latin typeface="Neue Haas Grotesk Text Pro" panose="020B0504020202020204" pitchFamily="34" charset="0"/>
+              </a:rPr>
+              <a:t>IMPLEMENTAZIONE DELLA MACCHINA DELLA VERITA </a:t>
+            </a:r>
+          </a:p>
+        </p:txBody>
+      </p:sp>
+      <p:sp>
+        <p:nvSpPr>
+          <p:cNvPr id="2" name="CasellaDiTesto 1">
+            <a:extLst>
+              <a:ext uri="{FF2B5EF4-FFF2-40B4-BE49-F238E27FC236}">
+                <a16:creationId xmlns:a16="http://schemas.microsoft.com/office/drawing/2014/main" id="{1F1C2ABC-739F-792B-6AA5-F4C04501D67B}"/>
+              </a:ext>
+            </a:extLst>
+          </p:cNvPr>
+          <p:cNvSpPr txBox="1"/>
+          <p:nvPr/>
+        </p:nvSpPr>
+        <p:spPr>
+          <a:xfrm>
+            <a:off x="1464099" y="1050617"/>
+            <a:ext cx="8229599" cy="461665"/>
+          </a:xfrm>
+          <a:prstGeom prst="rect">
+            <a:avLst/>
+          </a:prstGeom>
+          <a:noFill/>
+        </p:spPr>
+        <p:txBody>
+          <a:bodyPr wrap="square" rtlCol="0">
+            <a:spAutoFit/>
+          </a:bodyPr>
+          <a:lstStyle/>
+          <a:p>
+            <a:pPr algn="ctr"/>
+            <a:r>
+              <a:rPr lang="it-IT" sz="2400" dirty="0"/>
+              <a:t>Esempi applicativi</a:t>
+            </a:r>
+          </a:p>
+        </p:txBody>
+      </p:sp>
+    </p:spTree>
+    <p:extLst>
+      <p:ext uri="{BB962C8B-B14F-4D97-AF65-F5344CB8AC3E}">
+        <p14:creationId xmlns:p14="http://schemas.microsoft.com/office/powerpoint/2010/main" val="2304897171"/>
+      </p:ext>
+    </p:extLst>
+  </p:cSld>
+  <p:clrMapOvr>
+    <a:masterClrMapping/>
+  </p:clrMapOvr>
+</p:sld>
+</file>
+
+<file path=ppt/slides/slide13.xml><?xml version="1.0" encoding="utf-8"?>
+<p:sld xmlns:a="http://schemas.openxmlformats.org/drawingml/2006/main" xmlns:r="http://schemas.openxmlformats.org/officeDocument/2006/relationships" xmlns:p="http://schemas.openxmlformats.org/presentationml/2006/main">
+  <p:cSld>
+    <p:spTree>
+      <p:nvGrpSpPr>
+        <p:cNvPr id="1" name=""/>
+        <p:cNvGrpSpPr/>
+        <p:nvPr/>
+      </p:nvGrpSpPr>
+      <p:grpSpPr>
+        <a:xfrm>
+          <a:off x="0" y="0"/>
+          <a:ext cx="0" cy="0"/>
+          <a:chOff x="0" y="0"/>
+          <a:chExt cx="0" cy="0"/>
+        </a:xfrm>
+      </p:grpSpPr>
+      <p:sp>
+        <p:nvSpPr>
+          <p:cNvPr id="3" name="Sottotitolo 2">
+            <a:extLst>
+              <a:ext uri="{FF2B5EF4-FFF2-40B4-BE49-F238E27FC236}">
+                <a16:creationId xmlns:a16="http://schemas.microsoft.com/office/drawing/2014/main" id="{6B8B845A-3AC7-6D1F-E8D4-33815172593F}"/>
+              </a:ext>
+            </a:extLst>
+          </p:cNvPr>
+          <p:cNvSpPr>
+            <a:spLocks noGrp="1"/>
+          </p:cNvSpPr>
+          <p:nvPr>
+            <p:ph type="subTitle" idx="1"/>
+          </p:nvPr>
+        </p:nvSpPr>
+        <p:spPr/>
+        <p:txBody>
+          <a:bodyPr/>
+          <a:lstStyle/>
+          <a:p>
+            <a:endParaRPr lang="it-IT"/>
+          </a:p>
+        </p:txBody>
+      </p:sp>
+      <p:sp>
+        <p:nvSpPr>
+          <p:cNvPr id="4" name="Titolo 1">
+            <a:extLst>
+              <a:ext uri="{FF2B5EF4-FFF2-40B4-BE49-F238E27FC236}">
+                <a16:creationId xmlns:a16="http://schemas.microsoft.com/office/drawing/2014/main" id="{69C6F4FD-BA62-586A-8CC4-D399AF387611}"/>
+              </a:ext>
+            </a:extLst>
+          </p:cNvPr>
+          <p:cNvSpPr>
+            <a:spLocks noGrp="1"/>
+          </p:cNvSpPr>
+          <p:nvPr>
+            <p:ph type="ctrTitle"/>
+          </p:nvPr>
+        </p:nvSpPr>
+        <p:spPr>
+          <a:xfrm>
+            <a:off x="1464099" y="0"/>
+            <a:ext cx="10389103" cy="911833"/>
+          </a:xfrm>
+          <a:solidFill>
+            <a:schemeClr val="bg1"/>
+          </a:solidFill>
+        </p:spPr>
+        <p:txBody>
+          <a:bodyPr anchor="b">
+            <a:normAutofit fontScale="90000"/>
+          </a:bodyPr>
+          <a:lstStyle/>
+          <a:p>
+            <a:r>
+              <a:rPr lang="it-IT" sz="3200" b="1" dirty="0">
+                <a:latin typeface="Neue Haas Grotesk Text Pro" panose="020B0504020202020204" pitchFamily="34" charset="0"/>
+              </a:rPr>
+              <a:t>IMPLEMENTAZIONE DELLA MACCHINA DELLA VERITA </a:t>
+            </a:r>
+          </a:p>
+        </p:txBody>
+      </p:sp>
+      <p:sp>
+        <p:nvSpPr>
+          <p:cNvPr id="5" name="CasellaDiTesto 4">
+            <a:extLst>
+              <a:ext uri="{FF2B5EF4-FFF2-40B4-BE49-F238E27FC236}">
+                <a16:creationId xmlns:a16="http://schemas.microsoft.com/office/drawing/2014/main" id="{505BEDF1-7245-6F5E-7C2B-6167BF70B360}"/>
+              </a:ext>
+            </a:extLst>
+          </p:cNvPr>
+          <p:cNvSpPr txBox="1"/>
+          <p:nvPr/>
+        </p:nvSpPr>
+        <p:spPr>
+          <a:xfrm>
+            <a:off x="1464099" y="1050617"/>
+            <a:ext cx="8229599" cy="461665"/>
+          </a:xfrm>
+          <a:prstGeom prst="rect">
+            <a:avLst/>
+          </a:prstGeom>
+          <a:noFill/>
+        </p:spPr>
+        <p:txBody>
+          <a:bodyPr wrap="square" rtlCol="0">
+            <a:spAutoFit/>
+          </a:bodyPr>
+          <a:lstStyle/>
+          <a:p>
+            <a:pPr algn="ctr"/>
+            <a:r>
+              <a:rPr lang="it-IT" sz="2400" dirty="0"/>
+              <a:t>Valutazione dei risultati ottenuti</a:t>
+            </a:r>
+          </a:p>
+        </p:txBody>
+      </p:sp>
+    </p:spTree>
+    <p:extLst>
+      <p:ext uri="{BB962C8B-B14F-4D97-AF65-F5344CB8AC3E}">
+        <p14:creationId xmlns:p14="http://schemas.microsoft.com/office/powerpoint/2010/main" val="3753401525"/>
+      </p:ext>
+    </p:extLst>
+  </p:cSld>
+  <p:clrMapOvr>
+    <a:masterClrMapping/>
+  </p:clrMapOvr>
+</p:sld>
+</file>
+
 <file path=ppt/slides/slide2.xml><?xml version="1.0" encoding="utf-8"?>
 <p:sld xmlns:a="http://schemas.openxmlformats.org/drawingml/2006/main" xmlns:r="http://schemas.openxmlformats.org/officeDocument/2006/relationships" xmlns:p="http://schemas.openxmlformats.org/presentationml/2006/main">
   <p:cSld>
@@ -5520,31 +6071,6 @@
       </p:grpSpPr>
       <p:sp>
         <p:nvSpPr>
-          <p:cNvPr id="3" name="Sottotitolo 2">
-            <a:extLst>
-              <a:ext uri="{FF2B5EF4-FFF2-40B4-BE49-F238E27FC236}">
-                <a16:creationId xmlns:a16="http://schemas.microsoft.com/office/drawing/2014/main" id="{04793D03-CD36-87FA-D46E-3B347C785E20}"/>
-              </a:ext>
-            </a:extLst>
-          </p:cNvPr>
-          <p:cNvSpPr>
-            <a:spLocks noGrp="1"/>
-          </p:cNvSpPr>
-          <p:nvPr>
-            <p:ph type="subTitle" idx="1"/>
-          </p:nvPr>
-        </p:nvSpPr>
-        <p:spPr/>
-        <p:txBody>
-          <a:bodyPr/>
-          <a:lstStyle/>
-          <a:p>
-            <a:endParaRPr lang="it-IT" dirty="0"/>
-          </a:p>
-        </p:txBody>
-      </p:sp>
-      <p:sp>
-        <p:nvSpPr>
           <p:cNvPr id="7" name="Titolo 1">
             <a:extLst>
               <a:ext uri="{FF2B5EF4-FFF2-40B4-BE49-F238E27FC236}">
@@ -5561,8 +6087,8 @@
         </p:nvSpPr>
         <p:spPr>
           <a:xfrm>
-            <a:off x="1464099" y="0"/>
-            <a:ext cx="10389103" cy="911833"/>
+            <a:off x="1464099" y="245660"/>
+            <a:ext cx="10389103" cy="666173"/>
           </a:xfrm>
           <a:solidFill>
             <a:schemeClr val="bg1"/>
@@ -5578,7 +6104,19 @@
               <a:rPr lang="it-IT" sz="3200" b="1" dirty="0">
                 <a:latin typeface="Neue Haas Grotesk Text Pro" panose="020B0504020202020204" pitchFamily="34" charset="0"/>
               </a:rPr>
-              <a:t>IMPLEMENTAZIONE DELLA MACCHINA DELLA VERITA </a:t>
+              <a:t>IMPLEMENTAZIONE DELLA MACCHINA DELLA VERIT</a:t>
+            </a:r>
+            <a:r>
+              <a:rPr lang="it-IT" sz="3200" i="0" dirty="0">
+                <a:effectLst/>
+              </a:rPr>
+              <a:t>À</a:t>
+            </a:r>
+            <a:r>
+              <a:rPr lang="it-IT" sz="3200" b="1" dirty="0">
+                <a:latin typeface="Neue Haas Grotesk Text Pro" panose="020B0504020202020204" pitchFamily="34" charset="0"/>
+              </a:rPr>
+              <a:t> </a:t>
             </a:r>
           </a:p>
         </p:txBody>
@@ -5597,7 +6135,7 @@
         </p:nvSpPr>
         <p:spPr>
           <a:xfrm>
-            <a:off x="2739056" y="911833"/>
+            <a:off x="3058889" y="1014087"/>
             <a:ext cx="5621858" cy="461665"/>
           </a:xfrm>
           <a:prstGeom prst="rect">
@@ -5619,6 +6157,214 @@
           </a:p>
         </p:txBody>
       </p:sp>
+      <p:sp>
+        <p:nvSpPr>
+          <p:cNvPr id="10" name="CasellaDiTesto 9">
+            <a:extLst>
+              <a:ext uri="{FF2B5EF4-FFF2-40B4-BE49-F238E27FC236}">
+                <a16:creationId xmlns:a16="http://schemas.microsoft.com/office/drawing/2014/main" id="{779D3F54-6C37-29EE-F2EE-B8BCE39A0EDF}"/>
+              </a:ext>
+            </a:extLst>
+          </p:cNvPr>
+          <p:cNvSpPr txBox="1"/>
+          <p:nvPr/>
+        </p:nvSpPr>
+        <p:spPr>
+          <a:xfrm>
+            <a:off x="217793" y="1578006"/>
+            <a:ext cx="11635409" cy="4862870"/>
+          </a:xfrm>
+          <a:prstGeom prst="rect">
+            <a:avLst/>
+          </a:prstGeom>
+          <a:noFill/>
+        </p:spPr>
+        <p:txBody>
+          <a:bodyPr wrap="square" rtlCol="0">
+            <a:spAutoFit/>
+          </a:bodyPr>
+          <a:lstStyle/>
+          <a:p>
+            <a:r>
+              <a:rPr lang="it-IT" sz="2400" b="1" dirty="0"/>
+              <a:t>                                      </a:t>
+            </a:r>
+            <a:r>
+              <a:rPr lang="it-IT" sz="2800" b="1" dirty="0"/>
+              <a:t>Perché utilizzare la logica fuzzy?</a:t>
+            </a:r>
+          </a:p>
+          <a:p>
+            <a:endParaRPr lang="it-IT" sz="2200" b="1" i="0" dirty="0">
+              <a:solidFill>
+                <a:schemeClr val="accent1">
+                  <a:lumMod val="75000"/>
+                </a:schemeClr>
+              </a:solidFill>
+              <a:effectLst/>
+            </a:endParaRPr>
+          </a:p>
+          <a:p>
+            <a:r>
+              <a:rPr lang="it-IT" sz="2200" b="1" i="0" dirty="0">
+                <a:solidFill>
+                  <a:schemeClr val="accent1">
+                    <a:lumMod val="75000"/>
+                  </a:schemeClr>
+                </a:solidFill>
+                <a:effectLst/>
+              </a:rPr>
+              <a:t>«Finché le leggi della matematica si riferiscono alla realtà, non sono certe, e, finché sono certe, non si riferiscono alla realtà.»                                        </a:t>
+            </a:r>
+          </a:p>
+          <a:p>
+            <a:r>
+              <a:rPr lang="it-IT" sz="2200" b="1" i="0" dirty="0">
+                <a:solidFill>
+                  <a:schemeClr val="accent1">
+                    <a:lumMod val="75000"/>
+                  </a:schemeClr>
+                </a:solidFill>
+                <a:effectLst/>
+              </a:rPr>
+              <a:t> </a:t>
+            </a:r>
+            <a:r>
+              <a:rPr lang="it-IT" sz="2000" b="1" i="0" dirty="0">
+                <a:solidFill>
+                  <a:schemeClr val="accent1">
+                    <a:lumMod val="75000"/>
+                  </a:schemeClr>
+                </a:solidFill>
+                <a:effectLst/>
+              </a:rPr>
+              <a:t>(Albert Einstein, 1922).</a:t>
+            </a:r>
+            <a:endParaRPr lang="it-IT" sz="2200" dirty="0">
+              <a:solidFill>
+                <a:schemeClr val="accent1">
+                  <a:lumMod val="75000"/>
+                </a:schemeClr>
+              </a:solidFill>
+            </a:endParaRPr>
+          </a:p>
+          <a:p>
+            <a:endParaRPr lang="it-IT" sz="2200" dirty="0"/>
+          </a:p>
+          <a:p>
+            <a:endParaRPr lang="it-IT" sz="2200" dirty="0"/>
+          </a:p>
+          <a:p>
+            <a:pPr marL="457200" indent="-457200">
+              <a:buAutoNum type="arabicPeriod"/>
+            </a:pPr>
+            <a:r>
+              <a:rPr lang="it-IT" sz="2200" dirty="0"/>
+              <a:t>Manipolazione di concetti ambigui</a:t>
+            </a:r>
+          </a:p>
+          <a:p>
+            <a:pPr marL="457200" indent="-457200">
+              <a:buAutoNum type="arabicPeriod"/>
+            </a:pPr>
+            <a:endParaRPr lang="it-IT" sz="2200" dirty="0"/>
+          </a:p>
+          <a:p>
+            <a:pPr marL="457200" indent="-457200">
+              <a:buAutoNum type="arabicPeriod"/>
+            </a:pPr>
+            <a:endParaRPr lang="it-IT" sz="2200" dirty="0"/>
+          </a:p>
+          <a:p>
+            <a:pPr marL="457200" indent="-457200">
+              <a:buFontTx/>
+              <a:buAutoNum type="arabicPeriod"/>
+            </a:pPr>
+            <a:r>
+              <a:rPr lang="it-IT" sz="2200" dirty="0"/>
+              <a:t>Insiemistica: introduco il grado di appartenenza di un concetto ad un particolare insieme</a:t>
+            </a:r>
+          </a:p>
+          <a:p>
+            <a:endParaRPr lang="it-IT" sz="2200" dirty="0"/>
+          </a:p>
+          <a:p>
+            <a:endParaRPr lang="it-IT" dirty="0"/>
+          </a:p>
+        </p:txBody>
+      </p:sp>
+      <p:pic>
+        <p:nvPicPr>
+          <p:cNvPr id="13" name="Immagine 12">
+            <a:extLst>
+              <a:ext uri="{FF2B5EF4-FFF2-40B4-BE49-F238E27FC236}">
+                <a16:creationId xmlns:a16="http://schemas.microsoft.com/office/drawing/2014/main" id="{1E6A3B8E-33F0-553A-4D0B-DFFAF056054E}"/>
+              </a:ext>
+            </a:extLst>
+          </p:cNvPr>
+          <p:cNvPicPr>
+            <a:picLocks noChangeAspect="1"/>
+          </p:cNvPicPr>
+          <p:nvPr/>
+        </p:nvPicPr>
+        <p:blipFill>
+          <a:blip r:embed="rId2">
+            <a:extLst>
+              <a:ext uri="{BEBA8EAE-BF5A-486C-A8C5-ECC9F3942E4B}">
+                <a14:imgProps xmlns:a14="http://schemas.microsoft.com/office/drawing/2010/main">
+                  <a14:imgLayer r:embed="rId3">
+                    <a14:imgEffect>
+                      <a14:sharpenSoften amount="43000"/>
+                    </a14:imgEffect>
+                    <a14:imgEffect>
+                      <a14:colorTemperature colorTemp="6800"/>
+                    </a14:imgEffect>
+                    <a14:imgEffect>
+                      <a14:saturation sat="241000"/>
+                    </a14:imgEffect>
+                    <a14:imgEffect>
+                      <a14:brightnessContrast contrast="27000"/>
+                    </a14:imgEffect>
+                  </a14:imgLayer>
+                </a14:imgProps>
+              </a:ext>
+            </a:extLst>
+          </a:blip>
+          <a:stretch>
+            <a:fillRect/>
+          </a:stretch>
+        </p:blipFill>
+        <p:spPr>
+          <a:xfrm>
+            <a:off x="6747696" y="3028285"/>
+            <a:ext cx="5226511" cy="1401681"/>
+          </a:xfrm>
+          <a:prstGeom prst="rect">
+            <a:avLst/>
+          </a:prstGeom>
+          <a:gradFill>
+            <a:gsLst>
+              <a:gs pos="40387">
+                <a:srgbClr val="4BBC7F"/>
+              </a:gs>
+              <a:gs pos="7000">
+                <a:srgbClr val="00B050"/>
+              </a:gs>
+              <a:gs pos="100000">
+                <a:schemeClr val="bg1">
+                  <a:tint val="98000"/>
+                  <a:shade val="86000"/>
+                  <a:satMod val="90000"/>
+                  <a:lumMod val="88000"/>
+                </a:schemeClr>
+              </a:gs>
+            </a:gsLst>
+            <a:path path="circle">
+              <a:fillToRect l="50000" t="15000" r="50000" b="169000"/>
+            </a:path>
+          </a:gradFill>
+        </p:spPr>
+      </p:pic>
     </p:spTree>
     <p:extLst>
       <p:ext uri="{BB962C8B-B14F-4D97-AF65-F5344CB8AC3E}">
@@ -5651,10 +6397,10 @@
       </p:grpSpPr>
       <p:sp>
         <p:nvSpPr>
-          <p:cNvPr id="2" name="Titolo 1">
-            <a:extLst>
-              <a:ext uri="{FF2B5EF4-FFF2-40B4-BE49-F238E27FC236}">
-                <a16:creationId xmlns:a16="http://schemas.microsoft.com/office/drawing/2014/main" id="{8C357273-83B7-A36C-9E7C-FBFEB4124F4E}"/>
+          <p:cNvPr id="7" name="Titolo 1">
+            <a:extLst>
+              <a:ext uri="{FF2B5EF4-FFF2-40B4-BE49-F238E27FC236}">
+                <a16:creationId xmlns:a16="http://schemas.microsoft.com/office/drawing/2014/main" id="{C6CA296C-565A-3CDF-D2CC-6CF8AFCC6511}"/>
               </a:ext>
             </a:extLst>
           </p:cNvPr>
@@ -5667,8 +6413,401 @@
         </p:nvSpPr>
         <p:spPr>
           <a:xfrm>
-            <a:off x="1464099" y="0"/>
-            <a:ext cx="10389103" cy="911833"/>
+            <a:off x="1464099" y="245660"/>
+            <a:ext cx="10389103" cy="666173"/>
+          </a:xfrm>
+          <a:solidFill>
+            <a:schemeClr val="bg1"/>
+          </a:solidFill>
+        </p:spPr>
+        <p:txBody>
+          <a:bodyPr anchor="b">
+            <a:normAutofit fontScale="90000"/>
+          </a:bodyPr>
+          <a:lstStyle/>
+          <a:p>
+            <a:r>
+              <a:rPr lang="it-IT" sz="3200" b="1" dirty="0">
+                <a:latin typeface="Neue Haas Grotesk Text Pro" panose="020B0504020202020204" pitchFamily="34" charset="0"/>
+              </a:rPr>
+              <a:t>IMPLEMENTAZIONE DELLA MACCHINA DELLA VERIT</a:t>
+            </a:r>
+            <a:r>
+              <a:rPr lang="it-IT" sz="3200" i="0" dirty="0">
+                <a:effectLst/>
+              </a:rPr>
+              <a:t>À</a:t>
+            </a:r>
+            <a:r>
+              <a:rPr lang="it-IT" sz="3200" b="1" dirty="0">
+                <a:latin typeface="Neue Haas Grotesk Text Pro" panose="020B0504020202020204" pitchFamily="34" charset="0"/>
+              </a:rPr>
+              <a:t> </a:t>
+            </a:r>
+          </a:p>
+        </p:txBody>
+      </p:sp>
+      <p:sp>
+        <p:nvSpPr>
+          <p:cNvPr id="8" name="CasellaDiTesto 7">
+            <a:extLst>
+              <a:ext uri="{FF2B5EF4-FFF2-40B4-BE49-F238E27FC236}">
+                <a16:creationId xmlns:a16="http://schemas.microsoft.com/office/drawing/2014/main" id="{AEBC704C-00C8-0CF0-3552-7667EE8DE817}"/>
+              </a:ext>
+            </a:extLst>
+          </p:cNvPr>
+          <p:cNvSpPr txBox="1"/>
+          <p:nvPr/>
+        </p:nvSpPr>
+        <p:spPr>
+          <a:xfrm>
+            <a:off x="2826976" y="1014087"/>
+            <a:ext cx="6538048" cy="461665"/>
+          </a:xfrm>
+          <a:prstGeom prst="rect">
+            <a:avLst/>
+          </a:prstGeom>
+          <a:noFill/>
+        </p:spPr>
+        <p:txBody>
+          <a:bodyPr wrap="square" rtlCol="0">
+            <a:spAutoFit/>
+          </a:bodyPr>
+          <a:lstStyle/>
+          <a:p>
+            <a:pPr algn="ctr"/>
+            <a:r>
+              <a:rPr lang="it-IT" sz="2400" dirty="0"/>
+              <a:t>Sistema fuzzy: implementazione del sistema</a:t>
+            </a:r>
+          </a:p>
+        </p:txBody>
+      </p:sp>
+      <p:sp>
+        <p:nvSpPr>
+          <p:cNvPr id="10" name="CasellaDiTesto 9">
+            <a:extLst>
+              <a:ext uri="{FF2B5EF4-FFF2-40B4-BE49-F238E27FC236}">
+                <a16:creationId xmlns:a16="http://schemas.microsoft.com/office/drawing/2014/main" id="{779D3F54-6C37-29EE-F2EE-B8BCE39A0EDF}"/>
+              </a:ext>
+            </a:extLst>
+          </p:cNvPr>
+          <p:cNvSpPr txBox="1"/>
+          <p:nvPr/>
+        </p:nvSpPr>
+        <p:spPr>
+          <a:xfrm>
+            <a:off x="217793" y="1578006"/>
+            <a:ext cx="11635409" cy="707886"/>
+          </a:xfrm>
+          <a:prstGeom prst="rect">
+            <a:avLst/>
+          </a:prstGeom>
+          <a:noFill/>
+        </p:spPr>
+        <p:txBody>
+          <a:bodyPr wrap="square" rtlCol="0">
+            <a:spAutoFit/>
+          </a:bodyPr>
+          <a:lstStyle/>
+          <a:p>
+            <a:endParaRPr lang="it-IT" sz="2200" dirty="0"/>
+          </a:p>
+          <a:p>
+            <a:endParaRPr lang="it-IT" dirty="0"/>
+          </a:p>
+        </p:txBody>
+      </p:sp>
+      <p:sp>
+        <p:nvSpPr>
+          <p:cNvPr id="6" name="CasellaDiTesto 5">
+            <a:extLst>
+              <a:ext uri="{FF2B5EF4-FFF2-40B4-BE49-F238E27FC236}">
+                <a16:creationId xmlns:a16="http://schemas.microsoft.com/office/drawing/2014/main" id="{ED038472-BE4F-39A9-1047-F1E33335E2FB}"/>
+              </a:ext>
+            </a:extLst>
+          </p:cNvPr>
+          <p:cNvSpPr txBox="1"/>
+          <p:nvPr/>
+        </p:nvSpPr>
+        <p:spPr>
+          <a:xfrm>
+            <a:off x="217793" y="4801797"/>
+            <a:ext cx="4422446" cy="2308324"/>
+          </a:xfrm>
+          <a:prstGeom prst="rect">
+            <a:avLst/>
+          </a:prstGeom>
+          <a:noFill/>
+        </p:spPr>
+        <p:txBody>
+          <a:bodyPr wrap="square" rtlCol="0">
+            <a:spAutoFit/>
+          </a:bodyPr>
+          <a:lstStyle/>
+          <a:p>
+            <a:r>
+              <a:rPr lang="it-IT" b="1" dirty="0">
+                <a:solidFill>
+                  <a:srgbClr val="ED8A05"/>
+                </a:solidFill>
+              </a:rPr>
+              <a:t>VARIABILI DI INPUT:</a:t>
+            </a:r>
+          </a:p>
+          <a:p>
+            <a:endParaRPr lang="it-IT" dirty="0"/>
+          </a:p>
+          <a:p>
+            <a:pPr marL="285750" indent="-285750">
+              <a:buFont typeface="Arial" panose="020B0604020202020204" pitchFamily="34" charset="0"/>
+              <a:buChar char="•"/>
+            </a:pPr>
+            <a:r>
+              <a:rPr lang="it-IT" dirty="0"/>
+              <a:t>Frequenza cardiaca</a:t>
+            </a:r>
+          </a:p>
+          <a:p>
+            <a:pPr marL="285750" indent="-285750">
+              <a:buFont typeface="Arial" panose="020B0604020202020204" pitchFamily="34" charset="0"/>
+              <a:buChar char="•"/>
+            </a:pPr>
+            <a:r>
+              <a:rPr lang="it-IT" dirty="0"/>
+              <a:t>Frequenza respiratoria</a:t>
+            </a:r>
+          </a:p>
+          <a:p>
+            <a:pPr marL="285750" indent="-285750">
+              <a:buFont typeface="Arial" panose="020B0604020202020204" pitchFamily="34" charset="0"/>
+              <a:buChar char="•"/>
+            </a:pPr>
+            <a:r>
+              <a:rPr lang="it-IT" dirty="0"/>
+              <a:t>Resistenza cutanea</a:t>
+            </a:r>
+          </a:p>
+          <a:p>
+            <a:pPr marL="285750" indent="-285750">
+              <a:buFont typeface="Arial" panose="020B0604020202020204" pitchFamily="34" charset="0"/>
+              <a:buChar char="•"/>
+            </a:pPr>
+            <a:r>
+              <a:rPr lang="it-IT" dirty="0"/>
+              <a:t>Movenze</a:t>
+            </a:r>
+          </a:p>
+          <a:p>
+            <a:pPr marL="285750" indent="-285750">
+              <a:buFont typeface="Arial" panose="020B0604020202020204" pitchFamily="34" charset="0"/>
+              <a:buChar char="•"/>
+            </a:pPr>
+            <a:endParaRPr lang="it-IT" dirty="0"/>
+          </a:p>
+          <a:p>
+            <a:pPr marL="285750" indent="-285750">
+              <a:buFont typeface="Arial" panose="020B0604020202020204" pitchFamily="34" charset="0"/>
+              <a:buChar char="•"/>
+            </a:pPr>
+            <a:endParaRPr lang="it-IT" dirty="0"/>
+          </a:p>
+        </p:txBody>
+      </p:sp>
+      <p:sp>
+        <p:nvSpPr>
+          <p:cNvPr id="9" name="CasellaDiTesto 8">
+            <a:extLst>
+              <a:ext uri="{FF2B5EF4-FFF2-40B4-BE49-F238E27FC236}">
+                <a16:creationId xmlns:a16="http://schemas.microsoft.com/office/drawing/2014/main" id="{74FF5CFA-04A8-961D-1C65-B07358B59465}"/>
+              </a:ext>
+            </a:extLst>
+          </p:cNvPr>
+          <p:cNvSpPr txBox="1"/>
+          <p:nvPr/>
+        </p:nvSpPr>
+        <p:spPr>
+          <a:xfrm>
+            <a:off x="3471082" y="5366553"/>
+            <a:ext cx="3015569" cy="1200329"/>
+          </a:xfrm>
+          <a:prstGeom prst="rect">
+            <a:avLst/>
+          </a:prstGeom>
+          <a:noFill/>
+        </p:spPr>
+        <p:txBody>
+          <a:bodyPr wrap="none" rtlCol="0">
+            <a:spAutoFit/>
+          </a:bodyPr>
+          <a:lstStyle/>
+          <a:p>
+            <a:pPr marL="285750" indent="-285750">
+              <a:buFont typeface="Arial" panose="020B0604020202020204" pitchFamily="34" charset="0"/>
+              <a:buChar char="•"/>
+            </a:pPr>
+            <a:r>
+              <a:rPr lang="it-IT" dirty="0"/>
+              <a:t>Contatto visivo</a:t>
+            </a:r>
+          </a:p>
+          <a:p>
+            <a:pPr marL="285750" indent="-285750">
+              <a:buFont typeface="Arial" panose="020B0604020202020204" pitchFamily="34" charset="0"/>
+              <a:buChar char="•"/>
+            </a:pPr>
+            <a:r>
+              <a:rPr lang="it-IT" dirty="0"/>
+              <a:t>Coerenza nelle risposte</a:t>
+            </a:r>
+          </a:p>
+          <a:p>
+            <a:pPr marL="285750" indent="-285750">
+              <a:buFont typeface="Arial" panose="020B0604020202020204" pitchFamily="34" charset="0"/>
+              <a:buChar char="•"/>
+            </a:pPr>
+            <a:r>
+              <a:rPr lang="it-IT" dirty="0"/>
+              <a:t>Prontezza di risposta</a:t>
+            </a:r>
+          </a:p>
+          <a:p>
+            <a:endParaRPr lang="it-IT" dirty="0"/>
+          </a:p>
+        </p:txBody>
+      </p:sp>
+      <p:sp>
+        <p:nvSpPr>
+          <p:cNvPr id="11" name="CasellaDiTesto 10">
+            <a:extLst>
+              <a:ext uri="{FF2B5EF4-FFF2-40B4-BE49-F238E27FC236}">
+                <a16:creationId xmlns:a16="http://schemas.microsoft.com/office/drawing/2014/main" id="{7ABF788F-2F55-08B0-2F55-74C621D58958}"/>
+              </a:ext>
+            </a:extLst>
+          </p:cNvPr>
+          <p:cNvSpPr txBox="1"/>
+          <p:nvPr/>
+        </p:nvSpPr>
+        <p:spPr>
+          <a:xfrm>
+            <a:off x="7187324" y="4920583"/>
+            <a:ext cx="3110147" cy="923330"/>
+          </a:xfrm>
+          <a:prstGeom prst="rect">
+            <a:avLst/>
+          </a:prstGeom>
+          <a:noFill/>
+        </p:spPr>
+        <p:txBody>
+          <a:bodyPr wrap="none" rtlCol="0">
+            <a:spAutoFit/>
+          </a:bodyPr>
+          <a:lstStyle/>
+          <a:p>
+            <a:r>
+              <a:rPr lang="it-IT" b="1" dirty="0">
+                <a:solidFill>
+                  <a:srgbClr val="05CB8E"/>
+                </a:solidFill>
+              </a:rPr>
+              <a:t>VARIABILI DI OUTPUT:</a:t>
+            </a:r>
+          </a:p>
+          <a:p>
+            <a:endParaRPr lang="it-IT" dirty="0"/>
+          </a:p>
+          <a:p>
+            <a:pPr marL="285750" indent="-285750">
+              <a:buFont typeface="Arial" panose="020B0604020202020204" pitchFamily="34" charset="0"/>
+              <a:buChar char="•"/>
+            </a:pPr>
+            <a:r>
+              <a:rPr lang="it-IT" dirty="0"/>
+              <a:t>Probabilità di menzogna</a:t>
+            </a:r>
+          </a:p>
+        </p:txBody>
+      </p:sp>
+      <p:pic>
+        <p:nvPicPr>
+          <p:cNvPr id="14" name="Immagine 13">
+            <a:extLst>
+              <a:ext uri="{FF2B5EF4-FFF2-40B4-BE49-F238E27FC236}">
+                <a16:creationId xmlns:a16="http://schemas.microsoft.com/office/drawing/2014/main" id="{13C44303-4ACA-015C-6CA3-E201AB8AFAE5}"/>
+              </a:ext>
+            </a:extLst>
+          </p:cNvPr>
+          <p:cNvPicPr>
+            <a:picLocks noChangeAspect="1"/>
+          </p:cNvPicPr>
+          <p:nvPr/>
+        </p:nvPicPr>
+        <p:blipFill>
+          <a:blip r:embed="rId2"/>
+          <a:stretch>
+            <a:fillRect/>
+          </a:stretch>
+        </p:blipFill>
+        <p:spPr>
+          <a:xfrm>
+            <a:off x="217793" y="1749548"/>
+            <a:ext cx="11635409" cy="2769871"/>
+          </a:xfrm>
+          <a:prstGeom prst="rect">
+            <a:avLst/>
+          </a:prstGeom>
+        </p:spPr>
+      </p:pic>
+    </p:spTree>
+    <p:extLst>
+      <p:ext uri="{BB962C8B-B14F-4D97-AF65-F5344CB8AC3E}">
+        <p14:creationId xmlns:p14="http://schemas.microsoft.com/office/powerpoint/2010/main" val="3444233518"/>
+      </p:ext>
+    </p:extLst>
+  </p:cSld>
+  <p:clrMapOvr>
+    <a:masterClrMapping/>
+  </p:clrMapOvr>
+</p:sld>
+</file>
+
+<file path=ppt/slides/slide4.xml><?xml version="1.0" encoding="utf-8"?>
+<p:sld xmlns:a="http://schemas.openxmlformats.org/drawingml/2006/main" xmlns:r="http://schemas.openxmlformats.org/officeDocument/2006/relationships" xmlns:p="http://schemas.openxmlformats.org/presentationml/2006/main">
+  <p:cSld>
+    <p:spTree>
+      <p:nvGrpSpPr>
+        <p:cNvPr id="1" name=""/>
+        <p:cNvGrpSpPr/>
+        <p:nvPr/>
+      </p:nvGrpSpPr>
+      <p:grpSpPr>
+        <a:xfrm>
+          <a:off x="0" y="0"/>
+          <a:ext cx="0" cy="0"/>
+          <a:chOff x="0" y="0"/>
+          <a:chExt cx="0" cy="0"/>
+        </a:xfrm>
+      </p:grpSpPr>
+      <p:sp>
+        <p:nvSpPr>
+          <p:cNvPr id="2" name="Titolo 1">
+            <a:extLst>
+              <a:ext uri="{FF2B5EF4-FFF2-40B4-BE49-F238E27FC236}">
+                <a16:creationId xmlns:a16="http://schemas.microsoft.com/office/drawing/2014/main" id="{8C357273-83B7-A36C-9E7C-FBFEB4124F4E}"/>
+              </a:ext>
+            </a:extLst>
+          </p:cNvPr>
+          <p:cNvSpPr>
+            <a:spLocks noGrp="1"/>
+          </p:cNvSpPr>
+          <p:nvPr>
+            <p:ph type="ctrTitle"/>
+          </p:nvPr>
+        </p:nvSpPr>
+        <p:spPr>
+          <a:xfrm>
+            <a:off x="1464099" y="202334"/>
+            <a:ext cx="10389103" cy="709499"/>
           </a:xfrm>
           <a:solidFill>
             <a:schemeClr val="bg1"/>
@@ -5754,8 +6893,8 @@
         </p:nvSpPr>
         <p:spPr>
           <a:xfrm>
-            <a:off x="3180918" y="1090374"/>
-            <a:ext cx="6955463" cy="461665"/>
+            <a:off x="3177216" y="1089134"/>
+            <a:ext cx="7246551" cy="461665"/>
           </a:xfrm>
           <a:prstGeom prst="rect">
             <a:avLst/>
@@ -5770,7 +6909,7 @@
           <a:p>
             <a:r>
               <a:rPr lang="it-IT" sz="2400" dirty="0"/>
-              <a:t>Scelta dell’input: parametri analizzati</a:t>
+              <a:t>Scelta dell’input: parametri fisiologici</a:t>
             </a:r>
           </a:p>
         </p:txBody>
@@ -5789,8 +6928,8 @@
         </p:nvSpPr>
         <p:spPr>
           <a:xfrm>
-            <a:off x="286629" y="1730581"/>
-            <a:ext cx="11618742" cy="3877985"/>
+            <a:off x="233741" y="1660569"/>
+            <a:ext cx="11618742" cy="1231106"/>
           </a:xfrm>
           <a:prstGeom prst="rect">
             <a:avLst/>
@@ -5805,89 +6944,111 @@
           <a:p>
             <a:r>
               <a:rPr lang="it-IT" sz="1800" dirty="0"/>
-              <a:t>PARAMETRI FISIOLOGICI</a:t>
-            </a:r>
-          </a:p>
-          <a:p>
-            <a:pPr marL="342900" indent="-342900">
-              <a:buFont typeface="Wingdings" panose="05000000000000000000" pitchFamily="2" charset="2"/>
-              <a:buChar char="q"/>
-            </a:pPr>
+              <a:t>N.B. </a:t>
+            </a:r>
+            <a:r>
+              <a:rPr lang="it-IT" dirty="0"/>
+              <a:t> I valori utilizzati fanno riferimento ad uomo adulto sano.</a:t>
+            </a:r>
             <a:endParaRPr lang="it-IT" sz="1800" dirty="0"/>
           </a:p>
           <a:p>
-            <a:pPr marL="342900" indent="-342900">
-              <a:buFont typeface="Arial" panose="020B0604020202020204" pitchFamily="34" charset="0"/>
-              <a:buChar char="•"/>
-            </a:pPr>
+            <a:endParaRPr lang="it-IT" sz="1800" dirty="0"/>
+          </a:p>
+          <a:p>
+            <a:endParaRPr lang="it-IT" sz="1800" dirty="0"/>
+          </a:p>
+          <a:p>
             <a:r>
               <a:rPr lang="it-IT" sz="1800" dirty="0"/>
-              <a:t>Frequenza cardiaca</a:t>
-            </a:r>
-          </a:p>
-          <a:p>
-            <a:pPr marL="342900" indent="-342900">
-              <a:buFont typeface="Arial" panose="020B0604020202020204" pitchFamily="34" charset="0"/>
-              <a:buChar char="•"/>
-            </a:pPr>
-            <a:endParaRPr lang="it-IT" dirty="0"/>
-          </a:p>
-          <a:p>
-            <a:endParaRPr lang="it-IT" sz="4800" dirty="0"/>
-          </a:p>
-          <a:p>
-            <a:pPr marL="342900" indent="-342900">
-              <a:buFont typeface="Arial" panose="020B0604020202020204" pitchFamily="34" charset="0"/>
-              <a:buChar char="•"/>
-            </a:pPr>
-            <a:r>
-              <a:rPr lang="it-IT" sz="1800" dirty="0"/>
-              <a:t>Frequenza respiratoria</a:t>
-            </a:r>
-          </a:p>
-          <a:p>
-            <a:pPr marL="342900" indent="-342900">
-              <a:buFont typeface="Arial" panose="020B0604020202020204" pitchFamily="34" charset="0"/>
-              <a:buChar char="•"/>
-            </a:pPr>
-            <a:endParaRPr lang="it-IT" dirty="0"/>
-          </a:p>
-          <a:p>
-            <a:pPr marL="342900" indent="-342900">
-              <a:buFont typeface="Arial" panose="020B0604020202020204" pitchFamily="34" charset="0"/>
-              <a:buChar char="•"/>
-            </a:pPr>
-            <a:endParaRPr lang="it-IT" sz="1800" dirty="0"/>
-          </a:p>
-          <a:p>
-            <a:pPr marL="342900" indent="-342900">
-              <a:buFont typeface="Arial" panose="020B0604020202020204" pitchFamily="34" charset="0"/>
-              <a:buChar char="•"/>
-            </a:pPr>
-            <a:endParaRPr lang="it-IT" dirty="0"/>
-          </a:p>
-          <a:p>
-            <a:pPr marL="342900" indent="-342900">
-              <a:buFont typeface="Arial" panose="020B0604020202020204" pitchFamily="34" charset="0"/>
-              <a:buChar char="•"/>
-            </a:pPr>
-            <a:endParaRPr lang="it-IT" sz="1800" dirty="0"/>
-          </a:p>
-          <a:p>
-            <a:pPr marL="342900" indent="-342900">
-              <a:buFont typeface="Arial" panose="020B0604020202020204" pitchFamily="34" charset="0"/>
-              <a:buChar char="•"/>
-            </a:pPr>
-            <a:r>
-              <a:rPr lang="it-IT" sz="1800" dirty="0"/>
-              <a:t>Conduttività cutanea</a:t>
-            </a:r>
-          </a:p>
-          <a:p>
-            <a:endParaRPr lang="it-IT" sz="1800" dirty="0"/>
-          </a:p>
-        </p:txBody>
-      </p:sp>
+              <a:t>                                                              </a:t>
+            </a:r>
+            <a:r>
+              <a:rPr lang="it-IT" sz="2000" b="1" dirty="0">
+                <a:solidFill>
+                  <a:srgbClr val="FF0000"/>
+                </a:solidFill>
+              </a:rPr>
+              <a:t>1)  FREQUENZA CARDIACA (bpm)</a:t>
+            </a:r>
+          </a:p>
+        </p:txBody>
+      </p:sp>
+      <p:pic>
+        <p:nvPicPr>
+          <p:cNvPr id="16" name="Immagine 15">
+            <a:extLst>
+              <a:ext uri="{FF2B5EF4-FFF2-40B4-BE49-F238E27FC236}">
+                <a16:creationId xmlns:a16="http://schemas.microsoft.com/office/drawing/2014/main" id="{7619A3FB-5A57-6E59-4E2E-0D6FDAB65328}"/>
+              </a:ext>
+            </a:extLst>
+          </p:cNvPr>
+          <p:cNvPicPr>
+            <a:picLocks noChangeAspect="1"/>
+          </p:cNvPicPr>
+          <p:nvPr/>
+        </p:nvPicPr>
+        <p:blipFill>
+          <a:blip r:embed="rId4"/>
+          <a:stretch>
+            <a:fillRect/>
+          </a:stretch>
+        </p:blipFill>
+        <p:spPr>
+          <a:xfrm>
+            <a:off x="1551321" y="3771877"/>
+            <a:ext cx="9319437" cy="2851107"/>
+          </a:xfrm>
+          <a:prstGeom prst="rect">
+            <a:avLst/>
+          </a:prstGeom>
+        </p:spPr>
+      </p:pic>
+      <p:pic>
+        <p:nvPicPr>
+          <p:cNvPr id="2050" name="Picture 2" descr="APP. CARDIOCIRCOLATORIO – 4° « I blog di Alessio Empoli">
+            <a:extLst>
+              <a:ext uri="{FF2B5EF4-FFF2-40B4-BE49-F238E27FC236}">
+                <a16:creationId xmlns:a16="http://schemas.microsoft.com/office/drawing/2014/main" id="{D46EDE58-FD3D-9050-905C-86A0C6893543}"/>
+              </a:ext>
+            </a:extLst>
+          </p:cNvPr>
+          <p:cNvPicPr>
+            <a:picLocks noChangeAspect="1" noChangeArrowheads="1"/>
+          </p:cNvPicPr>
+          <p:nvPr/>
+        </p:nvPicPr>
+        <p:blipFill rotWithShape="1">
+          <a:blip r:embed="rId5">
+            <a:extLst>
+              <a:ext uri="{28A0092B-C50C-407E-A947-70E740481C1C}">
+                <a14:useLocalDpi xmlns:a14="http://schemas.microsoft.com/office/drawing/2010/main" val="0"/>
+              </a:ext>
+            </a:extLst>
+          </a:blip>
+          <a:srcRect l="4617" t="4992" r="2111" b="5541"/>
+          <a:stretch/>
+        </p:blipFill>
+        <p:spPr bwMode="auto">
+          <a:xfrm>
+            <a:off x="9783258" y="1728100"/>
+            <a:ext cx="2175001" cy="1720715"/>
+          </a:xfrm>
+          <a:prstGeom prst="rect">
+            <a:avLst/>
+          </a:prstGeom>
+          <a:noFill/>
+          <a:extLst>
+            <a:ext uri="{909E8E84-426E-40DD-AFC4-6F175D3DCCD1}">
+              <a14:hiddenFill xmlns:a14="http://schemas.microsoft.com/office/drawing/2010/main">
+                <a:solidFill>
+                  <a:srgbClr val="FFFFFF"/>
+                </a:solidFill>
+              </a14:hiddenFill>
+            </a:ext>
+          </a:extLst>
+        </p:spPr>
+      </p:pic>
     </p:spTree>
     <p:extLst>
       <p:ext uri="{BB962C8B-B14F-4D97-AF65-F5344CB8AC3E}">
@@ -5901,7 +7062,7 @@
 </p:sld>
 </file>
 
-<file path=ppt/slides/slide4.xml><?xml version="1.0" encoding="utf-8"?>
+<file path=ppt/slides/slide5.xml><?xml version="1.0" encoding="utf-8"?>
 <p:sld xmlns:a="http://schemas.openxmlformats.org/drawingml/2006/main" xmlns:r="http://schemas.openxmlformats.org/officeDocument/2006/relationships" xmlns:p="http://schemas.openxmlformats.org/presentationml/2006/main">
   <p:cSld>
     <p:spTree>
@@ -5936,8 +7097,467 @@
         </p:nvSpPr>
         <p:spPr>
           <a:xfrm>
-            <a:off x="1464099" y="0"/>
-            <a:ext cx="10389103" cy="911833"/>
+            <a:off x="1464099" y="202334"/>
+            <a:ext cx="10389103" cy="709499"/>
+          </a:xfrm>
+          <a:solidFill>
+            <a:schemeClr val="bg1"/>
+          </a:solidFill>
+        </p:spPr>
+        <p:txBody>
+          <a:bodyPr anchor="b">
+            <a:normAutofit fontScale="90000"/>
+          </a:bodyPr>
+          <a:lstStyle/>
+          <a:p>
+            <a:r>
+              <a:rPr lang="it-IT" sz="3200" b="1" dirty="0">
+                <a:latin typeface="Neue Haas Grotesk Text Pro" panose="020B0504020202020204" pitchFamily="34" charset="0"/>
+              </a:rPr>
+              <a:t>IMPLEMENTAZIONE DELLA MACCHINA DELLA VERITA </a:t>
+            </a:r>
+          </a:p>
+        </p:txBody>
+      </p:sp>
+      <p:sp>
+        <p:nvSpPr>
+          <p:cNvPr id="6" name="CasellaDiTesto 5">
+            <a:extLst>
+              <a:ext uri="{FF2B5EF4-FFF2-40B4-BE49-F238E27FC236}">
+                <a16:creationId xmlns:a16="http://schemas.microsoft.com/office/drawing/2014/main" id="{0449D443-BC96-1E67-1DAF-69F3CB56F7E6}"/>
+              </a:ext>
+            </a:extLst>
+          </p:cNvPr>
+          <p:cNvSpPr txBox="1"/>
+          <p:nvPr/>
+        </p:nvSpPr>
+        <p:spPr>
+          <a:xfrm>
+            <a:off x="3177216" y="1089134"/>
+            <a:ext cx="7246551" cy="461665"/>
+          </a:xfrm>
+          <a:prstGeom prst="rect">
+            <a:avLst/>
+          </a:prstGeom>
+          <a:noFill/>
+        </p:spPr>
+        <p:txBody>
+          <a:bodyPr wrap="square" rtlCol="0">
+            <a:spAutoFit/>
+          </a:bodyPr>
+          <a:lstStyle/>
+          <a:p>
+            <a:r>
+              <a:rPr lang="it-IT" sz="2400" dirty="0"/>
+              <a:t>Scelta dell’input: parametri fisiologici</a:t>
+            </a:r>
+          </a:p>
+        </p:txBody>
+      </p:sp>
+      <p:sp>
+        <p:nvSpPr>
+          <p:cNvPr id="14" name="CasellaDiTesto 13">
+            <a:extLst>
+              <a:ext uri="{FF2B5EF4-FFF2-40B4-BE49-F238E27FC236}">
+                <a16:creationId xmlns:a16="http://schemas.microsoft.com/office/drawing/2014/main" id="{01ECD587-472E-39C0-2892-F4FEFE469A0A}"/>
+              </a:ext>
+            </a:extLst>
+          </p:cNvPr>
+          <p:cNvSpPr txBox="1"/>
+          <p:nvPr/>
+        </p:nvSpPr>
+        <p:spPr>
+          <a:xfrm>
+            <a:off x="286629" y="2625935"/>
+            <a:ext cx="11618742" cy="400110"/>
+          </a:xfrm>
+          <a:prstGeom prst="rect">
+            <a:avLst/>
+          </a:prstGeom>
+          <a:noFill/>
+        </p:spPr>
+        <p:txBody>
+          <a:bodyPr wrap="square" rtlCol="0">
+            <a:spAutoFit/>
+          </a:bodyPr>
+          <a:lstStyle/>
+          <a:p>
+            <a:r>
+              <a:rPr lang="it-IT" sz="1800" dirty="0"/>
+              <a:t>                                                     </a:t>
+            </a:r>
+            <a:r>
+              <a:rPr lang="it-IT" sz="2000" b="1" dirty="0">
+                <a:solidFill>
+                  <a:srgbClr val="FF0000"/>
+                </a:solidFill>
+              </a:rPr>
+              <a:t>2)  FREQUENZA RESPIRATORIA (atti/min)</a:t>
+            </a:r>
+          </a:p>
+        </p:txBody>
+      </p:sp>
+      <p:pic>
+        <p:nvPicPr>
+          <p:cNvPr id="4" name="Immagine 3">
+            <a:extLst>
+              <a:ext uri="{FF2B5EF4-FFF2-40B4-BE49-F238E27FC236}">
+                <a16:creationId xmlns:a16="http://schemas.microsoft.com/office/drawing/2014/main" id="{4FA0C830-A968-6592-8B4F-AD2ACD0111EA}"/>
+              </a:ext>
+            </a:extLst>
+          </p:cNvPr>
+          <p:cNvPicPr>
+            <a:picLocks noChangeAspect="1"/>
+          </p:cNvPicPr>
+          <p:nvPr/>
+        </p:nvPicPr>
+        <p:blipFill rotWithShape="1">
+          <a:blip r:embed="rId2"/>
+          <a:srcRect r="6885" b="1874"/>
+          <a:stretch/>
+        </p:blipFill>
+        <p:spPr>
+          <a:xfrm>
+            <a:off x="1322022" y="3665011"/>
+            <a:ext cx="9547956" cy="2877607"/>
+          </a:xfrm>
+          <a:prstGeom prst="rect">
+            <a:avLst/>
+          </a:prstGeom>
+        </p:spPr>
+      </p:pic>
+      <p:pic>
+        <p:nvPicPr>
+          <p:cNvPr id="3080" name="Picture 8" descr="DEFINIZIONI E RILEVAZIONE - ppt video online scaricare">
+            <a:extLst>
+              <a:ext uri="{FF2B5EF4-FFF2-40B4-BE49-F238E27FC236}">
+                <a16:creationId xmlns:a16="http://schemas.microsoft.com/office/drawing/2014/main" id="{2783C16E-5DC2-04A8-6094-744FA50C7C3F}"/>
+              </a:ext>
+            </a:extLst>
+          </p:cNvPr>
+          <p:cNvPicPr>
+            <a:picLocks noChangeAspect="1" noChangeArrowheads="1"/>
+          </p:cNvPicPr>
+          <p:nvPr/>
+        </p:nvPicPr>
+        <p:blipFill rotWithShape="1">
+          <a:blip r:embed="rId3">
+            <a:extLst>
+              <a:ext uri="{28A0092B-C50C-407E-A947-70E740481C1C}">
+                <a14:useLocalDpi xmlns:a14="http://schemas.microsoft.com/office/drawing/2010/main" val="0"/>
+              </a:ext>
+            </a:extLst>
+          </a:blip>
+          <a:srcRect l="4379" r="9801" b="46558"/>
+          <a:stretch/>
+        </p:blipFill>
+        <p:spPr bwMode="auto">
+          <a:xfrm>
+            <a:off x="9523081" y="2097994"/>
+            <a:ext cx="2474702" cy="1155763"/>
+          </a:xfrm>
+          <a:prstGeom prst="rect">
+            <a:avLst/>
+          </a:prstGeom>
+          <a:noFill/>
+          <a:extLst>
+            <a:ext uri="{909E8E84-426E-40DD-AFC4-6F175D3DCCD1}">
+              <a14:hiddenFill xmlns:a14="http://schemas.microsoft.com/office/drawing/2010/main">
+                <a:solidFill>
+                  <a:srgbClr val="FFFFFF"/>
+                </a:solidFill>
+              </a14:hiddenFill>
+            </a:ext>
+          </a:extLst>
+        </p:spPr>
+      </p:pic>
+    </p:spTree>
+    <p:extLst>
+      <p:ext uri="{BB962C8B-B14F-4D97-AF65-F5344CB8AC3E}">
+        <p14:creationId xmlns:p14="http://schemas.microsoft.com/office/powerpoint/2010/main" val="4179475026"/>
+      </p:ext>
+    </p:extLst>
+  </p:cSld>
+  <p:clrMapOvr>
+    <a:masterClrMapping/>
+  </p:clrMapOvr>
+</p:sld>
+</file>
+
+<file path=ppt/slides/slide6.xml><?xml version="1.0" encoding="utf-8"?>
+<p:sld xmlns:a="http://schemas.openxmlformats.org/drawingml/2006/main" xmlns:r="http://schemas.openxmlformats.org/officeDocument/2006/relationships" xmlns:p="http://schemas.openxmlformats.org/presentationml/2006/main">
+  <p:cSld>
+    <p:spTree>
+      <p:nvGrpSpPr>
+        <p:cNvPr id="1" name=""/>
+        <p:cNvGrpSpPr/>
+        <p:nvPr/>
+      </p:nvGrpSpPr>
+      <p:grpSpPr>
+        <a:xfrm>
+          <a:off x="0" y="0"/>
+          <a:ext cx="0" cy="0"/>
+          <a:chOff x="0" y="0"/>
+          <a:chExt cx="0" cy="0"/>
+        </a:xfrm>
+      </p:grpSpPr>
+      <p:sp>
+        <p:nvSpPr>
+          <p:cNvPr id="2" name="Titolo 1">
+            <a:extLst>
+              <a:ext uri="{FF2B5EF4-FFF2-40B4-BE49-F238E27FC236}">
+                <a16:creationId xmlns:a16="http://schemas.microsoft.com/office/drawing/2014/main" id="{8C357273-83B7-A36C-9E7C-FBFEB4124F4E}"/>
+              </a:ext>
+            </a:extLst>
+          </p:cNvPr>
+          <p:cNvSpPr>
+            <a:spLocks noGrp="1"/>
+          </p:cNvSpPr>
+          <p:nvPr>
+            <p:ph type="ctrTitle"/>
+          </p:nvPr>
+        </p:nvSpPr>
+        <p:spPr>
+          <a:xfrm>
+            <a:off x="1464099" y="202334"/>
+            <a:ext cx="10389103" cy="709499"/>
+          </a:xfrm>
+          <a:solidFill>
+            <a:schemeClr val="bg1"/>
+          </a:solidFill>
+        </p:spPr>
+        <p:txBody>
+          <a:bodyPr anchor="b">
+            <a:normAutofit fontScale="90000"/>
+          </a:bodyPr>
+          <a:lstStyle/>
+          <a:p>
+            <a:r>
+              <a:rPr lang="it-IT" sz="3200" b="1" dirty="0">
+                <a:latin typeface="Neue Haas Grotesk Text Pro" panose="020B0504020202020204" pitchFamily="34" charset="0"/>
+              </a:rPr>
+              <a:t>IMPLEMENTAZIONE DELLA MACCHINA DELLA VERITA </a:t>
+            </a:r>
+          </a:p>
+        </p:txBody>
+      </p:sp>
+      <p:sp>
+        <p:nvSpPr>
+          <p:cNvPr id="6" name="CasellaDiTesto 5">
+            <a:extLst>
+              <a:ext uri="{FF2B5EF4-FFF2-40B4-BE49-F238E27FC236}">
+                <a16:creationId xmlns:a16="http://schemas.microsoft.com/office/drawing/2014/main" id="{0449D443-BC96-1E67-1DAF-69F3CB56F7E6}"/>
+              </a:ext>
+            </a:extLst>
+          </p:cNvPr>
+          <p:cNvSpPr txBox="1"/>
+          <p:nvPr/>
+        </p:nvSpPr>
+        <p:spPr>
+          <a:xfrm>
+            <a:off x="3177216" y="1089134"/>
+            <a:ext cx="7246551" cy="461665"/>
+          </a:xfrm>
+          <a:prstGeom prst="rect">
+            <a:avLst/>
+          </a:prstGeom>
+          <a:noFill/>
+        </p:spPr>
+        <p:txBody>
+          <a:bodyPr wrap="square" rtlCol="0">
+            <a:spAutoFit/>
+          </a:bodyPr>
+          <a:lstStyle/>
+          <a:p>
+            <a:r>
+              <a:rPr lang="it-IT" sz="2400" dirty="0"/>
+              <a:t>Scelta dell’input: parametri fisiologici</a:t>
+            </a:r>
+          </a:p>
+        </p:txBody>
+      </p:sp>
+      <p:sp>
+        <p:nvSpPr>
+          <p:cNvPr id="14" name="CasellaDiTesto 13">
+            <a:extLst>
+              <a:ext uri="{FF2B5EF4-FFF2-40B4-BE49-F238E27FC236}">
+                <a16:creationId xmlns:a16="http://schemas.microsoft.com/office/drawing/2014/main" id="{01ECD587-472E-39C0-2892-F4FEFE469A0A}"/>
+              </a:ext>
+            </a:extLst>
+          </p:cNvPr>
+          <p:cNvSpPr txBox="1"/>
+          <p:nvPr/>
+        </p:nvSpPr>
+        <p:spPr>
+          <a:xfrm>
+            <a:off x="0" y="1980141"/>
+            <a:ext cx="11618742" cy="400110"/>
+          </a:xfrm>
+          <a:prstGeom prst="rect">
+            <a:avLst/>
+          </a:prstGeom>
+          <a:noFill/>
+        </p:spPr>
+        <p:txBody>
+          <a:bodyPr wrap="square" rtlCol="0">
+            <a:spAutoFit/>
+          </a:bodyPr>
+          <a:lstStyle/>
+          <a:p>
+            <a:r>
+              <a:rPr lang="it-IT" sz="1800" dirty="0"/>
+              <a:t>                                                     </a:t>
+            </a:r>
+            <a:r>
+              <a:rPr lang="it-IT" sz="2000" b="1" dirty="0">
+                <a:solidFill>
+                  <a:srgbClr val="FF0000"/>
+                </a:solidFill>
+              </a:rPr>
+              <a:t>3)  RESISTENZA CUTANEA (</a:t>
+            </a:r>
+            <a:r>
+              <a:rPr lang="it-IT" sz="2000" b="1" dirty="0" err="1">
+                <a:solidFill>
+                  <a:srgbClr val="FF0000"/>
+                </a:solidFill>
+              </a:rPr>
+              <a:t>KOhms</a:t>
+            </a:r>
+            <a:r>
+              <a:rPr lang="it-IT" sz="2000" b="1" dirty="0">
+                <a:solidFill>
+                  <a:srgbClr val="FF0000"/>
+                </a:solidFill>
+              </a:rPr>
+              <a:t>/cm2 )</a:t>
+            </a:r>
+          </a:p>
+        </p:txBody>
+      </p:sp>
+      <p:sp>
+        <p:nvSpPr>
+          <p:cNvPr id="8" name="CasellaDiTesto 7">
+            <a:extLst>
+              <a:ext uri="{FF2B5EF4-FFF2-40B4-BE49-F238E27FC236}">
+                <a16:creationId xmlns:a16="http://schemas.microsoft.com/office/drawing/2014/main" id="{76AFED38-5B8A-D7B9-329D-C50D8E9C4DE1}"/>
+              </a:ext>
+            </a:extLst>
+          </p:cNvPr>
+          <p:cNvSpPr txBox="1"/>
+          <p:nvPr/>
+        </p:nvSpPr>
+        <p:spPr>
+          <a:xfrm>
+            <a:off x="3049138" y="2505670"/>
+            <a:ext cx="6093724" cy="923330"/>
+          </a:xfrm>
+          <a:prstGeom prst="rect">
+            <a:avLst/>
+          </a:prstGeom>
+          <a:noFill/>
+        </p:spPr>
+        <p:txBody>
+          <a:bodyPr wrap="square">
+            <a:spAutoFit/>
+          </a:bodyPr>
+          <a:lstStyle/>
+          <a:p>
+            <a:pPr algn="ctr"/>
+            <a:r>
+              <a:rPr lang="it-IT" dirty="0"/>
+              <a:t>Valori superiori a 200 </a:t>
+            </a:r>
+            <a:r>
+              <a:rPr lang="it-IT" dirty="0" err="1"/>
+              <a:t>KOhms</a:t>
+            </a:r>
+            <a:r>
+              <a:rPr lang="it-IT" dirty="0"/>
+              <a:t>/cm2 sono tipici di individui rilassati; se il soggetto è emotivamente agitato, la resistenza cutanea scende progressivamente. </a:t>
+            </a:r>
+          </a:p>
+        </p:txBody>
+      </p:sp>
+      <p:pic>
+        <p:nvPicPr>
+          <p:cNvPr id="12" name="Immagine 11">
+            <a:extLst>
+              <a:ext uri="{FF2B5EF4-FFF2-40B4-BE49-F238E27FC236}">
+                <a16:creationId xmlns:a16="http://schemas.microsoft.com/office/drawing/2014/main" id="{7B23AD89-02C1-7492-69A4-6E9891868872}"/>
+              </a:ext>
+            </a:extLst>
+          </p:cNvPr>
+          <p:cNvPicPr>
+            <a:picLocks noChangeAspect="1"/>
+          </p:cNvPicPr>
+          <p:nvPr/>
+        </p:nvPicPr>
+        <p:blipFill rotWithShape="1">
+          <a:blip r:embed="rId2"/>
+          <a:srcRect t="3741" r="281" b="848"/>
+          <a:stretch/>
+        </p:blipFill>
+        <p:spPr>
+          <a:xfrm>
+            <a:off x="1195993" y="3848669"/>
+            <a:ext cx="9800013" cy="2906973"/>
+          </a:xfrm>
+          <a:prstGeom prst="rect">
+            <a:avLst/>
+          </a:prstGeom>
+        </p:spPr>
+      </p:pic>
+    </p:spTree>
+    <p:extLst>
+      <p:ext uri="{BB962C8B-B14F-4D97-AF65-F5344CB8AC3E}">
+        <p14:creationId xmlns:p14="http://schemas.microsoft.com/office/powerpoint/2010/main" val="3591730720"/>
+      </p:ext>
+    </p:extLst>
+  </p:cSld>
+  <p:clrMapOvr>
+    <a:masterClrMapping/>
+  </p:clrMapOvr>
+</p:sld>
+</file>
+
+<file path=ppt/slides/slide7.xml><?xml version="1.0" encoding="utf-8"?>
+<p:sld xmlns:a="http://schemas.openxmlformats.org/drawingml/2006/main" xmlns:r="http://schemas.openxmlformats.org/officeDocument/2006/relationships" xmlns:p="http://schemas.openxmlformats.org/presentationml/2006/main">
+  <p:cSld>
+    <p:spTree>
+      <p:nvGrpSpPr>
+        <p:cNvPr id="1" name=""/>
+        <p:cNvGrpSpPr/>
+        <p:nvPr/>
+      </p:nvGrpSpPr>
+      <p:grpSpPr>
+        <a:xfrm>
+          <a:off x="0" y="0"/>
+          <a:ext cx="0" cy="0"/>
+          <a:chOff x="0" y="0"/>
+          <a:chExt cx="0" cy="0"/>
+        </a:xfrm>
+      </p:grpSpPr>
+      <p:sp>
+        <p:nvSpPr>
+          <p:cNvPr id="2" name="Titolo 1">
+            <a:extLst>
+              <a:ext uri="{FF2B5EF4-FFF2-40B4-BE49-F238E27FC236}">
+                <a16:creationId xmlns:a16="http://schemas.microsoft.com/office/drawing/2014/main" id="{8C357273-83B7-A36C-9E7C-FBFEB4124F4E}"/>
+              </a:ext>
+            </a:extLst>
+          </p:cNvPr>
+          <p:cNvSpPr>
+            <a:spLocks noGrp="1"/>
+          </p:cNvSpPr>
+          <p:nvPr>
+            <p:ph type="ctrTitle"/>
+          </p:nvPr>
+        </p:nvSpPr>
+        <p:spPr>
+          <a:xfrm>
+            <a:off x="1464099" y="191069"/>
+            <a:ext cx="10389103" cy="720764"/>
           </a:xfrm>
           <a:solidFill>
             <a:schemeClr val="bg1"/>
@@ -6024,7 +7644,7 @@
         <p:spPr>
           <a:xfrm>
             <a:off x="286629" y="1730581"/>
-            <a:ext cx="11618742" cy="3323987"/>
+            <a:ext cx="11618742" cy="1477328"/>
           </a:xfrm>
           <a:prstGeom prst="rect">
             <a:avLst/>
@@ -6037,27 +7657,45 @@
           </a:bodyPr>
           <a:lstStyle/>
           <a:p>
-            <a:r>
-              <a:rPr lang="it-IT" sz="1800" dirty="0"/>
-              <a:t>PARAMETRI COMPORTAMENTALI</a:t>
-            </a:r>
-          </a:p>
-          <a:p>
-            <a:pPr marL="342900" indent="-342900">
-              <a:buFont typeface="Wingdings" panose="05000000000000000000" pitchFamily="2" charset="2"/>
-              <a:buChar char="q"/>
-            </a:pPr>
-            <a:endParaRPr lang="it-IT" sz="1800" dirty="0"/>
-          </a:p>
-          <a:p>
             <a:pPr marL="342900" indent="-342900">
               <a:buFont typeface="Arial" panose="020B0604020202020204" pitchFamily="34" charset="0"/>
               <a:buChar char="•"/>
             </a:pPr>
             <a:r>
-              <a:rPr lang="it-IT" sz="1800" dirty="0"/>
-              <a:t>Movenze</a:t>
-            </a:r>
+              <a:rPr lang="it-IT" dirty="0"/>
+              <a:t>«</a:t>
+            </a:r>
+            <a:r>
+              <a:rPr lang="it-IT" b="0" i="0" dirty="0">
+                <a:solidFill>
+                  <a:srgbClr val="222222"/>
+                </a:solidFill>
+                <a:effectLst/>
+                <a:latin typeface="open sans" panose="020B0606030504020204" pitchFamily="34" charset="0"/>
+              </a:rPr>
+              <a:t>Le bugie più crudeli sono spesso raccontate in silenzio.»</a:t>
+            </a:r>
+            <a:br>
+              <a:rPr lang="it-IT" dirty="0"/>
+            </a:br>
+            <a:r>
+              <a:rPr lang="it-IT" b="0" i="0" dirty="0">
+                <a:solidFill>
+                  <a:srgbClr val="222222"/>
+                </a:solidFill>
+                <a:effectLst/>
+                <a:latin typeface="open sans" panose="020B0606030504020204" pitchFamily="34" charset="0"/>
+              </a:rPr>
+              <a:t>(Robert Louis Stevenson)</a:t>
+            </a:r>
+            <a:endParaRPr lang="it-IT" dirty="0"/>
+          </a:p>
+          <a:p>
+            <a:pPr marL="342900" indent="-342900">
+              <a:buFont typeface="Arial" panose="020B0604020202020204" pitchFamily="34" charset="0"/>
+              <a:buChar char="•"/>
+            </a:pPr>
+            <a:endParaRPr lang="it-IT" sz="1800" dirty="0"/>
           </a:p>
           <a:p>
             <a:pPr marL="342900" indent="-342900">
@@ -6067,47 +7705,12 @@
             <a:endParaRPr lang="it-IT" dirty="0"/>
           </a:p>
           <a:p>
-            <a:endParaRPr lang="it-IT" sz="4800" dirty="0"/>
-          </a:p>
-          <a:p>
-            <a:pPr marL="342900" indent="-342900">
-              <a:buFont typeface="Arial" panose="020B0604020202020204" pitchFamily="34" charset="0"/>
-              <a:buChar char="•"/>
-            </a:pPr>
-            <a:r>
-              <a:rPr lang="it-IT" dirty="0"/>
-              <a:t>Contatto visivo</a:t>
-            </a:r>
-            <a:endParaRPr lang="it-IT" sz="1800" dirty="0"/>
-          </a:p>
-          <a:p>
-            <a:pPr marL="342900" indent="-342900">
-              <a:buFont typeface="Arial" panose="020B0604020202020204" pitchFamily="34" charset="0"/>
-              <a:buChar char="•"/>
-            </a:pPr>
-            <a:endParaRPr lang="it-IT" dirty="0"/>
-          </a:p>
-          <a:p>
             <a:pPr marL="342900" indent="-342900">
               <a:buFont typeface="Arial" panose="020B0604020202020204" pitchFamily="34" charset="0"/>
               <a:buChar char="•"/>
             </a:pPr>
             <a:endParaRPr lang="it-IT" sz="1800" dirty="0"/>
           </a:p>
-          <a:p>
-            <a:pPr marL="342900" indent="-342900">
-              <a:buFont typeface="Arial" panose="020B0604020202020204" pitchFamily="34" charset="0"/>
-              <a:buChar char="•"/>
-            </a:pPr>
-            <a:endParaRPr lang="it-IT" dirty="0"/>
-          </a:p>
-          <a:p>
-            <a:pPr marL="342900" indent="-342900">
-              <a:buFont typeface="Arial" panose="020B0604020202020204" pitchFamily="34" charset="0"/>
-              <a:buChar char="•"/>
-            </a:pPr>
-            <a:endParaRPr lang="it-IT" sz="1800" dirty="0"/>
-          </a:p>
         </p:txBody>
       </p:sp>
       <p:sp>
@@ -6140,7 +7743,7 @@
           <a:p>
             <a:r>
               <a:rPr lang="it-IT" sz="2400" dirty="0"/>
-              <a:t>Scelta dell’input: parametri analizzati</a:t>
+              <a:t>Scelta dell’input: il linguaggio del corpo</a:t>
             </a:r>
           </a:p>
         </p:txBody>
@@ -6158,7 +7761,7 @@
 </p:sld>
 </file>
 
-<file path=ppt/slides/slide5.xml><?xml version="1.0" encoding="utf-8"?>
+<file path=ppt/slides/slide8.xml><?xml version="1.0" encoding="utf-8"?>
 <p:sld xmlns:a="http://schemas.openxmlformats.org/drawingml/2006/main" xmlns:r="http://schemas.openxmlformats.org/officeDocument/2006/relationships" xmlns:p="http://schemas.openxmlformats.org/presentationml/2006/main">
   <p:cSld>
     <p:spTree>
@@ -6193,8 +7796,8 @@
         </p:nvSpPr>
         <p:spPr>
           <a:xfrm>
-            <a:off x="1464099" y="0"/>
-            <a:ext cx="10389103" cy="911833"/>
+            <a:off x="1464099" y="191069"/>
+            <a:ext cx="10389103" cy="720764"/>
           </a:xfrm>
           <a:solidFill>
             <a:schemeClr val="bg1"/>
@@ -6312,10 +7915,9 @@
               <a:buChar char="•"/>
             </a:pPr>
             <a:r>
-              <a:rPr lang="it-IT" dirty="0"/>
-              <a:t>Coerenza nelle risposte</a:t>
-            </a:r>
-            <a:endParaRPr lang="it-IT" sz="1800" dirty="0"/>
+              <a:rPr lang="it-IT" sz="1800" dirty="0"/>
+              <a:t>Movenze</a:t>
+            </a:r>
           </a:p>
           <a:p>
             <a:pPr marL="342900" indent="-342900">
@@ -6333,12 +7935,8 @@
               <a:buChar char="•"/>
             </a:pPr>
             <a:r>
-              <a:rPr lang="it-IT" sz="1800" dirty="0"/>
-              <a:t>Modo di </a:t>
-            </a:r>
-            <a:r>
               <a:rPr lang="it-IT" dirty="0"/>
-              <a:t>parlare</a:t>
+              <a:t>Contatto visivo</a:t>
             </a:r>
             <a:endParaRPr lang="it-IT" sz="1800" dirty="0"/>
           </a:p>
@@ -6377,7 +7975,7 @@
           <p:cNvPr id="4" name="CasellaDiTesto 3">
             <a:extLst>
               <a:ext uri="{FF2B5EF4-FFF2-40B4-BE49-F238E27FC236}">
-                <a16:creationId xmlns:a16="http://schemas.microsoft.com/office/drawing/2014/main" id="{EB007141-D4B8-082B-246F-B1F8B732786D}"/>
+                <a16:creationId xmlns:a16="http://schemas.microsoft.com/office/drawing/2014/main" id="{0C1E12E0-F644-124F-FF2D-6150915612FD}"/>
               </a:ext>
             </a:extLst>
           </p:cNvPr>
@@ -6402,7 +8000,7 @@
           <a:p>
             <a:r>
               <a:rPr lang="it-IT" sz="2400" dirty="0"/>
-              <a:t>Scelta dell’input: parametri analizzati</a:t>
+              <a:t>Scelta dell’input: il linguaggio del corpo</a:t>
             </a:r>
           </a:p>
         </p:txBody>
@@ -6410,399 +8008,7 @@
     </p:spTree>
     <p:extLst>
       <p:ext uri="{BB962C8B-B14F-4D97-AF65-F5344CB8AC3E}">
-        <p14:creationId xmlns:p14="http://schemas.microsoft.com/office/powerpoint/2010/main" val="3925692203"/>
-      </p:ext>
-    </p:extLst>
-  </p:cSld>
-  <p:clrMapOvr>
-    <a:masterClrMapping/>
-  </p:clrMapOvr>
-</p:sld>
-</file>
-
-<file path=ppt/slides/slide6.xml><?xml version="1.0" encoding="utf-8"?>
-<p:sld xmlns:a="http://schemas.openxmlformats.org/drawingml/2006/main" xmlns:r="http://schemas.openxmlformats.org/officeDocument/2006/relationships" xmlns:p="http://schemas.openxmlformats.org/presentationml/2006/main">
-  <p:cSld>
-    <p:spTree>
-      <p:nvGrpSpPr>
-        <p:cNvPr id="1" name=""/>
-        <p:cNvGrpSpPr/>
-        <p:nvPr/>
-      </p:nvGrpSpPr>
-      <p:grpSpPr>
-        <a:xfrm>
-          <a:off x="0" y="0"/>
-          <a:ext cx="0" cy="0"/>
-          <a:chOff x="0" y="0"/>
-          <a:chExt cx="0" cy="0"/>
-        </a:xfrm>
-      </p:grpSpPr>
-      <p:sp>
-        <p:nvSpPr>
-          <p:cNvPr id="3" name="Sottotitolo 2">
-            <a:extLst>
-              <a:ext uri="{FF2B5EF4-FFF2-40B4-BE49-F238E27FC236}">
-                <a16:creationId xmlns:a16="http://schemas.microsoft.com/office/drawing/2014/main" id="{04793D03-CD36-87FA-D46E-3B347C785E20}"/>
-              </a:ext>
-            </a:extLst>
-          </p:cNvPr>
-          <p:cNvSpPr>
-            <a:spLocks noGrp="1"/>
-          </p:cNvSpPr>
-          <p:nvPr>
-            <p:ph type="subTitle" idx="1"/>
-          </p:nvPr>
-        </p:nvSpPr>
-        <p:spPr/>
-        <p:txBody>
-          <a:bodyPr/>
-          <a:lstStyle/>
-          <a:p>
-            <a:endParaRPr lang="it-IT" dirty="0"/>
-          </a:p>
-        </p:txBody>
-      </p:sp>
-      <p:sp>
-        <p:nvSpPr>
-          <p:cNvPr id="7" name="Titolo 1">
-            <a:extLst>
-              <a:ext uri="{FF2B5EF4-FFF2-40B4-BE49-F238E27FC236}">
-                <a16:creationId xmlns:a16="http://schemas.microsoft.com/office/drawing/2014/main" id="{C6CA296C-565A-3CDF-D2CC-6CF8AFCC6511}"/>
-              </a:ext>
-            </a:extLst>
-          </p:cNvPr>
-          <p:cNvSpPr>
-            <a:spLocks noGrp="1"/>
-          </p:cNvSpPr>
-          <p:nvPr>
-            <p:ph type="ctrTitle"/>
-          </p:nvPr>
-        </p:nvSpPr>
-        <p:spPr>
-          <a:xfrm>
-            <a:off x="1464099" y="0"/>
-            <a:ext cx="10389103" cy="911833"/>
-          </a:xfrm>
-          <a:solidFill>
-            <a:schemeClr val="bg1"/>
-          </a:solidFill>
-        </p:spPr>
-        <p:txBody>
-          <a:bodyPr anchor="b">
-            <a:normAutofit fontScale="90000"/>
-          </a:bodyPr>
-          <a:lstStyle/>
-          <a:p>
-            <a:r>
-              <a:rPr lang="it-IT" sz="3200" b="1" dirty="0">
-                <a:latin typeface="Neue Haas Grotesk Text Pro" panose="020B0504020202020204" pitchFamily="34" charset="0"/>
-              </a:rPr>
-              <a:t>IMPLEMENTAZIONE DELLA MACCHINA DELLA VERITA </a:t>
-            </a:r>
-          </a:p>
-        </p:txBody>
-      </p:sp>
-      <p:sp>
-        <p:nvSpPr>
-          <p:cNvPr id="2" name="CasellaDiTesto 1">
-            <a:extLst>
-              <a:ext uri="{FF2B5EF4-FFF2-40B4-BE49-F238E27FC236}">
-                <a16:creationId xmlns:a16="http://schemas.microsoft.com/office/drawing/2014/main" id="{1F1C2ABC-739F-792B-6AA5-F4C04501D67B}"/>
-              </a:ext>
-            </a:extLst>
-          </p:cNvPr>
-          <p:cNvSpPr txBox="1"/>
-          <p:nvPr/>
-        </p:nvSpPr>
-        <p:spPr>
-          <a:xfrm>
-            <a:off x="4386866" y="1063870"/>
-            <a:ext cx="2716300" cy="461665"/>
-          </a:xfrm>
-          <a:prstGeom prst="rect">
-            <a:avLst/>
-          </a:prstGeom>
-          <a:noFill/>
-        </p:spPr>
-        <p:txBody>
-          <a:bodyPr wrap="square" rtlCol="0">
-            <a:spAutoFit/>
-          </a:bodyPr>
-          <a:lstStyle/>
-          <a:p>
-            <a:r>
-              <a:rPr lang="it-IT" sz="2400" dirty="0"/>
-              <a:t>Scelta dell’output</a:t>
-            </a:r>
-          </a:p>
-        </p:txBody>
-      </p:sp>
-    </p:spTree>
-    <p:extLst>
-      <p:ext uri="{BB962C8B-B14F-4D97-AF65-F5344CB8AC3E}">
-        <p14:creationId xmlns:p14="http://schemas.microsoft.com/office/powerpoint/2010/main" val="589458051"/>
-      </p:ext>
-    </p:extLst>
-  </p:cSld>
-  <p:clrMapOvr>
-    <a:masterClrMapping/>
-  </p:clrMapOvr>
-</p:sld>
-</file>
-
-<file path=ppt/slides/slide7.xml><?xml version="1.0" encoding="utf-8"?>
-<p:sld xmlns:a="http://schemas.openxmlformats.org/drawingml/2006/main" xmlns:r="http://schemas.openxmlformats.org/officeDocument/2006/relationships" xmlns:p="http://schemas.openxmlformats.org/presentationml/2006/main">
-  <p:cSld>
-    <p:spTree>
-      <p:nvGrpSpPr>
-        <p:cNvPr id="1" name=""/>
-        <p:cNvGrpSpPr/>
-        <p:nvPr/>
-      </p:nvGrpSpPr>
-      <p:grpSpPr>
-        <a:xfrm>
-          <a:off x="0" y="0"/>
-          <a:ext cx="0" cy="0"/>
-          <a:chOff x="0" y="0"/>
-          <a:chExt cx="0" cy="0"/>
-        </a:xfrm>
-      </p:grpSpPr>
-      <p:sp>
-        <p:nvSpPr>
-          <p:cNvPr id="3" name="Sottotitolo 2">
-            <a:extLst>
-              <a:ext uri="{FF2B5EF4-FFF2-40B4-BE49-F238E27FC236}">
-                <a16:creationId xmlns:a16="http://schemas.microsoft.com/office/drawing/2014/main" id="{04793D03-CD36-87FA-D46E-3B347C785E20}"/>
-              </a:ext>
-            </a:extLst>
-          </p:cNvPr>
-          <p:cNvSpPr>
-            <a:spLocks noGrp="1"/>
-          </p:cNvSpPr>
-          <p:nvPr>
-            <p:ph type="subTitle" idx="1"/>
-          </p:nvPr>
-        </p:nvSpPr>
-        <p:spPr/>
-        <p:txBody>
-          <a:bodyPr/>
-          <a:lstStyle/>
-          <a:p>
-            <a:endParaRPr lang="it-IT" dirty="0"/>
-          </a:p>
-        </p:txBody>
-      </p:sp>
-      <p:sp>
-        <p:nvSpPr>
-          <p:cNvPr id="7" name="Titolo 1">
-            <a:extLst>
-              <a:ext uri="{FF2B5EF4-FFF2-40B4-BE49-F238E27FC236}">
-                <a16:creationId xmlns:a16="http://schemas.microsoft.com/office/drawing/2014/main" id="{C6CA296C-565A-3CDF-D2CC-6CF8AFCC6511}"/>
-              </a:ext>
-            </a:extLst>
-          </p:cNvPr>
-          <p:cNvSpPr>
-            <a:spLocks noGrp="1"/>
-          </p:cNvSpPr>
-          <p:nvPr>
-            <p:ph type="ctrTitle"/>
-          </p:nvPr>
-        </p:nvSpPr>
-        <p:spPr>
-          <a:xfrm>
-            <a:off x="1464099" y="0"/>
-            <a:ext cx="10389103" cy="911833"/>
-          </a:xfrm>
-          <a:solidFill>
-            <a:schemeClr val="bg1"/>
-          </a:solidFill>
-        </p:spPr>
-        <p:txBody>
-          <a:bodyPr anchor="b">
-            <a:normAutofit fontScale="90000"/>
-          </a:bodyPr>
-          <a:lstStyle/>
-          <a:p>
-            <a:r>
-              <a:rPr lang="it-IT" sz="3200" b="1" dirty="0">
-                <a:latin typeface="Neue Haas Grotesk Text Pro" panose="020B0504020202020204" pitchFamily="34" charset="0"/>
-              </a:rPr>
-              <a:t>IMPLEMENTAZIONE DELLA MACCHINA DELLA VERITA </a:t>
-            </a:r>
-          </a:p>
-        </p:txBody>
-      </p:sp>
-      <p:sp>
-        <p:nvSpPr>
-          <p:cNvPr id="2" name="CasellaDiTesto 1">
-            <a:extLst>
-              <a:ext uri="{FF2B5EF4-FFF2-40B4-BE49-F238E27FC236}">
-                <a16:creationId xmlns:a16="http://schemas.microsoft.com/office/drawing/2014/main" id="{1F1C2ABC-739F-792B-6AA5-F4C04501D67B}"/>
-              </a:ext>
-            </a:extLst>
-          </p:cNvPr>
-          <p:cNvSpPr txBox="1"/>
-          <p:nvPr/>
-        </p:nvSpPr>
-        <p:spPr>
-          <a:xfrm>
-            <a:off x="2067339" y="1063870"/>
-            <a:ext cx="8229599" cy="461665"/>
-          </a:xfrm>
-          <a:prstGeom prst="rect">
-            <a:avLst/>
-          </a:prstGeom>
-          <a:noFill/>
-        </p:spPr>
-        <p:txBody>
-          <a:bodyPr wrap="square" rtlCol="0">
-            <a:spAutoFit/>
-          </a:bodyPr>
-          <a:lstStyle/>
-          <a:p>
-            <a:pPr algn="ctr"/>
-            <a:r>
-              <a:rPr lang="it-IT" sz="2400" dirty="0"/>
-              <a:t>Scelta dell’output: implementazione delle regole fuzzy</a:t>
-            </a:r>
-          </a:p>
-        </p:txBody>
-      </p:sp>
-    </p:spTree>
-    <p:extLst>
-      <p:ext uri="{BB962C8B-B14F-4D97-AF65-F5344CB8AC3E}">
-        <p14:creationId xmlns:p14="http://schemas.microsoft.com/office/powerpoint/2010/main" val="412318806"/>
-      </p:ext>
-    </p:extLst>
-  </p:cSld>
-  <p:clrMapOvr>
-    <a:masterClrMapping/>
-  </p:clrMapOvr>
-</p:sld>
-</file>
-
-<file path=ppt/slides/slide8.xml><?xml version="1.0" encoding="utf-8"?>
-<p:sld xmlns:a="http://schemas.openxmlformats.org/drawingml/2006/main" xmlns:r="http://schemas.openxmlformats.org/officeDocument/2006/relationships" xmlns:p="http://schemas.openxmlformats.org/presentationml/2006/main">
-  <p:cSld>
-    <p:spTree>
-      <p:nvGrpSpPr>
-        <p:cNvPr id="1" name=""/>
-        <p:cNvGrpSpPr/>
-        <p:nvPr/>
-      </p:nvGrpSpPr>
-      <p:grpSpPr>
-        <a:xfrm>
-          <a:off x="0" y="0"/>
-          <a:ext cx="0" cy="0"/>
-          <a:chOff x="0" y="0"/>
-          <a:chExt cx="0" cy="0"/>
-        </a:xfrm>
-      </p:grpSpPr>
-      <p:sp>
-        <p:nvSpPr>
-          <p:cNvPr id="3" name="Sottotitolo 2">
-            <a:extLst>
-              <a:ext uri="{FF2B5EF4-FFF2-40B4-BE49-F238E27FC236}">
-                <a16:creationId xmlns:a16="http://schemas.microsoft.com/office/drawing/2014/main" id="{04793D03-CD36-87FA-D46E-3B347C785E20}"/>
-              </a:ext>
-            </a:extLst>
-          </p:cNvPr>
-          <p:cNvSpPr>
-            <a:spLocks noGrp="1"/>
-          </p:cNvSpPr>
-          <p:nvPr>
-            <p:ph type="subTitle" idx="1"/>
-          </p:nvPr>
-        </p:nvSpPr>
-        <p:spPr/>
-        <p:txBody>
-          <a:bodyPr/>
-          <a:lstStyle/>
-          <a:p>
-            <a:endParaRPr lang="it-IT" dirty="0"/>
-          </a:p>
-        </p:txBody>
-      </p:sp>
-      <p:sp>
-        <p:nvSpPr>
-          <p:cNvPr id="7" name="Titolo 1">
-            <a:extLst>
-              <a:ext uri="{FF2B5EF4-FFF2-40B4-BE49-F238E27FC236}">
-                <a16:creationId xmlns:a16="http://schemas.microsoft.com/office/drawing/2014/main" id="{C6CA296C-565A-3CDF-D2CC-6CF8AFCC6511}"/>
-              </a:ext>
-            </a:extLst>
-          </p:cNvPr>
-          <p:cNvSpPr>
-            <a:spLocks noGrp="1"/>
-          </p:cNvSpPr>
-          <p:nvPr>
-            <p:ph type="ctrTitle"/>
-          </p:nvPr>
-        </p:nvSpPr>
-        <p:spPr>
-          <a:xfrm>
-            <a:off x="1464099" y="0"/>
-            <a:ext cx="10389103" cy="911833"/>
-          </a:xfrm>
-          <a:solidFill>
-            <a:schemeClr val="bg1"/>
-          </a:solidFill>
-        </p:spPr>
-        <p:txBody>
-          <a:bodyPr anchor="b">
-            <a:normAutofit fontScale="90000"/>
-          </a:bodyPr>
-          <a:lstStyle/>
-          <a:p>
-            <a:r>
-              <a:rPr lang="it-IT" sz="3200" b="1" dirty="0">
-                <a:latin typeface="Neue Haas Grotesk Text Pro" panose="020B0504020202020204" pitchFamily="34" charset="0"/>
-              </a:rPr>
-              <a:t>IMPLEMENTAZIONE DELLA MACCHINA DELLA VERITA </a:t>
-            </a:r>
-          </a:p>
-        </p:txBody>
-      </p:sp>
-      <p:sp>
-        <p:nvSpPr>
-          <p:cNvPr id="2" name="CasellaDiTesto 1">
-            <a:extLst>
-              <a:ext uri="{FF2B5EF4-FFF2-40B4-BE49-F238E27FC236}">
-                <a16:creationId xmlns:a16="http://schemas.microsoft.com/office/drawing/2014/main" id="{1F1C2ABC-739F-792B-6AA5-F4C04501D67B}"/>
-              </a:ext>
-            </a:extLst>
-          </p:cNvPr>
-          <p:cNvSpPr txBox="1"/>
-          <p:nvPr/>
-        </p:nvSpPr>
-        <p:spPr>
-          <a:xfrm>
-            <a:off x="1464099" y="1050617"/>
-            <a:ext cx="8229599" cy="461665"/>
-          </a:xfrm>
-          <a:prstGeom prst="rect">
-            <a:avLst/>
-          </a:prstGeom>
-          <a:noFill/>
-        </p:spPr>
-        <p:txBody>
-          <a:bodyPr wrap="square" rtlCol="0">
-            <a:spAutoFit/>
-          </a:bodyPr>
-          <a:lstStyle/>
-          <a:p>
-            <a:pPr algn="ctr"/>
-            <a:r>
-              <a:rPr lang="it-IT" sz="2400" dirty="0"/>
-              <a:t>Esempi applicativi</a:t>
-            </a:r>
-          </a:p>
-        </p:txBody>
-      </p:sp>
-    </p:spTree>
-    <p:extLst>
-      <p:ext uri="{BB962C8B-B14F-4D97-AF65-F5344CB8AC3E}">
-        <p14:creationId xmlns:p14="http://schemas.microsoft.com/office/powerpoint/2010/main" val="2304897171"/>
+        <p14:creationId xmlns:p14="http://schemas.microsoft.com/office/powerpoint/2010/main" val="2596015952"/>
       </p:ext>
     </p:extLst>
   </p:cSld>
@@ -6831,35 +8037,10 @@
       </p:grpSpPr>
       <p:sp>
         <p:nvSpPr>
-          <p:cNvPr id="3" name="Sottotitolo 2">
-            <a:extLst>
-              <a:ext uri="{FF2B5EF4-FFF2-40B4-BE49-F238E27FC236}">
-                <a16:creationId xmlns:a16="http://schemas.microsoft.com/office/drawing/2014/main" id="{6B8B845A-3AC7-6D1F-E8D4-33815172593F}"/>
-              </a:ext>
-            </a:extLst>
-          </p:cNvPr>
-          <p:cNvSpPr>
-            <a:spLocks noGrp="1"/>
-          </p:cNvSpPr>
-          <p:nvPr>
-            <p:ph type="subTitle" idx="1"/>
-          </p:nvPr>
-        </p:nvSpPr>
-        <p:spPr/>
-        <p:txBody>
-          <a:bodyPr/>
-          <a:lstStyle/>
-          <a:p>
-            <a:endParaRPr lang="it-IT"/>
-          </a:p>
-        </p:txBody>
-      </p:sp>
-      <p:sp>
-        <p:nvSpPr>
-          <p:cNvPr id="4" name="Titolo 1">
-            <a:extLst>
-              <a:ext uri="{FF2B5EF4-FFF2-40B4-BE49-F238E27FC236}">
-                <a16:creationId xmlns:a16="http://schemas.microsoft.com/office/drawing/2014/main" id="{69C6F4FD-BA62-586A-8CC4-D399AF387611}"/>
+          <p:cNvPr id="2" name="Titolo 1">
+            <a:extLst>
+              <a:ext uri="{FF2B5EF4-FFF2-40B4-BE49-F238E27FC236}">
+                <a16:creationId xmlns:a16="http://schemas.microsoft.com/office/drawing/2014/main" id="{8C357273-83B7-A36C-9E7C-FBFEB4124F4E}"/>
               </a:ext>
             </a:extLst>
           </p:cNvPr>
@@ -6872,8 +8053,8 @@
         </p:nvSpPr>
         <p:spPr>
           <a:xfrm>
-            <a:off x="1464099" y="0"/>
-            <a:ext cx="10389103" cy="911833"/>
+            <a:off x="1464099" y="163773"/>
+            <a:ext cx="10389103" cy="748060"/>
           </a:xfrm>
           <a:solidFill>
             <a:schemeClr val="bg1"/>
@@ -6894,12 +8075,63 @@
           </a:p>
         </p:txBody>
       </p:sp>
-      <p:sp>
-        <p:nvSpPr>
-          <p:cNvPr id="5" name="CasellaDiTesto 4">
-            <a:extLst>
-              <a:ext uri="{FF2B5EF4-FFF2-40B4-BE49-F238E27FC236}">
-                <a16:creationId xmlns:a16="http://schemas.microsoft.com/office/drawing/2014/main" id="{505BEDF1-7245-6F5E-7C2B-6167BF70B360}"/>
+      <mc:AlternateContent xmlns:mc="http://schemas.openxmlformats.org/markup-compatibility/2006">
+        <mc:Choice xmlns:p14="http://schemas.microsoft.com/office/powerpoint/2010/main" Requires="p14">
+          <p:contentPart p14:bwMode="auto" r:id="rId2">
+            <p14:nvContentPartPr>
+              <p14:cNvPr id="5" name="Input penna 4">
+                <a:extLst>
+                  <a:ext uri="{FF2B5EF4-FFF2-40B4-BE49-F238E27FC236}">
+                    <a16:creationId xmlns:a16="http://schemas.microsoft.com/office/drawing/2014/main" id="{7B587679-EA6D-A980-72D3-470CA32E4713}"/>
+                  </a:ext>
+                </a:extLst>
+              </p14:cNvPr>
+              <p14:cNvContentPartPr/>
+              <p14:nvPr/>
+            </p14:nvContentPartPr>
+            <p14:xfrm>
+              <a:off x="7757117" y="2905270"/>
+              <a:ext cx="360" cy="360"/>
+            </p14:xfrm>
+          </p:contentPart>
+        </mc:Choice>
+        <mc:Fallback>
+          <p:pic>
+            <p:nvPicPr>
+              <p:cNvPr id="5" name="Input penna 4">
+                <a:extLst>
+                  <a:ext uri="{FF2B5EF4-FFF2-40B4-BE49-F238E27FC236}">
+                    <a16:creationId xmlns:a16="http://schemas.microsoft.com/office/drawing/2014/main" id="{7B587679-EA6D-A980-72D3-470CA32E4713}"/>
+                  </a:ext>
+                </a:extLst>
+              </p:cNvPr>
+              <p:cNvPicPr/>
+              <p:nvPr/>
+            </p:nvPicPr>
+            <p:blipFill>
+              <a:blip r:embed="rId3"/>
+              <a:stretch>
+                <a:fillRect/>
+              </a:stretch>
+            </p:blipFill>
+            <p:spPr>
+              <a:xfrm>
+                <a:off x="7748117" y="2896270"/>
+                <a:ext cx="18000" cy="18000"/>
+              </a:xfrm>
+              <a:prstGeom prst="rect">
+                <a:avLst/>
+              </a:prstGeom>
+            </p:spPr>
+          </p:pic>
+        </mc:Fallback>
+      </mc:AlternateContent>
+      <p:sp>
+        <p:nvSpPr>
+          <p:cNvPr id="14" name="CasellaDiTesto 13">
+            <a:extLst>
+              <a:ext uri="{FF2B5EF4-FFF2-40B4-BE49-F238E27FC236}">
+                <a16:creationId xmlns:a16="http://schemas.microsoft.com/office/drawing/2014/main" id="{01ECD587-472E-39C0-2892-F4FEFE469A0A}"/>
               </a:ext>
             </a:extLst>
           </p:cNvPr>
@@ -6908,8 +8140,8 @@
         </p:nvSpPr>
         <p:spPr>
           <a:xfrm>
-            <a:off x="1464099" y="1050617"/>
-            <a:ext cx="8229599" cy="461665"/>
+            <a:off x="286629" y="1730581"/>
+            <a:ext cx="11618742" cy="3323987"/>
           </a:xfrm>
           <a:prstGeom prst="rect">
             <a:avLst/>
@@ -6922,10 +8154,116 @@
           </a:bodyPr>
           <a:lstStyle/>
           <a:p>
-            <a:pPr algn="ctr"/>
+            <a:r>
+              <a:rPr lang="it-IT" dirty="0"/>
+              <a:t>LINGUAGGIO DEL CORPO</a:t>
+            </a:r>
+            <a:endParaRPr lang="it-IT" sz="1800" dirty="0"/>
+          </a:p>
+          <a:p>
+            <a:pPr marL="342900" indent="-342900">
+              <a:buFont typeface="Wingdings" panose="05000000000000000000" pitchFamily="2" charset="2"/>
+              <a:buChar char="q"/>
+            </a:pPr>
+            <a:endParaRPr lang="it-IT" sz="1800" dirty="0"/>
+          </a:p>
+          <a:p>
+            <a:pPr marL="342900" indent="-342900">
+              <a:buFont typeface="Arial" panose="020B0604020202020204" pitchFamily="34" charset="0"/>
+              <a:buChar char="•"/>
+            </a:pPr>
+            <a:r>
+              <a:rPr lang="it-IT" dirty="0"/>
+              <a:t>Coerenza nelle risposte</a:t>
+            </a:r>
+            <a:endParaRPr lang="it-IT" sz="1800" dirty="0"/>
+          </a:p>
+          <a:p>
+            <a:pPr marL="342900" indent="-342900">
+              <a:buFont typeface="Arial" panose="020B0604020202020204" pitchFamily="34" charset="0"/>
+              <a:buChar char="•"/>
+            </a:pPr>
+            <a:endParaRPr lang="it-IT" dirty="0"/>
+          </a:p>
+          <a:p>
+            <a:endParaRPr lang="it-IT" sz="4800" dirty="0"/>
+          </a:p>
+          <a:p>
+            <a:pPr marL="342900" indent="-342900">
+              <a:buFont typeface="Arial" panose="020B0604020202020204" pitchFamily="34" charset="0"/>
+              <a:buChar char="•"/>
+            </a:pPr>
+            <a:r>
+              <a:rPr lang="it-IT" sz="1800" dirty="0"/>
+              <a:t>Modo di </a:t>
+            </a:r>
+            <a:r>
+              <a:rPr lang="it-IT" dirty="0"/>
+              <a:t>parlare</a:t>
+            </a:r>
+            <a:endParaRPr lang="it-IT" sz="1800" dirty="0"/>
+          </a:p>
+          <a:p>
+            <a:pPr marL="342900" indent="-342900">
+              <a:buFont typeface="Arial" panose="020B0604020202020204" pitchFamily="34" charset="0"/>
+              <a:buChar char="•"/>
+            </a:pPr>
+            <a:endParaRPr lang="it-IT" dirty="0"/>
+          </a:p>
+          <a:p>
+            <a:pPr marL="342900" indent="-342900">
+              <a:buFont typeface="Arial" panose="020B0604020202020204" pitchFamily="34" charset="0"/>
+              <a:buChar char="•"/>
+            </a:pPr>
+            <a:endParaRPr lang="it-IT" sz="1800" dirty="0"/>
+          </a:p>
+          <a:p>
+            <a:pPr marL="342900" indent="-342900">
+              <a:buFont typeface="Arial" panose="020B0604020202020204" pitchFamily="34" charset="0"/>
+              <a:buChar char="•"/>
+            </a:pPr>
+            <a:endParaRPr lang="it-IT" dirty="0"/>
+          </a:p>
+          <a:p>
+            <a:pPr marL="342900" indent="-342900">
+              <a:buFont typeface="Arial" panose="020B0604020202020204" pitchFamily="34" charset="0"/>
+              <a:buChar char="•"/>
+            </a:pPr>
+            <a:endParaRPr lang="it-IT" sz="1800" dirty="0"/>
+          </a:p>
+        </p:txBody>
+      </p:sp>
+      <p:sp>
+        <p:nvSpPr>
+          <p:cNvPr id="4" name="CasellaDiTesto 3">
+            <a:extLst>
+              <a:ext uri="{FF2B5EF4-FFF2-40B4-BE49-F238E27FC236}">
+                <a16:creationId xmlns:a16="http://schemas.microsoft.com/office/drawing/2014/main" id="{EB007141-D4B8-082B-246F-B1F8B732786D}"/>
+              </a:ext>
+            </a:extLst>
+          </p:cNvPr>
+          <p:cNvSpPr txBox="1"/>
+          <p:nvPr/>
+        </p:nvSpPr>
+        <p:spPr>
+          <a:xfrm>
+            <a:off x="3180918" y="1090374"/>
+            <a:ext cx="6955463" cy="461665"/>
+          </a:xfrm>
+          <a:prstGeom prst="rect">
+            <a:avLst/>
+          </a:prstGeom>
+          <a:noFill/>
+        </p:spPr>
+        <p:txBody>
+          <a:bodyPr wrap="square" rtlCol="0">
+            <a:spAutoFit/>
+          </a:bodyPr>
+          <a:lstStyle/>
+          <a:p>
             <a:r>
               <a:rPr lang="it-IT" sz="2400" dirty="0"/>
-              <a:t>Valutazione dei risultati ottenuti</a:t>
+              <a:t>Scelta dell’input: il linguaggio del corpo</a:t>
             </a:r>
           </a:p>
         </p:txBody>
@@ -6933,7 +8271,7 @@
     </p:spTree>
     <p:extLst>
       <p:ext uri="{BB962C8B-B14F-4D97-AF65-F5344CB8AC3E}">
-        <p14:creationId xmlns:p14="http://schemas.microsoft.com/office/powerpoint/2010/main" val="3753401525"/>
+        <p14:creationId xmlns:p14="http://schemas.microsoft.com/office/powerpoint/2010/main" val="3925692203"/>
       </p:ext>
     </p:extLst>
   </p:cSld>

--- a/LA VERITÀ STA NEI GESTI.pptx
+++ b/LA VERITÀ STA NEI GESTI.pptx
@@ -13,11 +13,12 @@
     <p:sldId id="267" r:id="rId7"/>
     <p:sldId id="259" r:id="rId8"/>
     <p:sldId id="268" r:id="rId9"/>
-    <p:sldId id="260" r:id="rId10"/>
-    <p:sldId id="261" r:id="rId11"/>
-    <p:sldId id="262" r:id="rId12"/>
-    <p:sldId id="263" r:id="rId13"/>
-    <p:sldId id="264" r:id="rId14"/>
+    <p:sldId id="269" r:id="rId10"/>
+    <p:sldId id="260" r:id="rId11"/>
+    <p:sldId id="261" r:id="rId12"/>
+    <p:sldId id="262" r:id="rId13"/>
+    <p:sldId id="263" r:id="rId14"/>
+    <p:sldId id="264" r:id="rId15"/>
   </p:sldIdLst>
   <p:sldSz cx="12192000" cy="6858000"/>
   <p:notesSz cx="6858000" cy="9144000"/>
@@ -201,6 +202,33 @@
 </file>
 
 <file path=ppt/ink/ink4.xml><?xml version="1.0" encoding="utf-8"?>
+<inkml:ink xmlns:inkml="http://www.w3.org/2003/InkML">
+  <inkml:definitions>
+    <inkml:context xml:id="ctx0">
+      <inkml:inkSource xml:id="inkSrc0">
+        <inkml:traceFormat>
+          <inkml:channel name="X" type="integer" min="-2.14748E9" max="2.14748E9" units="cm"/>
+          <inkml:channel name="Y" type="integer" min="-2.14748E9" max="2.14748E9" units="cm"/>
+          <inkml:channel name="F" type="integer" max="32767" units="dev"/>
+        </inkml:traceFormat>
+        <inkml:channelProperties>
+          <inkml:channelProperty channel="X" name="resolution" value="1000" units="1/cm"/>
+          <inkml:channelProperty channel="Y" name="resolution" value="1000" units="1/cm"/>
+          <inkml:channelProperty channel="F" name="resolution" value="0" units="1/dev"/>
+        </inkml:channelProperties>
+      </inkml:inkSource>
+      <inkml:timestamp xml:id="ts0" timeString="2023-02-23T20:00:52.595"/>
+    </inkml:context>
+    <inkml:brush xml:id="br0">
+      <inkml:brushProperty name="width" value="0.05" units="cm"/>
+      <inkml:brushProperty name="height" value="0.05" units="cm"/>
+    </inkml:brush>
+  </inkml:definitions>
+  <inkml:trace contextRef="#ctx0" brushRef="#br0">1 0 24575,'0'0'-8191</inkml:trace>
+</inkml:ink>
+</file>
+
+<file path=ppt/ink/ink5.xml><?xml version="1.0" encoding="utf-8"?>
 <inkml:ink xmlns:inkml="http://www.w3.org/2003/InkML">
   <inkml:definitions>
     <inkml:context xml:id="ctx0">
@@ -5548,35 +5576,10 @@
       </p:grpSpPr>
       <p:sp>
         <p:nvSpPr>
-          <p:cNvPr id="3" name="Sottotitolo 2">
-            <a:extLst>
-              <a:ext uri="{FF2B5EF4-FFF2-40B4-BE49-F238E27FC236}">
-                <a16:creationId xmlns:a16="http://schemas.microsoft.com/office/drawing/2014/main" id="{04793D03-CD36-87FA-D46E-3B347C785E20}"/>
-              </a:ext>
-            </a:extLst>
-          </p:cNvPr>
-          <p:cNvSpPr>
-            <a:spLocks noGrp="1"/>
-          </p:cNvSpPr>
-          <p:nvPr>
-            <p:ph type="subTitle" idx="1"/>
-          </p:nvPr>
-        </p:nvSpPr>
-        <p:spPr/>
-        <p:txBody>
-          <a:bodyPr/>
-          <a:lstStyle/>
-          <a:p>
-            <a:endParaRPr lang="it-IT" dirty="0"/>
-          </a:p>
-        </p:txBody>
-      </p:sp>
-      <p:sp>
-        <p:nvSpPr>
-          <p:cNvPr id="7" name="Titolo 1">
-            <a:extLst>
-              <a:ext uri="{FF2B5EF4-FFF2-40B4-BE49-F238E27FC236}">
-                <a16:creationId xmlns:a16="http://schemas.microsoft.com/office/drawing/2014/main" id="{C6CA296C-565A-3CDF-D2CC-6CF8AFCC6511}"/>
+          <p:cNvPr id="2" name="Titolo 1">
+            <a:extLst>
+              <a:ext uri="{FF2B5EF4-FFF2-40B4-BE49-F238E27FC236}">
+                <a16:creationId xmlns:a16="http://schemas.microsoft.com/office/drawing/2014/main" id="{8C357273-83B7-A36C-9E7C-FBFEB4124F4E}"/>
               </a:ext>
             </a:extLst>
           </p:cNvPr>
@@ -5589,8 +5592,8 @@
         </p:nvSpPr>
         <p:spPr>
           <a:xfrm>
-            <a:off x="1464099" y="204716"/>
-            <a:ext cx="10389103" cy="707117"/>
+            <a:off x="1464099" y="163773"/>
+            <a:ext cx="10389103" cy="748060"/>
           </a:xfrm>
           <a:solidFill>
             <a:schemeClr val="bg1"/>
@@ -5611,12 +5614,63 @@
           </a:p>
         </p:txBody>
       </p:sp>
-      <p:sp>
-        <p:nvSpPr>
-          <p:cNvPr id="2" name="CasellaDiTesto 1">
-            <a:extLst>
-              <a:ext uri="{FF2B5EF4-FFF2-40B4-BE49-F238E27FC236}">
-                <a16:creationId xmlns:a16="http://schemas.microsoft.com/office/drawing/2014/main" id="{1F1C2ABC-739F-792B-6AA5-F4C04501D67B}"/>
+      <mc:AlternateContent xmlns:mc="http://schemas.openxmlformats.org/markup-compatibility/2006">
+        <mc:Choice xmlns:p14="http://schemas.microsoft.com/office/powerpoint/2010/main" Requires="p14">
+          <p:contentPart p14:bwMode="auto" r:id="rId2">
+            <p14:nvContentPartPr>
+              <p14:cNvPr id="5" name="Input penna 4">
+                <a:extLst>
+                  <a:ext uri="{FF2B5EF4-FFF2-40B4-BE49-F238E27FC236}">
+                    <a16:creationId xmlns:a16="http://schemas.microsoft.com/office/drawing/2014/main" id="{7B587679-EA6D-A980-72D3-470CA32E4713}"/>
+                  </a:ext>
+                </a:extLst>
+              </p14:cNvPr>
+              <p14:cNvContentPartPr/>
+              <p14:nvPr/>
+            </p14:nvContentPartPr>
+            <p14:xfrm>
+              <a:off x="7757117" y="2905270"/>
+              <a:ext cx="360" cy="360"/>
+            </p14:xfrm>
+          </p:contentPart>
+        </mc:Choice>
+        <mc:Fallback>
+          <p:pic>
+            <p:nvPicPr>
+              <p:cNvPr id="5" name="Input penna 4">
+                <a:extLst>
+                  <a:ext uri="{FF2B5EF4-FFF2-40B4-BE49-F238E27FC236}">
+                    <a16:creationId xmlns:a16="http://schemas.microsoft.com/office/drawing/2014/main" id="{7B587679-EA6D-A980-72D3-470CA32E4713}"/>
+                  </a:ext>
+                </a:extLst>
+              </p:cNvPr>
+              <p:cNvPicPr/>
+              <p:nvPr/>
+            </p:nvPicPr>
+            <p:blipFill>
+              <a:blip r:embed="rId3"/>
+              <a:stretch>
+                <a:fillRect/>
+              </a:stretch>
+            </p:blipFill>
+            <p:spPr>
+              <a:xfrm>
+                <a:off x="7748117" y="2896270"/>
+                <a:ext cx="18000" cy="18000"/>
+              </a:xfrm>
+              <a:prstGeom prst="rect">
+                <a:avLst/>
+              </a:prstGeom>
+            </p:spPr>
+          </p:pic>
+        </mc:Fallback>
+      </mc:AlternateContent>
+      <p:sp>
+        <p:nvSpPr>
+          <p:cNvPr id="14" name="CasellaDiTesto 13">
+            <a:extLst>
+              <a:ext uri="{FF2B5EF4-FFF2-40B4-BE49-F238E27FC236}">
+                <a16:creationId xmlns:a16="http://schemas.microsoft.com/office/drawing/2014/main" id="{01ECD587-472E-39C0-2892-F4FEFE469A0A}"/>
               </a:ext>
             </a:extLst>
           </p:cNvPr>
@@ -5625,8 +5679,8 @@
         </p:nvSpPr>
         <p:spPr>
           <a:xfrm>
-            <a:off x="4386866" y="1063870"/>
-            <a:ext cx="2716300" cy="461665"/>
+            <a:off x="286629" y="1797308"/>
+            <a:ext cx="11618742" cy="4647426"/>
           </a:xfrm>
           <a:prstGeom prst="rect">
             <a:avLst/>
@@ -5640,16 +5694,180 @@
           <a:lstStyle/>
           <a:p>
             <a:r>
+              <a:rPr lang="it-IT" sz="2000" b="1" dirty="0">
+                <a:solidFill>
+                  <a:srgbClr val="FF0000"/>
+                </a:solidFill>
+              </a:rPr>
+              <a:t>3) COERENZA NELLE </a:t>
+            </a:r>
+          </a:p>
+          <a:p>
+            <a:r>
+              <a:rPr lang="it-IT" sz="2000" b="1" dirty="0">
+                <a:solidFill>
+                  <a:srgbClr val="FF0000"/>
+                </a:solidFill>
+              </a:rPr>
+              <a:t>            RISPOSTE</a:t>
+            </a:r>
+          </a:p>
+          <a:p>
+            <a:pPr marL="342900" indent="-342900">
+              <a:buFont typeface="Arial" panose="020B0604020202020204" pitchFamily="34" charset="0"/>
+              <a:buChar char="•"/>
+            </a:pPr>
+            <a:endParaRPr lang="it-IT" dirty="0"/>
+          </a:p>
+          <a:p>
+            <a:endParaRPr lang="it-IT" sz="4800" dirty="0"/>
+          </a:p>
+          <a:p>
+            <a:endParaRPr lang="it-IT" sz="4800" dirty="0"/>
+          </a:p>
+          <a:p>
+            <a:endParaRPr lang="it-IT" sz="4800" dirty="0"/>
+          </a:p>
+          <a:p>
+            <a:r>
+              <a:rPr lang="it-IT" sz="2000" b="1" dirty="0">
+                <a:solidFill>
+                  <a:srgbClr val="FF0000"/>
+                </a:solidFill>
+              </a:rPr>
+              <a:t>4) PRONTEZZA DI </a:t>
+            </a:r>
+          </a:p>
+          <a:p>
+            <a:r>
+              <a:rPr lang="it-IT" sz="2000" b="1" dirty="0">
+                <a:solidFill>
+                  <a:srgbClr val="FF0000"/>
+                </a:solidFill>
+              </a:rPr>
+              <a:t>         RISPOSTA</a:t>
+            </a:r>
+          </a:p>
+          <a:p>
+            <a:pPr marL="342900" indent="-342900">
+              <a:buFont typeface="Arial" panose="020B0604020202020204" pitchFamily="34" charset="0"/>
+              <a:buChar char="•"/>
+            </a:pPr>
+            <a:endParaRPr lang="it-IT" sz="1800" dirty="0"/>
+          </a:p>
+          <a:p>
+            <a:pPr marL="342900" indent="-342900">
+              <a:buFont typeface="Arial" panose="020B0604020202020204" pitchFamily="34" charset="0"/>
+              <a:buChar char="•"/>
+            </a:pPr>
+            <a:endParaRPr lang="it-IT" dirty="0"/>
+          </a:p>
+          <a:p>
+            <a:pPr marL="342900" indent="-342900">
+              <a:buFont typeface="Arial" panose="020B0604020202020204" pitchFamily="34" charset="0"/>
+              <a:buChar char="•"/>
+            </a:pPr>
+            <a:endParaRPr lang="it-IT" sz="1800" dirty="0"/>
+          </a:p>
+        </p:txBody>
+      </p:sp>
+      <p:sp>
+        <p:nvSpPr>
+          <p:cNvPr id="4" name="CasellaDiTesto 3">
+            <a:extLst>
+              <a:ext uri="{FF2B5EF4-FFF2-40B4-BE49-F238E27FC236}">
+                <a16:creationId xmlns:a16="http://schemas.microsoft.com/office/drawing/2014/main" id="{EB007141-D4B8-082B-246F-B1F8B732786D}"/>
+              </a:ext>
+            </a:extLst>
+          </p:cNvPr>
+          <p:cNvSpPr txBox="1"/>
+          <p:nvPr/>
+        </p:nvSpPr>
+        <p:spPr>
+          <a:xfrm>
+            <a:off x="3180918" y="1090374"/>
+            <a:ext cx="6955463" cy="461665"/>
+          </a:xfrm>
+          <a:prstGeom prst="rect">
+            <a:avLst/>
+          </a:prstGeom>
+          <a:noFill/>
+        </p:spPr>
+        <p:txBody>
+          <a:bodyPr wrap="square" rtlCol="0">
+            <a:spAutoFit/>
+          </a:bodyPr>
+          <a:lstStyle/>
+          <a:p>
+            <a:r>
               <a:rPr lang="it-IT" sz="2400" dirty="0"/>
-              <a:t>Scelta dell’output</a:t>
-            </a:r>
-          </a:p>
-        </p:txBody>
-      </p:sp>
+              <a:t>Scelta dell’input: il linguaggio del corpo</a:t>
+            </a:r>
+          </a:p>
+        </p:txBody>
+      </p:sp>
+      <p:pic>
+        <p:nvPicPr>
+          <p:cNvPr id="8" name="Immagine 7">
+            <a:extLst>
+              <a:ext uri="{FF2B5EF4-FFF2-40B4-BE49-F238E27FC236}">
+                <a16:creationId xmlns:a16="http://schemas.microsoft.com/office/drawing/2014/main" id="{EFE915C3-1BFC-C155-2506-8D9E261E29ED}"/>
+              </a:ext>
+            </a:extLst>
+          </p:cNvPr>
+          <p:cNvPicPr>
+            <a:picLocks noChangeAspect="1"/>
+          </p:cNvPicPr>
+          <p:nvPr/>
+        </p:nvPicPr>
+        <p:blipFill rotWithShape="1">
+          <a:blip r:embed="rId4"/>
+          <a:srcRect t="142"/>
+          <a:stretch/>
+        </p:blipFill>
+        <p:spPr>
+          <a:xfrm>
+            <a:off x="4218412" y="1981708"/>
+            <a:ext cx="7108404" cy="2189815"/>
+          </a:xfrm>
+          <a:prstGeom prst="rect">
+            <a:avLst/>
+          </a:prstGeom>
+        </p:spPr>
+      </p:pic>
+      <p:pic>
+        <p:nvPicPr>
+          <p:cNvPr id="10" name="Immagine 9">
+            <a:extLst>
+              <a:ext uri="{FF2B5EF4-FFF2-40B4-BE49-F238E27FC236}">
+                <a16:creationId xmlns:a16="http://schemas.microsoft.com/office/drawing/2014/main" id="{A6A9C157-6028-C3C9-DEDD-B511F4DACB93}"/>
+              </a:ext>
+            </a:extLst>
+          </p:cNvPr>
+          <p:cNvPicPr>
+            <a:picLocks noChangeAspect="1"/>
+          </p:cNvPicPr>
+          <p:nvPr/>
+        </p:nvPicPr>
+        <p:blipFill rotWithShape="1">
+          <a:blip r:embed="rId5"/>
+          <a:srcRect r="434"/>
+          <a:stretch/>
+        </p:blipFill>
+        <p:spPr>
+          <a:xfrm>
+            <a:off x="4187418" y="4538986"/>
+            <a:ext cx="7108404" cy="2189815"/>
+          </a:xfrm>
+          <a:prstGeom prst="rect">
+            <a:avLst/>
+          </a:prstGeom>
+        </p:spPr>
+      </p:pic>
     </p:spTree>
     <p:extLst>
       <p:ext uri="{BB962C8B-B14F-4D97-AF65-F5344CB8AC3E}">
-        <p14:creationId xmlns:p14="http://schemas.microsoft.com/office/powerpoint/2010/main" val="589458051"/>
+        <p14:creationId xmlns:p14="http://schemas.microsoft.com/office/powerpoint/2010/main" val="3925692203"/>
       </p:ext>
     </p:extLst>
   </p:cSld>
@@ -5692,12 +5910,23 @@
             <p:ph type="subTitle" idx="1"/>
           </p:nvPr>
         </p:nvSpPr>
-        <p:spPr/>
-        <p:txBody>
-          <a:bodyPr/>
-          <a:lstStyle/>
-          <a:p>
-            <a:endParaRPr lang="it-IT" dirty="0"/>
+        <p:spPr>
+          <a:xfrm>
+            <a:off x="577595" y="5734245"/>
+            <a:ext cx="11036808" cy="710977"/>
+          </a:xfrm>
+        </p:spPr>
+        <p:txBody>
+          <a:bodyPr>
+            <a:normAutofit/>
+          </a:bodyPr>
+          <a:lstStyle/>
+          <a:p>
+            <a:pPr algn="ctr"/>
+            <a:r>
+              <a:rPr lang="it-IT" sz="2400" dirty="0"/>
+              <a:t>OUTPUT: Probabilità di menzogna</a:t>
+            </a:r>
           </a:p>
         </p:txBody>
       </p:sp>
@@ -5719,8 +5948,8 @@
         </p:nvSpPr>
         <p:spPr>
           <a:xfrm>
-            <a:off x="1464099" y="0"/>
-            <a:ext cx="10389103" cy="911833"/>
+            <a:off x="1464099" y="313899"/>
+            <a:ext cx="10389103" cy="597934"/>
           </a:xfrm>
           <a:solidFill>
             <a:schemeClr val="bg1"/>
@@ -5755,8 +5984,8 @@
         </p:nvSpPr>
         <p:spPr>
           <a:xfrm>
-            <a:off x="2067339" y="1063870"/>
-            <a:ext cx="8229599" cy="461665"/>
+            <a:off x="4591582" y="1123755"/>
+            <a:ext cx="2716300" cy="461665"/>
           </a:xfrm>
           <a:prstGeom prst="rect">
             <a:avLst/>
@@ -5769,18 +5998,47 @@
           </a:bodyPr>
           <a:lstStyle/>
           <a:p>
-            <a:pPr algn="ctr"/>
             <a:r>
               <a:rPr lang="it-IT" sz="2400" dirty="0"/>
-              <a:t>Scelta dell’output: implementazione delle regole fuzzy</a:t>
-            </a:r>
-          </a:p>
-        </p:txBody>
-      </p:sp>
+              <a:t>Scelta dell’output</a:t>
+            </a:r>
+          </a:p>
+        </p:txBody>
+      </p:sp>
+      <p:pic>
+        <p:nvPicPr>
+          <p:cNvPr id="5" name="Immagine 4">
+            <a:extLst>
+              <a:ext uri="{FF2B5EF4-FFF2-40B4-BE49-F238E27FC236}">
+                <a16:creationId xmlns:a16="http://schemas.microsoft.com/office/drawing/2014/main" id="{E389A42D-C7DE-041A-61D4-A2DEF8FC4C3F}"/>
+              </a:ext>
+            </a:extLst>
+          </p:cNvPr>
+          <p:cNvPicPr>
+            <a:picLocks noChangeAspect="1"/>
+          </p:cNvPicPr>
+          <p:nvPr/>
+        </p:nvPicPr>
+        <p:blipFill>
+          <a:blip r:embed="rId2"/>
+          <a:stretch>
+            <a:fillRect/>
+          </a:stretch>
+        </p:blipFill>
+        <p:spPr>
+          <a:xfrm>
+            <a:off x="439835" y="1797342"/>
+            <a:ext cx="11312329" cy="3470694"/>
+          </a:xfrm>
+          <a:prstGeom prst="rect">
+            <a:avLst/>
+          </a:prstGeom>
+        </p:spPr>
+      </p:pic>
     </p:spTree>
     <p:extLst>
       <p:ext uri="{BB962C8B-B14F-4D97-AF65-F5344CB8AC3E}">
-        <p14:creationId xmlns:p14="http://schemas.microsoft.com/office/powerpoint/2010/main" val="412318806"/>
+        <p14:creationId xmlns:p14="http://schemas.microsoft.com/office/powerpoint/2010/main" val="589458051"/>
       </p:ext>
     </p:extLst>
   </p:cSld>
@@ -5850,6 +6108,137 @@
         </p:nvSpPr>
         <p:spPr>
           <a:xfrm>
+            <a:off x="1464099" y="272955"/>
+            <a:ext cx="10389103" cy="638878"/>
+          </a:xfrm>
+          <a:solidFill>
+            <a:schemeClr val="bg1"/>
+          </a:solidFill>
+        </p:spPr>
+        <p:txBody>
+          <a:bodyPr anchor="b">
+            <a:normAutofit fontScale="90000"/>
+          </a:bodyPr>
+          <a:lstStyle/>
+          <a:p>
+            <a:r>
+              <a:rPr lang="it-IT" sz="3200" b="1" dirty="0">
+                <a:latin typeface="Neue Haas Grotesk Text Pro" panose="020B0504020202020204" pitchFamily="34" charset="0"/>
+              </a:rPr>
+              <a:t>IMPLEMENTAZIONE DELLA MACCHINA DELLA VERITA </a:t>
+            </a:r>
+          </a:p>
+        </p:txBody>
+      </p:sp>
+      <p:sp>
+        <p:nvSpPr>
+          <p:cNvPr id="2" name="CasellaDiTesto 1">
+            <a:extLst>
+              <a:ext uri="{FF2B5EF4-FFF2-40B4-BE49-F238E27FC236}">
+                <a16:creationId xmlns:a16="http://schemas.microsoft.com/office/drawing/2014/main" id="{1F1C2ABC-739F-792B-6AA5-F4C04501D67B}"/>
+              </a:ext>
+            </a:extLst>
+          </p:cNvPr>
+          <p:cNvSpPr txBox="1"/>
+          <p:nvPr/>
+        </p:nvSpPr>
+        <p:spPr>
+          <a:xfrm>
+            <a:off x="1981200" y="1063870"/>
+            <a:ext cx="8229599" cy="461665"/>
+          </a:xfrm>
+          <a:prstGeom prst="rect">
+            <a:avLst/>
+          </a:prstGeom>
+          <a:noFill/>
+        </p:spPr>
+        <p:txBody>
+          <a:bodyPr wrap="square" rtlCol="0">
+            <a:spAutoFit/>
+          </a:bodyPr>
+          <a:lstStyle/>
+          <a:p>
+            <a:pPr algn="ctr"/>
+            <a:r>
+              <a:rPr lang="it-IT" sz="2400" dirty="0"/>
+              <a:t>Scelta dell’output: implementazione delle regole fuzzy</a:t>
+            </a:r>
+          </a:p>
+        </p:txBody>
+      </p:sp>
+    </p:spTree>
+    <p:extLst>
+      <p:ext uri="{BB962C8B-B14F-4D97-AF65-F5344CB8AC3E}">
+        <p14:creationId xmlns:p14="http://schemas.microsoft.com/office/powerpoint/2010/main" val="412318806"/>
+      </p:ext>
+    </p:extLst>
+  </p:cSld>
+  <p:clrMapOvr>
+    <a:masterClrMapping/>
+  </p:clrMapOvr>
+</p:sld>
+</file>
+
+<file path=ppt/slides/slide13.xml><?xml version="1.0" encoding="utf-8"?>
+<p:sld xmlns:a="http://schemas.openxmlformats.org/drawingml/2006/main" xmlns:r="http://schemas.openxmlformats.org/officeDocument/2006/relationships" xmlns:p="http://schemas.openxmlformats.org/presentationml/2006/main">
+  <p:cSld>
+    <p:spTree>
+      <p:nvGrpSpPr>
+        <p:cNvPr id="1" name=""/>
+        <p:cNvGrpSpPr/>
+        <p:nvPr/>
+      </p:nvGrpSpPr>
+      <p:grpSpPr>
+        <a:xfrm>
+          <a:off x="0" y="0"/>
+          <a:ext cx="0" cy="0"/>
+          <a:chOff x="0" y="0"/>
+          <a:chExt cx="0" cy="0"/>
+        </a:xfrm>
+      </p:grpSpPr>
+      <p:sp>
+        <p:nvSpPr>
+          <p:cNvPr id="3" name="Sottotitolo 2">
+            <a:extLst>
+              <a:ext uri="{FF2B5EF4-FFF2-40B4-BE49-F238E27FC236}">
+                <a16:creationId xmlns:a16="http://schemas.microsoft.com/office/drawing/2014/main" id="{04793D03-CD36-87FA-D46E-3B347C785E20}"/>
+              </a:ext>
+            </a:extLst>
+          </p:cNvPr>
+          <p:cNvSpPr>
+            <a:spLocks noGrp="1"/>
+          </p:cNvSpPr>
+          <p:nvPr>
+            <p:ph type="subTitle" idx="1"/>
+          </p:nvPr>
+        </p:nvSpPr>
+        <p:spPr/>
+        <p:txBody>
+          <a:bodyPr/>
+          <a:lstStyle/>
+          <a:p>
+            <a:endParaRPr lang="it-IT" dirty="0"/>
+          </a:p>
+        </p:txBody>
+      </p:sp>
+      <p:sp>
+        <p:nvSpPr>
+          <p:cNvPr id="7" name="Titolo 1">
+            <a:extLst>
+              <a:ext uri="{FF2B5EF4-FFF2-40B4-BE49-F238E27FC236}">
+                <a16:creationId xmlns:a16="http://schemas.microsoft.com/office/drawing/2014/main" id="{C6CA296C-565A-3CDF-D2CC-6CF8AFCC6511}"/>
+              </a:ext>
+            </a:extLst>
+          </p:cNvPr>
+          <p:cNvSpPr>
+            <a:spLocks noGrp="1"/>
+          </p:cNvSpPr>
+          <p:nvPr>
+            <p:ph type="ctrTitle"/>
+          </p:nvPr>
+        </p:nvSpPr>
+        <p:spPr>
+          <a:xfrm>
             <a:off x="1464099" y="0"/>
             <a:ext cx="10389103" cy="911833"/>
           </a:xfrm>
@@ -5921,7 +6310,7 @@
 </p:sld>
 </file>
 
-<file path=ppt/slides/slide13.xml><?xml version="1.0" encoding="utf-8"?>
+<file path=ppt/slides/slide14.xml><?xml version="1.0" encoding="utf-8"?>
 <p:sld xmlns:a="http://schemas.openxmlformats.org/drawingml/2006/main" xmlns:r="http://schemas.openxmlformats.org/officeDocument/2006/relationships" xmlns:p="http://schemas.openxmlformats.org/presentationml/2006/main">
   <p:cSld>
     <p:spTree>
@@ -6206,7 +6595,7 @@
           </a:p>
           <a:p>
             <a:r>
-              <a:rPr lang="it-IT" sz="2200" b="1" i="0" dirty="0">
+              <a:rPr lang="it-IT" sz="2000" i="0" dirty="0">
                 <a:solidFill>
                   <a:schemeClr val="accent1">
                     <a:lumMod val="75000"/>
@@ -6219,7 +6608,7 @@
           </a:p>
           <a:p>
             <a:r>
-              <a:rPr lang="it-IT" sz="2200" b="1" i="0" dirty="0">
+              <a:rPr lang="it-IT" sz="2000" i="0" dirty="0">
                 <a:solidFill>
                   <a:schemeClr val="accent1">
                     <a:lumMod val="75000"/>
@@ -6230,7 +6619,7 @@
               <a:t> </a:t>
             </a:r>
             <a:r>
-              <a:rPr lang="it-IT" sz="2000" b="1" i="0" dirty="0">
+              <a:rPr lang="it-IT" i="0" dirty="0">
                 <a:solidFill>
                   <a:schemeClr val="accent1">
                     <a:lumMod val="75000"/>
@@ -6240,7 +6629,7 @@
               </a:rPr>
               <a:t>(Albert Einstein, 1922).</a:t>
             </a:r>
-            <a:endParaRPr lang="it-IT" sz="2200" dirty="0">
+            <a:endParaRPr lang="it-IT" sz="2000" dirty="0">
               <a:solidFill>
                 <a:schemeClr val="accent1">
                   <a:lumMod val="75000"/>
@@ -7644,7 +8033,7 @@
         <p:spPr>
           <a:xfrm>
             <a:off x="286629" y="1730581"/>
-            <a:ext cx="11618742" cy="1477328"/>
+            <a:ext cx="11618742" cy="4939814"/>
           </a:xfrm>
           <a:prstGeom prst="rect">
             <a:avLst/>
@@ -7657,18 +8046,22 @@
           </a:bodyPr>
           <a:lstStyle/>
           <a:p>
-            <a:pPr marL="342900" indent="-342900">
-              <a:buFont typeface="Arial" panose="020B0604020202020204" pitchFamily="34" charset="0"/>
-              <a:buChar char="•"/>
-            </a:pPr>
-            <a:r>
-              <a:rPr lang="it-IT" dirty="0"/>
+            <a:r>
+              <a:rPr lang="it-IT" dirty="0">
+                <a:solidFill>
+                  <a:schemeClr val="accent1">
+                    <a:lumMod val="75000"/>
+                  </a:schemeClr>
+                </a:solidFill>
+              </a:rPr>
               <a:t>«</a:t>
             </a:r>
             <a:r>
               <a:rPr lang="it-IT" b="0" i="0" dirty="0">
                 <a:solidFill>
-                  <a:srgbClr val="222222"/>
+                  <a:schemeClr val="accent1">
+                    <a:lumMod val="75000"/>
+                  </a:schemeClr>
                 </a:solidFill>
                 <a:effectLst/>
                 <a:latin typeface="open sans" panose="020B0606030504020204" pitchFamily="34" charset="0"/>
@@ -7676,39 +8069,116 @@
               <a:t>Le bugie più crudeli sono spesso raccontate in silenzio.»</a:t>
             </a:r>
             <a:br>
-              <a:rPr lang="it-IT" dirty="0"/>
+              <a:rPr lang="it-IT" dirty="0">
+                <a:solidFill>
+                  <a:schemeClr val="accent1">
+                    <a:lumMod val="75000"/>
+                  </a:schemeClr>
+                </a:solidFill>
+              </a:rPr>
             </a:br>
             <a:r>
               <a:rPr lang="it-IT" b="0" i="0" dirty="0">
                 <a:solidFill>
-                  <a:srgbClr val="222222"/>
+                  <a:schemeClr val="accent1">
+                    <a:lumMod val="75000"/>
+                  </a:schemeClr>
                 </a:solidFill>
                 <a:effectLst/>
                 <a:latin typeface="open sans" panose="020B0606030504020204" pitchFamily="34" charset="0"/>
               </a:rPr>
               <a:t>(Robert Louis Stevenson)</a:t>
             </a:r>
+            <a:endParaRPr lang="it-IT" dirty="0">
+              <a:solidFill>
+                <a:schemeClr val="accent1">
+                  <a:lumMod val="75000"/>
+                </a:schemeClr>
+              </a:solidFill>
+            </a:endParaRPr>
+          </a:p>
+          <a:p>
             <a:endParaRPr lang="it-IT" dirty="0"/>
           </a:p>
           <a:p>
-            <a:pPr marL="342900" indent="-342900">
-              <a:buFont typeface="Arial" panose="020B0604020202020204" pitchFamily="34" charset="0"/>
-              <a:buChar char="•"/>
+            <a:pPr algn="ctr"/>
+            <a:r>
+              <a:rPr lang="it-IT" sz="2000" dirty="0">
+                <a:solidFill>
+                  <a:srgbClr val="FF0000"/>
+                </a:solidFill>
+              </a:rPr>
+              <a:t>Scissione forzata tra pensiero e azioni: </a:t>
+            </a:r>
+          </a:p>
+          <a:p>
+            <a:pPr algn="ctr"/>
+            <a:r>
+              <a:rPr lang="it-IT" dirty="0"/>
+              <a:t>confitto fra ciò che si cerca di nascondere e cioè </a:t>
+            </a:r>
+          </a:p>
+          <a:p>
+            <a:pPr algn="ctr"/>
+            <a:r>
+              <a:rPr lang="it-IT" dirty="0"/>
+              <a:t>che naturalmente tenta di uscire allo scoperto</a:t>
+            </a:r>
+          </a:p>
+          <a:p>
+            <a:endParaRPr lang="it-IT" dirty="0"/>
+          </a:p>
+          <a:p>
+            <a:endParaRPr lang="it-IT" dirty="0"/>
+          </a:p>
+          <a:p>
+            <a:pPr algn="ctr"/>
+            <a:r>
+              <a:rPr lang="it-IT" sz="2300" b="1" dirty="0"/>
+              <a:t>In cosa traspare questo conflitto?</a:t>
+            </a:r>
+          </a:p>
+          <a:p>
+            <a:pPr algn="ctr"/>
+            <a:endParaRPr lang="it-IT" sz="2000" dirty="0"/>
+          </a:p>
+          <a:p>
+            <a:pPr marL="342900" indent="-342900" algn="ctr">
+              <a:lnSpc>
+                <a:spcPct val="200000"/>
+              </a:lnSpc>
+              <a:buAutoNum type="arabicPeriod"/>
             </a:pPr>
-            <a:endParaRPr lang="it-IT" sz="1800" dirty="0"/>
-          </a:p>
-          <a:p>
-            <a:pPr marL="342900" indent="-342900">
-              <a:buFont typeface="Arial" panose="020B0604020202020204" pitchFamily="34" charset="0"/>
-              <a:buChar char="•"/>
+            <a:r>
+              <a:rPr lang="it-IT" dirty="0"/>
+              <a:t>MICROESPRESSIONI</a:t>
+            </a:r>
+          </a:p>
+          <a:p>
+            <a:pPr marL="342900" indent="-342900" algn="ctr">
+              <a:lnSpc>
+                <a:spcPct val="200000"/>
+              </a:lnSpc>
+              <a:buAutoNum type="arabicPeriod"/>
             </a:pPr>
-            <a:endParaRPr lang="it-IT" dirty="0"/>
-          </a:p>
-          <a:p>
-            <a:pPr marL="342900" indent="-342900">
-              <a:buFont typeface="Arial" panose="020B0604020202020204" pitchFamily="34" charset="0"/>
-              <a:buChar char="•"/>
+            <a:r>
+              <a:rPr lang="it-IT" dirty="0"/>
+              <a:t>COMUNICAZIONE NON VERBALE (gesti, postura)</a:t>
+            </a:r>
+          </a:p>
+          <a:p>
+            <a:pPr marL="342900" indent="-342900" algn="ctr">
+              <a:lnSpc>
+                <a:spcPct val="200000"/>
+              </a:lnSpc>
+              <a:buAutoNum type="arabicPeriod"/>
             </a:pPr>
+            <a:r>
+              <a:rPr lang="it-IT" dirty="0"/>
+              <a:t>LINGUAGGIO PARAVERBALE (cambiamenti della voce)</a:t>
+            </a:r>
+          </a:p>
+          <a:p>
             <a:endParaRPr lang="it-IT" sz="1800" dirty="0"/>
           </a:p>
         </p:txBody>
@@ -7748,6 +8218,53 @@
           </a:p>
         </p:txBody>
       </p:sp>
+      <p:pic>
+        <p:nvPicPr>
+          <p:cNvPr id="4098" name="Picture 2" descr="difesa penale studio de lalla | Studio Legale De Lalla">
+            <a:extLst>
+              <a:ext uri="{FF2B5EF4-FFF2-40B4-BE49-F238E27FC236}">
+                <a16:creationId xmlns:a16="http://schemas.microsoft.com/office/drawing/2014/main" id="{92718EC2-ACC8-862A-3684-1B57457314EF}"/>
+              </a:ext>
+            </a:extLst>
+          </p:cNvPr>
+          <p:cNvPicPr>
+            <a:picLocks noChangeAspect="1" noChangeArrowheads="1"/>
+          </p:cNvPicPr>
+          <p:nvPr/>
+        </p:nvPicPr>
+        <p:blipFill>
+          <a:blip r:embed="rId4">
+            <a:extLst>
+              <a:ext uri="{28A0092B-C50C-407E-A947-70E740481C1C}">
+                <a14:useLocalDpi xmlns:a14="http://schemas.microsoft.com/office/drawing/2010/main" val="0"/>
+              </a:ext>
+            </a:extLst>
+          </a:blip>
+          <a:srcRect/>
+          <a:stretch>
+            <a:fillRect/>
+          </a:stretch>
+        </p:blipFill>
+        <p:spPr bwMode="auto">
+          <a:xfrm>
+            <a:off x="9084556" y="2483499"/>
+            <a:ext cx="2820815" cy="1190286"/>
+          </a:xfrm>
+          <a:prstGeom prst="rect">
+            <a:avLst/>
+          </a:prstGeom>
+          <a:noFill/>
+          <a:extLst>
+            <a:ext uri="{909E8E84-426E-40DD-AFC4-6F175D3DCCD1}">
+              <a14:hiddenFill xmlns:a14="http://schemas.microsoft.com/office/drawing/2010/main">
+                <a:solidFill>
+                  <a:srgbClr val="FFFFFF"/>
+                </a:solidFill>
+              </a14:hiddenFill>
+            </a:ext>
+          </a:extLst>
+        </p:spPr>
+      </p:pic>
     </p:spTree>
     <p:extLst>
       <p:ext uri="{BB962C8B-B14F-4D97-AF65-F5344CB8AC3E}">
@@ -7883,8 +8400,8 @@
         </p:nvSpPr>
         <p:spPr>
           <a:xfrm>
-            <a:off x="286629" y="1730581"/>
-            <a:ext cx="11618742" cy="3323987"/>
+            <a:off x="286629" y="1976240"/>
+            <a:ext cx="11618742" cy="4524315"/>
           </a:xfrm>
           <a:prstGeom prst="rect">
             <a:avLst/>
@@ -7898,67 +8415,69 @@
           <a:lstStyle/>
           <a:p>
             <a:r>
+              <a:rPr lang="it-IT" dirty="0"/>
+              <a:t>PREMESSE: </a:t>
+            </a:r>
+          </a:p>
+          <a:p>
+            <a:pPr marL="342900" indent="-342900">
+              <a:buAutoNum type="arabicParenR"/>
+            </a:pPr>
+            <a:endParaRPr lang="it-IT" dirty="0"/>
+          </a:p>
+          <a:p>
+            <a:pPr marL="342900" indent="-342900">
+              <a:buAutoNum type="arabicParenR"/>
+            </a:pPr>
+            <a:r>
+              <a:rPr lang="it-IT" dirty="0"/>
+              <a:t>Le azioni non</a:t>
+            </a:r>
+            <a:r>
               <a:rPr lang="it-IT" sz="1800" dirty="0"/>
-              <a:t>PARAMETRI COMPORTAMENTALI</a:t>
+              <a:t> sono quantificabili. </a:t>
             </a:r>
           </a:p>
           <a:p>
             <a:pPr marL="342900" indent="-342900">
-              <a:buFont typeface="Wingdings" panose="05000000000000000000" pitchFamily="2" charset="2"/>
-              <a:buChar char="q"/>
+              <a:buAutoNum type="arabicParenR"/>
             </a:pPr>
             <a:endParaRPr lang="it-IT" sz="1800" dirty="0"/>
           </a:p>
           <a:p>
+            <a:endParaRPr lang="it-IT" sz="1800" dirty="0"/>
+          </a:p>
+          <a:p>
+            <a:r>
+              <a:rPr lang="it-IT" sz="1800" dirty="0"/>
+              <a:t>Consideriamo dei valori che vanno da 0 a 1, in cui alcuni range di input fanno riferimento ad un certo tipo di linguaggio.</a:t>
+            </a:r>
+          </a:p>
+          <a:p>
+            <a:endParaRPr lang="it-IT" dirty="0"/>
+          </a:p>
+          <a:p>
+            <a:endParaRPr lang="it-IT" dirty="0"/>
+          </a:p>
+          <a:p>
+            <a:endParaRPr lang="it-IT" dirty="0"/>
+          </a:p>
+          <a:p>
+            <a:endParaRPr lang="it-IT" dirty="0"/>
+          </a:p>
+          <a:p>
+            <a:r>
+              <a:rPr lang="it-IT" sz="1800" dirty="0"/>
+              <a:t>2) Gli input sono scelti in maniera del tutto soggettiva e arbitraria: hanno affidabilità molto minore rispetto agli input fisiologici</a:t>
+            </a:r>
+          </a:p>
+          <a:p>
             <a:pPr marL="342900" indent="-342900">
-              <a:buFont typeface="Arial" panose="020B0604020202020204" pitchFamily="34" charset="0"/>
-              <a:buChar char="•"/>
-            </a:pPr>
-            <a:r>
-              <a:rPr lang="it-IT" sz="1800" dirty="0"/>
-              <a:t>Movenze</a:t>
-            </a:r>
-          </a:p>
-          <a:p>
-            <a:pPr marL="342900" indent="-342900">
-              <a:buFont typeface="Arial" panose="020B0604020202020204" pitchFamily="34" charset="0"/>
-              <a:buChar char="•"/>
-            </a:pPr>
-            <a:endParaRPr lang="it-IT" dirty="0"/>
-          </a:p>
-          <a:p>
-            <a:endParaRPr lang="it-IT" sz="4800" dirty="0"/>
-          </a:p>
-          <a:p>
-            <a:pPr marL="342900" indent="-342900">
-              <a:buFont typeface="Arial" panose="020B0604020202020204" pitchFamily="34" charset="0"/>
-              <a:buChar char="•"/>
-            </a:pPr>
-            <a:r>
-              <a:rPr lang="it-IT" dirty="0"/>
-              <a:t>Contatto visivo</a:t>
-            </a:r>
-            <a:endParaRPr lang="it-IT" sz="1800" dirty="0"/>
-          </a:p>
-          <a:p>
-            <a:pPr marL="342900" indent="-342900">
-              <a:buFont typeface="Arial" panose="020B0604020202020204" pitchFamily="34" charset="0"/>
-              <a:buChar char="•"/>
-            </a:pPr>
-            <a:endParaRPr lang="it-IT" dirty="0"/>
-          </a:p>
-          <a:p>
-            <a:pPr marL="342900" indent="-342900">
-              <a:buFont typeface="Arial" panose="020B0604020202020204" pitchFamily="34" charset="0"/>
-              <a:buChar char="•"/>
+              <a:buAutoNum type="arabicParenR"/>
             </a:pPr>
             <a:endParaRPr lang="it-IT" sz="1800" dirty="0"/>
           </a:p>
           <a:p>
-            <a:pPr marL="342900" indent="-342900">
-              <a:buFont typeface="Arial" panose="020B0604020202020204" pitchFamily="34" charset="0"/>
-              <a:buChar char="•"/>
-            </a:pPr>
             <a:endParaRPr lang="it-IT" dirty="0"/>
           </a:p>
           <a:p>
@@ -8053,8 +8572,8 @@
         </p:nvSpPr>
         <p:spPr>
           <a:xfrm>
-            <a:off x="1464099" y="163773"/>
-            <a:ext cx="10389103" cy="748060"/>
+            <a:off x="1464099" y="312643"/>
+            <a:ext cx="10389103" cy="599189"/>
           </a:xfrm>
           <a:solidFill>
             <a:schemeClr val="bg1"/>
@@ -8140,8 +8659,8 @@
         </p:nvSpPr>
         <p:spPr>
           <a:xfrm>
-            <a:off x="286629" y="1730581"/>
-            <a:ext cx="11618742" cy="3323987"/>
+            <a:off x="286629" y="1566114"/>
+            <a:ext cx="11618742" cy="4585871"/>
           </a:xfrm>
           <a:prstGeom prst="rect">
             <a:avLst/>
@@ -8154,29 +8673,17 @@
           </a:bodyPr>
           <a:lstStyle/>
           <a:p>
-            <a:r>
-              <a:rPr lang="it-IT" dirty="0"/>
-              <a:t>LINGUAGGIO DEL CORPO</a:t>
-            </a:r>
-            <a:endParaRPr lang="it-IT" sz="1800" dirty="0"/>
-          </a:p>
-          <a:p>
-            <a:pPr marL="342900" indent="-342900">
-              <a:buFont typeface="Wingdings" panose="05000000000000000000" pitchFamily="2" charset="2"/>
-              <a:buChar char="q"/>
-            </a:pPr>
-            <a:endParaRPr lang="it-IT" sz="1800" dirty="0"/>
-          </a:p>
-          <a:p>
-            <a:pPr marL="342900" indent="-342900">
-              <a:buFont typeface="Arial" panose="020B0604020202020204" pitchFamily="34" charset="0"/>
-              <a:buChar char="•"/>
-            </a:pPr>
-            <a:r>
-              <a:rPr lang="it-IT" dirty="0"/>
-              <a:t>Coerenza nelle risposte</a:t>
-            </a:r>
-            <a:endParaRPr lang="it-IT" sz="1800" dirty="0"/>
+            <a:endParaRPr lang="it-IT" dirty="0"/>
+          </a:p>
+          <a:p>
+            <a:r>
+              <a:rPr lang="it-IT" sz="2000" b="1" dirty="0">
+                <a:solidFill>
+                  <a:srgbClr val="FF0000"/>
+                </a:solidFill>
+              </a:rPr>
+              <a:t>1) MOVENZE</a:t>
+            </a:r>
           </a:p>
           <a:p>
             <a:pPr marL="342900" indent="-342900">
@@ -8186,24 +8693,6 @@
             <a:endParaRPr lang="it-IT" dirty="0"/>
           </a:p>
           <a:p>
-            <a:endParaRPr lang="it-IT" sz="4800" dirty="0"/>
-          </a:p>
-          <a:p>
-            <a:pPr marL="342900" indent="-342900">
-              <a:buFont typeface="Arial" panose="020B0604020202020204" pitchFamily="34" charset="0"/>
-              <a:buChar char="•"/>
-            </a:pPr>
-            <a:r>
-              <a:rPr lang="it-IT" sz="1800" dirty="0"/>
-              <a:t>Modo di </a:t>
-            </a:r>
-            <a:r>
-              <a:rPr lang="it-IT" dirty="0"/>
-              <a:t>parlare</a:t>
-            </a:r>
-            <a:endParaRPr lang="it-IT" sz="1800" dirty="0"/>
-          </a:p>
-          <a:p>
             <a:pPr marL="342900" indent="-342900">
               <a:buFont typeface="Arial" panose="020B0604020202020204" pitchFamily="34" charset="0"/>
               <a:buChar char="•"/>
@@ -8215,6 +8704,44 @@
               <a:buFont typeface="Arial" panose="020B0604020202020204" pitchFamily="34" charset="0"/>
               <a:buChar char="•"/>
             </a:pPr>
+            <a:endParaRPr lang="it-IT" dirty="0"/>
+          </a:p>
+          <a:p>
+            <a:endParaRPr lang="it-IT" dirty="0"/>
+          </a:p>
+          <a:p>
+            <a:endParaRPr lang="it-IT" dirty="0"/>
+          </a:p>
+          <a:p>
+            <a:endParaRPr lang="it-IT" dirty="0"/>
+          </a:p>
+          <a:p>
+            <a:endParaRPr lang="it-IT" dirty="0"/>
+          </a:p>
+          <a:p>
+            <a:endParaRPr lang="it-IT" dirty="0"/>
+          </a:p>
+          <a:p>
+            <a:endParaRPr lang="it-IT" dirty="0"/>
+          </a:p>
+          <a:p>
+            <a:r>
+              <a:rPr lang="it-IT" sz="2000" b="1" dirty="0">
+                <a:solidFill>
+                  <a:srgbClr val="FF0000"/>
+                </a:solidFill>
+              </a:rPr>
+              <a:t>2) CONTATTO VISIVO</a:t>
+            </a:r>
+          </a:p>
+          <a:p>
+            <a:endParaRPr lang="it-IT" dirty="0"/>
+          </a:p>
+          <a:p>
+            <a:pPr marL="342900" indent="-342900">
+              <a:buFont typeface="Arial" panose="020B0604020202020204" pitchFamily="34" charset="0"/>
+              <a:buChar char="•"/>
+            </a:pPr>
             <a:endParaRPr lang="it-IT" sz="1800" dirty="0"/>
           </a:p>
           <a:p>
@@ -8268,10 +8795,69 @@
           </a:p>
         </p:txBody>
       </p:sp>
+      <p:pic>
+        <p:nvPicPr>
+          <p:cNvPr id="6" name="Immagine 5">
+            <a:extLst>
+              <a:ext uri="{FF2B5EF4-FFF2-40B4-BE49-F238E27FC236}">
+                <a16:creationId xmlns:a16="http://schemas.microsoft.com/office/drawing/2014/main" id="{11F949EC-451F-E1E1-9F61-6FFC8B4403DA}"/>
+              </a:ext>
+            </a:extLst>
+          </p:cNvPr>
+          <p:cNvPicPr>
+            <a:picLocks noChangeAspect="1"/>
+          </p:cNvPicPr>
+          <p:nvPr/>
+        </p:nvPicPr>
+        <p:blipFill rotWithShape="1">
+          <a:blip r:embed="rId4"/>
+          <a:srcRect t="3765" r="1836"/>
+          <a:stretch/>
+        </p:blipFill>
+        <p:spPr>
+          <a:xfrm>
+            <a:off x="4278387" y="2025273"/>
+            <a:ext cx="7123145" cy="2161122"/>
+          </a:xfrm>
+          <a:prstGeom prst="rect">
+            <a:avLst/>
+          </a:prstGeom>
+        </p:spPr>
+      </p:pic>
+      <p:pic>
+        <p:nvPicPr>
+          <p:cNvPr id="8" name="Immagine 7">
+            <a:extLst>
+              <a:ext uri="{FF2B5EF4-FFF2-40B4-BE49-F238E27FC236}">
+                <a16:creationId xmlns:a16="http://schemas.microsoft.com/office/drawing/2014/main" id="{06BC2C69-F87E-BC4F-444B-ADB6C8563212}"/>
+              </a:ext>
+            </a:extLst>
+          </p:cNvPr>
+          <p:cNvPicPr>
+            <a:picLocks noChangeAspect="1"/>
+          </p:cNvPicPr>
+          <p:nvPr/>
+        </p:nvPicPr>
+        <p:blipFill>
+          <a:blip r:embed="rId5"/>
+          <a:stretch>
+            <a:fillRect/>
+          </a:stretch>
+        </p:blipFill>
+        <p:spPr>
+          <a:xfrm>
+            <a:off x="4278387" y="4572283"/>
+            <a:ext cx="7123145" cy="2181932"/>
+          </a:xfrm>
+          <a:prstGeom prst="rect">
+            <a:avLst/>
+          </a:prstGeom>
+        </p:spPr>
+      </p:pic>
     </p:spTree>
     <p:extLst>
       <p:ext uri="{BB962C8B-B14F-4D97-AF65-F5344CB8AC3E}">
-        <p14:creationId xmlns:p14="http://schemas.microsoft.com/office/powerpoint/2010/main" val="3925692203"/>
+        <p14:creationId xmlns:p14="http://schemas.microsoft.com/office/powerpoint/2010/main" val="3977269302"/>
       </p:ext>
     </p:extLst>
   </p:cSld>

--- a/LA VERITÀ STA NEI GESTI.pptx
+++ b/LA VERITÀ STA NEI GESTI.pptx
@@ -19,6 +19,7 @@
     <p:sldId id="262" r:id="rId13"/>
     <p:sldId id="263" r:id="rId14"/>
     <p:sldId id="264" r:id="rId15"/>
+    <p:sldId id="271" r:id="rId16"/>
   </p:sldIdLst>
   <p:sldSz cx="12192000" cy="6858000"/>
   <p:notesSz cx="6858000" cy="9144000"/>
@@ -117,6 +118,11 @@
       </a:defRPr>
     </a:lvl9pPr>
   </p:defaultTextStyle>
+  <p:extLst>
+    <p:ext uri="{EFAFB233-063F-42B5-8137-9DF3F51BA10A}">
+      <p15:sldGuideLst xmlns:p15="http://schemas.microsoft.com/office/powerpoint/2012/main"/>
+    </p:ext>
+  </p:extLst>
 </p:presentation>
 </file>
 
@@ -411,7 +417,7 @@
           <a:p>
             <a:fld id="{02AC24A9-CCB6-4F8D-B8DB-C2F3692CFA5A}" type="datetimeFigureOut">
               <a:rPr lang="en-US" smtClean="0"/>
-              <a:t>2/23/2023</a:t>
+              <a:t>2/28/2023</a:t>
             </a:fld>
             <a:endParaRPr lang="en-US" dirty="0"/>
           </a:p>
@@ -781,7 +787,7 @@
           <a:p>
             <a:fld id="{02AC24A9-CCB6-4F8D-B8DB-C2F3692CFA5A}" type="datetimeFigureOut">
               <a:rPr lang="en-US" smtClean="0"/>
-              <a:t>2/23/2023</a:t>
+              <a:t>2/28/2023</a:t>
             </a:fld>
             <a:endParaRPr lang="en-US"/>
           </a:p>
@@ -990,7 +996,7 @@
           <a:p>
             <a:fld id="{02AC24A9-CCB6-4F8D-B8DB-C2F3692CFA5A}" type="datetimeFigureOut">
               <a:rPr lang="en-US" smtClean="0"/>
-              <a:t>2/23/2023</a:t>
+              <a:t>2/28/2023</a:t>
             </a:fld>
             <a:endParaRPr lang="en-US"/>
           </a:p>
@@ -1460,7 +1466,7 @@
           <a:p>
             <a:fld id="{02AC24A9-CCB6-4F8D-B8DB-C2F3692CFA5A}" type="datetimeFigureOut">
               <a:rPr lang="en-US" smtClean="0"/>
-              <a:t>2/23/2023</a:t>
+              <a:t>2/28/2023</a:t>
             </a:fld>
             <a:endParaRPr lang="en-US"/>
           </a:p>
@@ -1914,7 +1920,7 @@
           <a:p>
             <a:fld id="{02AC24A9-CCB6-4F8D-B8DB-C2F3692CFA5A}" type="datetimeFigureOut">
               <a:rPr lang="en-US" smtClean="0"/>
-              <a:t>2/23/2023</a:t>
+              <a:t>2/28/2023</a:t>
             </a:fld>
             <a:endParaRPr lang="en-US"/>
           </a:p>
@@ -2446,7 +2452,7 @@
           <a:p>
             <a:fld id="{02AC24A9-CCB6-4F8D-B8DB-C2F3692CFA5A}" type="datetimeFigureOut">
               <a:rPr lang="en-US" smtClean="0"/>
-              <a:t>2/23/2023</a:t>
+              <a:t>2/28/2023</a:t>
             </a:fld>
             <a:endParaRPr lang="en-US"/>
           </a:p>
@@ -3145,7 +3151,7 @@
           <a:p>
             <a:fld id="{02AC24A9-CCB6-4F8D-B8DB-C2F3692CFA5A}" type="datetimeFigureOut">
               <a:rPr lang="en-US" smtClean="0"/>
-              <a:t>2/23/2023</a:t>
+              <a:t>2/28/2023</a:t>
             </a:fld>
             <a:endParaRPr lang="en-US"/>
           </a:p>
@@ -3474,7 +3480,7 @@
           <a:p>
             <a:fld id="{02AC24A9-CCB6-4F8D-B8DB-C2F3692CFA5A}" type="datetimeFigureOut">
               <a:rPr lang="en-US" smtClean="0"/>
-              <a:t>2/23/2023</a:t>
+              <a:t>2/28/2023</a:t>
             </a:fld>
             <a:endParaRPr lang="en-US"/>
           </a:p>
@@ -3587,7 +3593,7 @@
           <a:p>
             <a:fld id="{02AC24A9-CCB6-4F8D-B8DB-C2F3692CFA5A}" type="datetimeFigureOut">
               <a:rPr lang="en-US" smtClean="0"/>
-              <a:t>2/23/2023</a:t>
+              <a:t>2/28/2023</a:t>
             </a:fld>
             <a:endParaRPr lang="en-US"/>
           </a:p>
@@ -4082,7 +4088,7 @@
           <a:p>
             <a:fld id="{02AC24A9-CCB6-4F8D-B8DB-C2F3692CFA5A}" type="datetimeFigureOut">
               <a:rPr lang="en-US" smtClean="0"/>
-              <a:t>2/23/2023</a:t>
+              <a:t>2/28/2023</a:t>
             </a:fld>
             <a:endParaRPr lang="en-US" dirty="0"/>
           </a:p>
@@ -4559,7 +4565,7 @@
           <a:p>
             <a:fld id="{02AC24A9-CCB6-4F8D-B8DB-C2F3692CFA5A}" type="datetimeFigureOut">
               <a:rPr lang="en-US" smtClean="0"/>
-              <a:t>2/23/2023</a:t>
+              <a:t>2/28/2023</a:t>
             </a:fld>
             <a:endParaRPr lang="en-US"/>
           </a:p>
@@ -4807,7 +4813,7 @@
           <a:p>
             <a:fld id="{02AC24A9-CCB6-4F8D-B8DB-C2F3692CFA5A}" type="datetimeFigureOut">
               <a:rPr lang="en-US" smtClean="0"/>
-              <a:t>2/23/2023</a:t>
+              <a:t>2/28/2023</a:t>
             </a:fld>
             <a:endParaRPr lang="en-US"/>
           </a:p>
@@ -5614,8 +5620,8 @@
           </a:p>
         </p:txBody>
       </p:sp>
-      <mc:AlternateContent xmlns:mc="http://schemas.openxmlformats.org/markup-compatibility/2006">
-        <mc:Choice xmlns:p14="http://schemas.microsoft.com/office/powerpoint/2010/main" Requires="p14">
+      <mc:AlternateContent xmlns:mc="http://schemas.openxmlformats.org/markup-compatibility/2006" xmlns:p14="http://schemas.microsoft.com/office/powerpoint/2010/main">
+        <mc:Choice Requires="p14">
           <p:contentPart p14:bwMode="auto" r:id="rId2">
             <p14:nvContentPartPr>
               <p14:cNvPr id="5" name="Input penna 4">
@@ -5634,7 +5640,7 @@
             </p14:xfrm>
           </p:contentPart>
         </mc:Choice>
-        <mc:Fallback>
+        <mc:Fallback xmlns="">
           <p:pic>
             <p:nvPicPr>
               <p:cNvPr id="5" name="Input penna 4">
@@ -5913,7 +5919,7 @@
         <p:spPr>
           <a:xfrm>
             <a:off x="577595" y="5734245"/>
-            <a:ext cx="11036808" cy="710977"/>
+            <a:ext cx="11036808" cy="899820"/>
           </a:xfrm>
         </p:spPr>
         <p:txBody>
@@ -5927,6 +5933,17 @@
               <a:rPr lang="it-IT" sz="2400" dirty="0"/>
               <a:t>OUTPUT: Probabilità di menzogna</a:t>
             </a:r>
+          </a:p>
+          <a:p>
+            <a:pPr algn="ctr"/>
+            <a:r>
+              <a:rPr lang="it-IT" sz="1600" dirty="0"/>
+              <a:t>   </a:t>
+            </a:r>
+          </a:p>
+          <a:p>
+            <a:pPr algn="ctr"/>
+            <a:endParaRPr lang="it-IT" sz="1400" dirty="0"/>
           </a:p>
         </p:txBody>
       </p:sp>
@@ -6081,12 +6098,70 @@
             <p:ph type="subTitle" idx="1"/>
           </p:nvPr>
         </p:nvSpPr>
-        <p:spPr/>
-        <p:txBody>
-          <a:bodyPr/>
-          <a:lstStyle/>
-          <a:p>
-            <a:endParaRPr lang="it-IT" dirty="0"/>
+        <p:spPr>
+          <a:xfrm>
+            <a:off x="670901" y="4631773"/>
+            <a:ext cx="5244707" cy="1953272"/>
+          </a:xfrm>
+        </p:spPr>
+        <p:txBody>
+          <a:bodyPr>
+            <a:normAutofit/>
+          </a:bodyPr>
+          <a:lstStyle/>
+          <a:p>
+            <a:pPr algn="ctr"/>
+            <a:r>
+              <a:rPr lang="it-IT" sz="1400" dirty="0">
+                <a:solidFill>
+                  <a:srgbClr val="FF0000"/>
+                </a:solidFill>
+              </a:rPr>
+              <a:t>Regole fisiologiche </a:t>
+            </a:r>
+          </a:p>
+          <a:p>
+            <a:pPr marL="171450" indent="-171450">
+              <a:buFont typeface="Arial" panose="020B0604020202020204" pitchFamily="34" charset="0"/>
+              <a:buChar char="•"/>
+            </a:pPr>
+            <a:r>
+              <a:rPr lang="it-IT" sz="1200" dirty="0"/>
+              <a:t>Hanno </a:t>
+            </a:r>
+            <a:r>
+              <a:rPr lang="it-IT" sz="1200" b="1" dirty="0"/>
+              <a:t>significatività </a:t>
+            </a:r>
+            <a:r>
+              <a:rPr lang="it-IT" sz="1200" dirty="0"/>
+              <a:t>maggiore vista la dipendenza tra stato mentale e risposta fisiologica</a:t>
+            </a:r>
+          </a:p>
+          <a:p>
+            <a:pPr marL="171450" indent="-171450">
+              <a:buFont typeface="Arial" panose="020B0604020202020204" pitchFamily="34" charset="0"/>
+              <a:buChar char="•"/>
+            </a:pPr>
+            <a:r>
+              <a:rPr lang="it-IT" sz="1200" dirty="0"/>
+              <a:t>Vista la dipendenza tra le variabili di questo tipo, le regole utilizzate sono della tipologia </a:t>
+            </a:r>
+            <a:r>
+              <a:rPr lang="it-IT" sz="1200" b="1" i="1" dirty="0"/>
+              <a:t>AND </a:t>
+            </a:r>
+            <a:r>
+              <a:rPr lang="it-IT" sz="1200" dirty="0"/>
+              <a:t> </a:t>
+            </a:r>
+          </a:p>
+          <a:p>
+            <a:pPr marL="171450" indent="-171450">
+              <a:buFont typeface="Arial" panose="020B0604020202020204" pitchFamily="34" charset="0"/>
+              <a:buChar char="•"/>
+            </a:pPr>
+            <a:endParaRPr lang="it-IT" sz="1200" dirty="0"/>
           </a:p>
         </p:txBody>
       </p:sp>
@@ -6163,6 +6238,129 @@
               <a:rPr lang="it-IT" sz="2400" dirty="0"/>
               <a:t>Scelta dell’output: implementazione delle regole fuzzy</a:t>
             </a:r>
+          </a:p>
+        </p:txBody>
+      </p:sp>
+      <p:pic>
+        <p:nvPicPr>
+          <p:cNvPr id="5" name="Immagine 4">
+            <a:extLst>
+              <a:ext uri="{FF2B5EF4-FFF2-40B4-BE49-F238E27FC236}">
+                <a16:creationId xmlns:a16="http://schemas.microsoft.com/office/drawing/2014/main" id="{E5AE4807-8FE0-3E01-9585-904D9E250CFF}"/>
+              </a:ext>
+            </a:extLst>
+          </p:cNvPr>
+          <p:cNvPicPr>
+            <a:picLocks noChangeAspect="1"/>
+          </p:cNvPicPr>
+          <p:nvPr/>
+        </p:nvPicPr>
+        <p:blipFill>
+          <a:blip r:embed="rId2">
+            <a:extLst>
+              <a:ext uri="{28A0092B-C50C-407E-A947-70E740481C1C}">
+                <a14:useLocalDpi xmlns:a14="http://schemas.microsoft.com/office/drawing/2010/main" val="0"/>
+              </a:ext>
+            </a:extLst>
+          </a:blip>
+          <a:stretch>
+            <a:fillRect/>
+          </a:stretch>
+        </p:blipFill>
+        <p:spPr>
+          <a:xfrm>
+            <a:off x="326571" y="1903929"/>
+            <a:ext cx="11691257" cy="2209817"/>
+          </a:xfrm>
+          <a:prstGeom prst="rect">
+            <a:avLst/>
+          </a:prstGeom>
+        </p:spPr>
+      </p:pic>
+      <p:sp>
+        <p:nvSpPr>
+          <p:cNvPr id="9" name="CasellaDiTesto 8">
+            <a:extLst>
+              <a:ext uri="{FF2B5EF4-FFF2-40B4-BE49-F238E27FC236}">
+                <a16:creationId xmlns:a16="http://schemas.microsoft.com/office/drawing/2014/main" id="{C794E9A5-E19F-0253-5865-B7BCBE6DAED0}"/>
+              </a:ext>
+            </a:extLst>
+          </p:cNvPr>
+          <p:cNvSpPr txBox="1"/>
+          <p:nvPr/>
+        </p:nvSpPr>
+        <p:spPr>
+          <a:xfrm>
+            <a:off x="6357471" y="4687759"/>
+            <a:ext cx="5495731" cy="1446550"/>
+          </a:xfrm>
+          <a:prstGeom prst="rect">
+            <a:avLst/>
+          </a:prstGeom>
+          <a:noFill/>
+        </p:spPr>
+        <p:txBody>
+          <a:bodyPr wrap="square" rtlCol="0">
+            <a:spAutoFit/>
+          </a:bodyPr>
+          <a:lstStyle/>
+          <a:p>
+            <a:pPr algn="ctr"/>
+            <a:r>
+              <a:rPr lang="it-IT" sz="1400" dirty="0">
+                <a:solidFill>
+                  <a:srgbClr val="FF0000"/>
+                </a:solidFill>
+              </a:rPr>
+              <a:t>Regole comportamentali</a:t>
+            </a:r>
+          </a:p>
+          <a:p>
+            <a:pPr algn="ctr"/>
+            <a:endParaRPr lang="it-IT" sz="1400" dirty="0">
+              <a:solidFill>
+                <a:srgbClr val="FF0000"/>
+              </a:solidFill>
+            </a:endParaRPr>
+          </a:p>
+          <a:p>
+            <a:pPr marL="171450" indent="-171450">
+              <a:buFont typeface="Arial" panose="020B0604020202020204" pitchFamily="34" charset="0"/>
+              <a:buChar char="•"/>
+            </a:pPr>
+            <a:r>
+              <a:rPr lang="it-IT" sz="1200" dirty="0"/>
+              <a:t>Poste con significatività molto piccola, poiché soggettive per ogni soggetto </a:t>
+            </a:r>
+          </a:p>
+          <a:p>
+            <a:pPr marL="171450" indent="-171450">
+              <a:buFont typeface="Arial" panose="020B0604020202020204" pitchFamily="34" charset="0"/>
+              <a:buChar char="•"/>
+            </a:pPr>
+            <a:r>
+              <a:rPr lang="it-IT" sz="1200" dirty="0"/>
+              <a:t>Visto l’indipendenza delle variabili di questo  tipo, le regole utilizzate sono della tipologia </a:t>
+            </a:r>
+            <a:r>
+              <a:rPr lang="it-IT" sz="1200" b="1" dirty="0"/>
+              <a:t>OR</a:t>
+            </a:r>
+            <a:r>
+              <a:rPr lang="it-IT" sz="1200" b="1" i="1" dirty="0"/>
+              <a:t> </a:t>
+            </a:r>
+            <a:r>
+              <a:rPr lang="it-IT" sz="1200" dirty="0"/>
+              <a:t> </a:t>
+            </a:r>
+          </a:p>
+          <a:p>
+            <a:pPr marL="171450" indent="-171450">
+              <a:buFont typeface="Arial" panose="020B0604020202020204" pitchFamily="34" charset="0"/>
+              <a:buChar char="•"/>
+            </a:pPr>
+            <a:endParaRPr lang="it-IT" sz="1200" dirty="0"/>
           </a:p>
         </p:txBody>
       </p:sp>
@@ -6214,10 +6412,47 @@
         </p:nvSpPr>
         <p:spPr/>
         <p:txBody>
-          <a:bodyPr/>
-          <a:lstStyle/>
-          <a:p>
-            <a:endParaRPr lang="it-IT" dirty="0"/>
+          <a:bodyPr>
+            <a:noAutofit/>
+          </a:bodyPr>
+          <a:lstStyle/>
+          <a:p>
+            <a:r>
+              <a:rPr lang="it-IT" sz="1600" dirty="0"/>
+              <a:t>Mantenendo fisse le variabili di diverso tipo si osserva che </a:t>
+            </a:r>
+            <a:r>
+              <a:rPr lang="it-IT" sz="1600" b="1" dirty="0"/>
+              <a:t>variabili comportamentali </a:t>
+            </a:r>
+            <a:r>
+              <a:rPr lang="it-IT" sz="1600" dirty="0"/>
+              <a:t>inficiano in </a:t>
+            </a:r>
+            <a:r>
+              <a:rPr lang="it-IT" sz="1600" b="1" dirty="0"/>
+              <a:t>minor misura sulla variazione della probabilità di menzogna.</a:t>
+            </a:r>
+          </a:p>
+          <a:p>
+            <a:r>
+              <a:rPr lang="it-IT" sz="1600" dirty="0"/>
+              <a:t>Si osserva che le variabili fisiologiche aumentino la variazione delle percentuale di menzogna di </a:t>
+            </a:r>
+            <a:r>
+              <a:rPr lang="it-IT" sz="1600" b="1" dirty="0"/>
+              <a:t>circa un 3% in più </a:t>
+            </a:r>
+            <a:r>
+              <a:rPr lang="it-IT" sz="1600" dirty="0"/>
+              <a:t>rispetto a quelle comportamentali.</a:t>
+            </a:r>
+          </a:p>
+          <a:p>
+            <a:r>
+              <a:rPr lang="it-IT" sz="1600" dirty="0"/>
+              <a:t>Questo conferma la validità delle regole poste diminuendo il peso attribuito a quelle comportamentali</a:t>
+            </a:r>
           </a:p>
         </p:txBody>
       </p:sp>
@@ -6297,6 +6532,438 @@
           </a:p>
         </p:txBody>
       </p:sp>
+      <p:pic>
+        <p:nvPicPr>
+          <p:cNvPr id="5" name="Immagine 4">
+            <a:extLst>
+              <a:ext uri="{FF2B5EF4-FFF2-40B4-BE49-F238E27FC236}">
+                <a16:creationId xmlns:a16="http://schemas.microsoft.com/office/drawing/2014/main" id="{7563C448-0441-FA22-5B35-AC73102D2545}"/>
+              </a:ext>
+            </a:extLst>
+          </p:cNvPr>
+          <p:cNvPicPr>
+            <a:picLocks noChangeAspect="1"/>
+          </p:cNvPicPr>
+          <p:nvPr/>
+        </p:nvPicPr>
+        <p:blipFill>
+          <a:blip r:embed="rId2">
+            <a:extLst>
+              <a:ext uri="{28A0092B-C50C-407E-A947-70E740481C1C}">
+                <a14:useLocalDpi xmlns:a14="http://schemas.microsoft.com/office/drawing/2010/main" val="0"/>
+              </a:ext>
+            </a:extLst>
+          </a:blip>
+          <a:stretch>
+            <a:fillRect/>
+          </a:stretch>
+        </p:blipFill>
+        <p:spPr>
+          <a:xfrm>
+            <a:off x="-1524" y="2029779"/>
+            <a:ext cx="12192000" cy="145695"/>
+          </a:xfrm>
+          <a:prstGeom prst="rect">
+            <a:avLst/>
+          </a:prstGeom>
+        </p:spPr>
+      </p:pic>
+      <p:pic>
+        <p:nvPicPr>
+          <p:cNvPr id="8" name="Immagine 7">
+            <a:extLst>
+              <a:ext uri="{FF2B5EF4-FFF2-40B4-BE49-F238E27FC236}">
+                <a16:creationId xmlns:a16="http://schemas.microsoft.com/office/drawing/2014/main" id="{405C6A62-77F3-7BB9-C871-84888C1B9734}"/>
+              </a:ext>
+            </a:extLst>
+          </p:cNvPr>
+          <p:cNvPicPr>
+            <a:picLocks noChangeAspect="1"/>
+          </p:cNvPicPr>
+          <p:nvPr/>
+        </p:nvPicPr>
+        <p:blipFill>
+          <a:blip r:embed="rId3">
+            <a:extLst>
+              <a:ext uri="{28A0092B-C50C-407E-A947-70E740481C1C}">
+                <a14:useLocalDpi xmlns:a14="http://schemas.microsoft.com/office/drawing/2010/main" val="0"/>
+              </a:ext>
+            </a:extLst>
+          </a:blip>
+          <a:stretch>
+            <a:fillRect/>
+          </a:stretch>
+        </p:blipFill>
+        <p:spPr>
+          <a:xfrm>
+            <a:off x="-1524" y="1826546"/>
+            <a:ext cx="12192000" cy="197495"/>
+          </a:xfrm>
+          <a:prstGeom prst="rect">
+            <a:avLst/>
+          </a:prstGeom>
+        </p:spPr>
+      </p:pic>
+      <p:pic>
+        <p:nvPicPr>
+          <p:cNvPr id="12" name="Immagine 11">
+            <a:extLst>
+              <a:ext uri="{FF2B5EF4-FFF2-40B4-BE49-F238E27FC236}">
+                <a16:creationId xmlns:a16="http://schemas.microsoft.com/office/drawing/2014/main" id="{69A5F893-6BC1-8634-0CB3-65230536B9AD}"/>
+              </a:ext>
+            </a:extLst>
+          </p:cNvPr>
+          <p:cNvPicPr>
+            <a:picLocks noChangeAspect="1"/>
+          </p:cNvPicPr>
+          <p:nvPr/>
+        </p:nvPicPr>
+        <p:blipFill>
+          <a:blip r:embed="rId4">
+            <a:extLst>
+              <a:ext uri="{28A0092B-C50C-407E-A947-70E740481C1C}">
+                <a14:useLocalDpi xmlns:a14="http://schemas.microsoft.com/office/drawing/2010/main" val="0"/>
+              </a:ext>
+            </a:extLst>
+          </a:blip>
+          <a:stretch>
+            <a:fillRect/>
+          </a:stretch>
+        </p:blipFill>
+        <p:spPr>
+          <a:xfrm>
+            <a:off x="-74646" y="2577607"/>
+            <a:ext cx="12265121" cy="211924"/>
+          </a:xfrm>
+          <a:prstGeom prst="rect">
+            <a:avLst/>
+          </a:prstGeom>
+        </p:spPr>
+      </p:pic>
+      <p:pic>
+        <p:nvPicPr>
+          <p:cNvPr id="14" name="Immagine 13">
+            <a:extLst>
+              <a:ext uri="{FF2B5EF4-FFF2-40B4-BE49-F238E27FC236}">
+                <a16:creationId xmlns:a16="http://schemas.microsoft.com/office/drawing/2014/main" id="{A9F7B2C4-A498-1B46-6FEA-ED56DDF5BB65}"/>
+              </a:ext>
+            </a:extLst>
+          </p:cNvPr>
+          <p:cNvPicPr>
+            <a:picLocks noChangeAspect="1"/>
+          </p:cNvPicPr>
+          <p:nvPr/>
+        </p:nvPicPr>
+        <p:blipFill>
+          <a:blip r:embed="rId2">
+            <a:extLst>
+              <a:ext uri="{28A0092B-C50C-407E-A947-70E740481C1C}">
+                <a14:useLocalDpi xmlns:a14="http://schemas.microsoft.com/office/drawing/2010/main" val="0"/>
+              </a:ext>
+            </a:extLst>
+          </a:blip>
+          <a:stretch>
+            <a:fillRect/>
+          </a:stretch>
+        </p:blipFill>
+        <p:spPr>
+          <a:xfrm>
+            <a:off x="0" y="2778165"/>
+            <a:ext cx="12192000" cy="145695"/>
+          </a:xfrm>
+          <a:prstGeom prst="rect">
+            <a:avLst/>
+          </a:prstGeom>
+        </p:spPr>
+      </p:pic>
+      <p:sp>
+        <p:nvSpPr>
+          <p:cNvPr id="15" name="CasellaDiTesto 14">
+            <a:extLst>
+              <a:ext uri="{FF2B5EF4-FFF2-40B4-BE49-F238E27FC236}">
+                <a16:creationId xmlns:a16="http://schemas.microsoft.com/office/drawing/2014/main" id="{CDADAF4B-0ECA-B6C7-7FF3-E17B809C93CF}"/>
+              </a:ext>
+            </a:extLst>
+          </p:cNvPr>
+          <p:cNvSpPr txBox="1"/>
+          <p:nvPr/>
+        </p:nvSpPr>
+        <p:spPr>
+          <a:xfrm>
+            <a:off x="3558821" y="1498055"/>
+            <a:ext cx="4138934" cy="307777"/>
+          </a:xfrm>
+          <a:prstGeom prst="rect">
+            <a:avLst/>
+          </a:prstGeom>
+          <a:noFill/>
+        </p:spPr>
+        <p:txBody>
+          <a:bodyPr wrap="square" rtlCol="0">
+            <a:spAutoFit/>
+          </a:bodyPr>
+          <a:lstStyle/>
+          <a:p>
+            <a:pPr algn="ctr"/>
+            <a:r>
+              <a:rPr lang="it-IT" sz="1400" dirty="0"/>
+              <a:t>Comportamentali alte fisse </a:t>
+            </a:r>
+          </a:p>
+        </p:txBody>
+      </p:sp>
+      <p:sp>
+        <p:nvSpPr>
+          <p:cNvPr id="16" name="CasellaDiTesto 15">
+            <a:extLst>
+              <a:ext uri="{FF2B5EF4-FFF2-40B4-BE49-F238E27FC236}">
+                <a16:creationId xmlns:a16="http://schemas.microsoft.com/office/drawing/2014/main" id="{1A5E7B13-309F-F2CF-EF80-DFFAD822584B}"/>
+              </a:ext>
+            </a:extLst>
+          </p:cNvPr>
+          <p:cNvSpPr txBox="1"/>
+          <p:nvPr/>
+        </p:nvSpPr>
+        <p:spPr>
+          <a:xfrm>
+            <a:off x="3631537" y="2222652"/>
+            <a:ext cx="3993502" cy="307777"/>
+          </a:xfrm>
+          <a:prstGeom prst="rect">
+            <a:avLst/>
+          </a:prstGeom>
+          <a:noFill/>
+        </p:spPr>
+        <p:txBody>
+          <a:bodyPr wrap="square" rtlCol="0">
+            <a:spAutoFit/>
+          </a:bodyPr>
+          <a:lstStyle/>
+          <a:p>
+            <a:pPr algn="ctr"/>
+            <a:r>
+              <a:rPr lang="it-IT" sz="1400" dirty="0"/>
+              <a:t>Fisiologiche alte fisse</a:t>
+            </a:r>
+          </a:p>
+        </p:txBody>
+      </p:sp>
+      <p:pic>
+        <p:nvPicPr>
+          <p:cNvPr id="18" name="Immagine 17">
+            <a:extLst>
+              <a:ext uri="{FF2B5EF4-FFF2-40B4-BE49-F238E27FC236}">
+                <a16:creationId xmlns:a16="http://schemas.microsoft.com/office/drawing/2014/main" id="{9D6E8880-E02F-9529-5F68-A58D44591162}"/>
+              </a:ext>
+            </a:extLst>
+          </p:cNvPr>
+          <p:cNvPicPr>
+            <a:picLocks noChangeAspect="1"/>
+          </p:cNvPicPr>
+          <p:nvPr/>
+        </p:nvPicPr>
+        <p:blipFill>
+          <a:blip r:embed="rId5">
+            <a:extLst>
+              <a:ext uri="{28A0092B-C50C-407E-A947-70E740481C1C}">
+                <a14:useLocalDpi xmlns:a14="http://schemas.microsoft.com/office/drawing/2010/main" val="0"/>
+              </a:ext>
+            </a:extLst>
+          </a:blip>
+          <a:stretch>
+            <a:fillRect/>
+          </a:stretch>
+        </p:blipFill>
+        <p:spPr>
+          <a:xfrm>
+            <a:off x="0" y="4001391"/>
+            <a:ext cx="12192000" cy="171254"/>
+          </a:xfrm>
+          <a:prstGeom prst="rect">
+            <a:avLst/>
+          </a:prstGeom>
+        </p:spPr>
+      </p:pic>
+      <p:sp>
+        <p:nvSpPr>
+          <p:cNvPr id="19" name="CasellaDiTesto 18">
+            <a:extLst>
+              <a:ext uri="{FF2B5EF4-FFF2-40B4-BE49-F238E27FC236}">
+                <a16:creationId xmlns:a16="http://schemas.microsoft.com/office/drawing/2014/main" id="{B745CD46-5584-E591-7362-1FF0CE82E619}"/>
+              </a:ext>
+            </a:extLst>
+          </p:cNvPr>
+          <p:cNvSpPr txBox="1"/>
+          <p:nvPr/>
+        </p:nvSpPr>
+        <p:spPr>
+          <a:xfrm>
+            <a:off x="3865363" y="2957429"/>
+            <a:ext cx="3300548" cy="307777"/>
+          </a:xfrm>
+          <a:prstGeom prst="rect">
+            <a:avLst/>
+          </a:prstGeom>
+          <a:noFill/>
+        </p:spPr>
+        <p:txBody>
+          <a:bodyPr wrap="square" rtlCol="0">
+            <a:spAutoFit/>
+          </a:bodyPr>
+          <a:lstStyle/>
+          <a:p>
+            <a:pPr algn="ctr"/>
+            <a:r>
+              <a:rPr lang="it-IT" sz="1400" dirty="0"/>
+              <a:t>Fisiologiche medie fisse </a:t>
+            </a:r>
+          </a:p>
+        </p:txBody>
+      </p:sp>
+      <p:pic>
+        <p:nvPicPr>
+          <p:cNvPr id="21" name="Immagine 20">
+            <a:extLst>
+              <a:ext uri="{FF2B5EF4-FFF2-40B4-BE49-F238E27FC236}">
+                <a16:creationId xmlns:a16="http://schemas.microsoft.com/office/drawing/2014/main" id="{0D78A7D3-A5CD-19F9-11AA-9C26F5A4FDDF}"/>
+              </a:ext>
+            </a:extLst>
+          </p:cNvPr>
+          <p:cNvPicPr>
+            <a:picLocks noChangeAspect="1"/>
+          </p:cNvPicPr>
+          <p:nvPr/>
+        </p:nvPicPr>
+        <p:blipFill>
+          <a:blip r:embed="rId6">
+            <a:extLst>
+              <a:ext uri="{28A0092B-C50C-407E-A947-70E740481C1C}">
+                <a14:useLocalDpi xmlns:a14="http://schemas.microsoft.com/office/drawing/2010/main" val="0"/>
+              </a:ext>
+            </a:extLst>
+          </a:blip>
+          <a:stretch>
+            <a:fillRect/>
+          </a:stretch>
+        </p:blipFill>
+        <p:spPr>
+          <a:xfrm>
+            <a:off x="0" y="3445444"/>
+            <a:ext cx="12192000" cy="218305"/>
+          </a:xfrm>
+          <a:prstGeom prst="rect">
+            <a:avLst/>
+          </a:prstGeom>
+        </p:spPr>
+      </p:pic>
+      <p:pic>
+        <p:nvPicPr>
+          <p:cNvPr id="27" name="Immagine 26">
+            <a:extLst>
+              <a:ext uri="{FF2B5EF4-FFF2-40B4-BE49-F238E27FC236}">
+                <a16:creationId xmlns:a16="http://schemas.microsoft.com/office/drawing/2014/main" id="{A9AB4AAC-9791-0643-DC28-84DCB7B19967}"/>
+              </a:ext>
+            </a:extLst>
+          </p:cNvPr>
+          <p:cNvPicPr>
+            <a:picLocks noChangeAspect="1"/>
+          </p:cNvPicPr>
+          <p:nvPr/>
+        </p:nvPicPr>
+        <p:blipFill>
+          <a:blip r:embed="rId7">
+            <a:extLst>
+              <a:ext uri="{28A0092B-C50C-407E-A947-70E740481C1C}">
+                <a14:useLocalDpi xmlns:a14="http://schemas.microsoft.com/office/drawing/2010/main" val="0"/>
+              </a:ext>
+            </a:extLst>
+          </a:blip>
+          <a:stretch>
+            <a:fillRect/>
+          </a:stretch>
+        </p:blipFill>
+        <p:spPr>
+          <a:xfrm>
+            <a:off x="-36561" y="3230344"/>
+            <a:ext cx="12228561" cy="210838"/>
+          </a:xfrm>
+          <a:prstGeom prst="rect">
+            <a:avLst/>
+          </a:prstGeom>
+        </p:spPr>
+      </p:pic>
+      <p:sp>
+        <p:nvSpPr>
+          <p:cNvPr id="28" name="CasellaDiTesto 27">
+            <a:extLst>
+              <a:ext uri="{FF2B5EF4-FFF2-40B4-BE49-F238E27FC236}">
+                <a16:creationId xmlns:a16="http://schemas.microsoft.com/office/drawing/2014/main" id="{7773E1C2-99C8-5FA5-B1C9-8A50B331D1DB}"/>
+              </a:ext>
+            </a:extLst>
+          </p:cNvPr>
+          <p:cNvSpPr txBox="1"/>
+          <p:nvPr/>
+        </p:nvSpPr>
+        <p:spPr>
+          <a:xfrm>
+            <a:off x="3935590" y="3642856"/>
+            <a:ext cx="3230321" cy="307777"/>
+          </a:xfrm>
+          <a:prstGeom prst="rect">
+            <a:avLst/>
+          </a:prstGeom>
+          <a:noFill/>
+        </p:spPr>
+        <p:txBody>
+          <a:bodyPr wrap="square" rtlCol="0">
+            <a:spAutoFit/>
+          </a:bodyPr>
+          <a:lstStyle/>
+          <a:p>
+            <a:pPr algn="ctr"/>
+            <a:r>
+              <a:rPr lang="it-IT" sz="1400" dirty="0"/>
+              <a:t>Comportamentali medie fisse</a:t>
+            </a:r>
+          </a:p>
+        </p:txBody>
+      </p:sp>
+      <p:pic>
+        <p:nvPicPr>
+          <p:cNvPr id="30" name="Immagine 29">
+            <a:extLst>
+              <a:ext uri="{FF2B5EF4-FFF2-40B4-BE49-F238E27FC236}">
+                <a16:creationId xmlns:a16="http://schemas.microsoft.com/office/drawing/2014/main" id="{745FB0C2-068A-67DB-C9C6-50EF0ED2859F}"/>
+              </a:ext>
+            </a:extLst>
+          </p:cNvPr>
+          <p:cNvPicPr>
+            <a:picLocks noChangeAspect="1"/>
+          </p:cNvPicPr>
+          <p:nvPr/>
+        </p:nvPicPr>
+        <p:blipFill>
+          <a:blip r:embed="rId8">
+            <a:extLst>
+              <a:ext uri="{28A0092B-C50C-407E-A947-70E740481C1C}">
+                <a14:useLocalDpi xmlns:a14="http://schemas.microsoft.com/office/drawing/2010/main" val="0"/>
+              </a:ext>
+            </a:extLst>
+          </a:blip>
+          <a:stretch>
+            <a:fillRect/>
+          </a:stretch>
+        </p:blipFill>
+        <p:spPr>
+          <a:xfrm>
+            <a:off x="-1525" y="4172645"/>
+            <a:ext cx="12192000" cy="210320"/>
+          </a:xfrm>
+          <a:prstGeom prst="rect">
+            <a:avLst/>
+          </a:prstGeom>
+        </p:spPr>
+      </p:pic>
     </p:spTree>
     <p:extLst>
       <p:ext uri="{BB962C8B-B14F-4D97-AF65-F5344CB8AC3E}">
@@ -6345,10 +7012,25 @@
         </p:nvSpPr>
         <p:spPr/>
         <p:txBody>
-          <a:bodyPr/>
-          <a:lstStyle/>
-          <a:p>
-            <a:endParaRPr lang="it-IT"/>
+          <a:bodyPr>
+            <a:normAutofit/>
+          </a:bodyPr>
+          <a:lstStyle/>
+          <a:p>
+            <a:r>
+              <a:rPr lang="it-IT" sz="1600" dirty="0"/>
+              <a:t>Analizzando la i casi limite in cui le variabili sono poste tutte massime o minime, si può facilmente osservare che la probabilità che i soggetti sottoposti ad analisi mentano </a:t>
+            </a:r>
+            <a:r>
+              <a:rPr lang="it-IT" sz="1600" b="1" dirty="0"/>
+              <a:t>non è mai certa.</a:t>
+            </a:r>
+          </a:p>
+          <a:p>
+            <a:r>
+              <a:rPr lang="it-IT" sz="1600" dirty="0"/>
+              <a:t>Questo conferma il buon utilizzo delle regole e delle variabili data l’incertezza degli studi riguardanti la materia.</a:t>
+            </a:r>
           </a:p>
         </p:txBody>
       </p:sp>
@@ -6424,6 +7106,198 @@
             <a:r>
               <a:rPr lang="it-IT" sz="2400" dirty="0"/>
               <a:t>Valutazione dei risultati ottenuti</a:t>
+            </a:r>
+          </a:p>
+        </p:txBody>
+      </p:sp>
+      <p:pic>
+        <p:nvPicPr>
+          <p:cNvPr id="8" name="Immagine 7">
+            <a:extLst>
+              <a:ext uri="{FF2B5EF4-FFF2-40B4-BE49-F238E27FC236}">
+                <a16:creationId xmlns:a16="http://schemas.microsoft.com/office/drawing/2014/main" id="{2C0FD79F-54E7-A5E2-BD18-CB733196DFDA}"/>
+              </a:ext>
+            </a:extLst>
+          </p:cNvPr>
+          <p:cNvPicPr>
+            <a:picLocks noChangeAspect="1"/>
+          </p:cNvPicPr>
+          <p:nvPr/>
+        </p:nvPicPr>
+        <p:blipFill>
+          <a:blip r:embed="rId2">
+            <a:extLst>
+              <a:ext uri="{28A0092B-C50C-407E-A947-70E740481C1C}">
+                <a14:useLocalDpi xmlns:a14="http://schemas.microsoft.com/office/drawing/2010/main" val="0"/>
+              </a:ext>
+            </a:extLst>
+          </a:blip>
+          <a:stretch>
+            <a:fillRect/>
+          </a:stretch>
+        </p:blipFill>
+        <p:spPr>
+          <a:xfrm>
+            <a:off x="2509749" y="1655653"/>
+            <a:ext cx="9103131" cy="1087547"/>
+          </a:xfrm>
+          <a:prstGeom prst="rect">
+            <a:avLst/>
+          </a:prstGeom>
+        </p:spPr>
+      </p:pic>
+      <p:pic>
+        <p:nvPicPr>
+          <p:cNvPr id="10" name="Immagine 9">
+            <a:extLst>
+              <a:ext uri="{FF2B5EF4-FFF2-40B4-BE49-F238E27FC236}">
+                <a16:creationId xmlns:a16="http://schemas.microsoft.com/office/drawing/2014/main" id="{12241AE6-D1EE-E80F-6787-BE3305FA6DB2}"/>
+              </a:ext>
+            </a:extLst>
+          </p:cNvPr>
+          <p:cNvPicPr>
+            <a:picLocks noChangeAspect="1"/>
+          </p:cNvPicPr>
+          <p:nvPr/>
+        </p:nvPicPr>
+        <p:blipFill>
+          <a:blip r:embed="rId3">
+            <a:extLst>
+              <a:ext uri="{28A0092B-C50C-407E-A947-70E740481C1C}">
+                <a14:useLocalDpi xmlns:a14="http://schemas.microsoft.com/office/drawing/2010/main" val="0"/>
+              </a:ext>
+            </a:extLst>
+          </a:blip>
+          <a:stretch>
+            <a:fillRect/>
+          </a:stretch>
+        </p:blipFill>
+        <p:spPr>
+          <a:xfrm>
+            <a:off x="2509748" y="3021631"/>
+            <a:ext cx="9103131" cy="1087547"/>
+          </a:xfrm>
+          <a:prstGeom prst="rect">
+            <a:avLst/>
+          </a:prstGeom>
+        </p:spPr>
+      </p:pic>
+      <p:sp>
+        <p:nvSpPr>
+          <p:cNvPr id="12" name="CasellaDiTesto 11">
+            <a:extLst>
+              <a:ext uri="{FF2B5EF4-FFF2-40B4-BE49-F238E27FC236}">
+                <a16:creationId xmlns:a16="http://schemas.microsoft.com/office/drawing/2014/main" id="{D6B18F48-758A-C0B3-85CE-6E1CC16E0E22}"/>
+              </a:ext>
+            </a:extLst>
+          </p:cNvPr>
+          <p:cNvSpPr txBox="1"/>
+          <p:nvPr/>
+        </p:nvSpPr>
+        <p:spPr>
+          <a:xfrm>
+            <a:off x="483706" y="2130552"/>
+            <a:ext cx="1606351" cy="369332"/>
+          </a:xfrm>
+          <a:prstGeom prst="rect">
+            <a:avLst/>
+          </a:prstGeom>
+          <a:noFill/>
+        </p:spPr>
+        <p:txBody>
+          <a:bodyPr wrap="square" rtlCol="0">
+            <a:spAutoFit/>
+          </a:bodyPr>
+          <a:lstStyle/>
+          <a:p>
+            <a:pPr algn="ctr"/>
+            <a:r>
+              <a:rPr lang="it-IT" dirty="0">
+                <a:solidFill>
+                  <a:srgbClr val="FF0000"/>
+                </a:solidFill>
+              </a:rPr>
+              <a:t>MINIMO</a:t>
+            </a:r>
+          </a:p>
+        </p:txBody>
+      </p:sp>
+      <p:sp>
+        <p:nvSpPr>
+          <p:cNvPr id="13" name="CasellaDiTesto 12">
+            <a:extLst>
+              <a:ext uri="{FF2B5EF4-FFF2-40B4-BE49-F238E27FC236}">
+                <a16:creationId xmlns:a16="http://schemas.microsoft.com/office/drawing/2014/main" id="{059CEE30-76C3-2DCC-346C-2947FDC7F072}"/>
+              </a:ext>
+            </a:extLst>
+          </p:cNvPr>
+          <p:cNvSpPr txBox="1"/>
+          <p:nvPr/>
+        </p:nvSpPr>
+        <p:spPr>
+          <a:xfrm>
+            <a:off x="483706" y="3247052"/>
+            <a:ext cx="1802294" cy="369332"/>
+          </a:xfrm>
+          <a:prstGeom prst="rect">
+            <a:avLst/>
+          </a:prstGeom>
+          <a:noFill/>
+        </p:spPr>
+        <p:txBody>
+          <a:bodyPr wrap="square" rtlCol="0">
+            <a:spAutoFit/>
+          </a:bodyPr>
+          <a:lstStyle/>
+          <a:p>
+            <a:pPr algn="ctr"/>
+            <a:r>
+              <a:rPr lang="it-IT" dirty="0">
+                <a:solidFill>
+                  <a:srgbClr val="FF0000"/>
+                </a:solidFill>
+              </a:rPr>
+              <a:t>MASSIMO</a:t>
+            </a:r>
+          </a:p>
+        </p:txBody>
+      </p:sp>
+      <p:sp>
+        <p:nvSpPr>
+          <p:cNvPr id="2" name="CasellaDiTesto 1">
+            <a:extLst>
+              <a:ext uri="{FF2B5EF4-FFF2-40B4-BE49-F238E27FC236}">
+                <a16:creationId xmlns:a16="http://schemas.microsoft.com/office/drawing/2014/main" id="{0BFFE913-AD68-BE8F-A130-EB75C34D1020}"/>
+              </a:ext>
+            </a:extLst>
+          </p:cNvPr>
+          <p:cNvSpPr txBox="1"/>
+          <p:nvPr/>
+        </p:nvSpPr>
+        <p:spPr>
+          <a:xfrm>
+            <a:off x="483706" y="1386171"/>
+            <a:ext cx="1606351" cy="338554"/>
+          </a:xfrm>
+          <a:prstGeom prst="rect">
+            <a:avLst/>
+          </a:prstGeom>
+          <a:noFill/>
+        </p:spPr>
+        <p:txBody>
+          <a:bodyPr wrap="square" rtlCol="0">
+            <a:spAutoFit/>
+          </a:bodyPr>
+          <a:lstStyle/>
+          <a:p>
+            <a:pPr algn="ctr"/>
+            <a:r>
+              <a:rPr lang="it-IT" sz="1600" dirty="0">
+                <a:solidFill>
+                  <a:srgbClr val="FF0000"/>
+                </a:solidFill>
+              </a:rPr>
+              <a:t>CASI LIMITE</a:t>
             </a:r>
           </a:p>
         </p:txBody>
@@ -6437,6 +7311,433 @@
   </p:cSld>
   <p:clrMapOvr>
     <a:masterClrMapping/>
+  </p:clrMapOvr>
+</p:sld>
+</file>
+
+<file path=ppt/slides/slide15.xml><?xml version="1.0" encoding="utf-8"?>
+<p:sld xmlns:a="http://schemas.openxmlformats.org/drawingml/2006/main" xmlns:r="http://schemas.openxmlformats.org/officeDocument/2006/relationships" xmlns:p="http://schemas.openxmlformats.org/presentationml/2006/main">
+  <p:cSld>
+    <p:spTree>
+      <p:nvGrpSpPr>
+        <p:cNvPr id="1" name=""/>
+        <p:cNvGrpSpPr/>
+        <p:nvPr/>
+      </p:nvGrpSpPr>
+      <p:grpSpPr>
+        <a:xfrm>
+          <a:off x="0" y="0"/>
+          <a:ext cx="0" cy="0"/>
+          <a:chOff x="0" y="0"/>
+          <a:chExt cx="0" cy="0"/>
+        </a:xfrm>
+      </p:grpSpPr>
+      <p:sp useBgFill="1">
+        <p:nvSpPr>
+          <p:cNvPr id="9" name="Rectangle 8">
+            <a:extLst>
+              <a:ext uri="{FF2B5EF4-FFF2-40B4-BE49-F238E27FC236}">
+                <a16:creationId xmlns:a16="http://schemas.microsoft.com/office/drawing/2014/main" id="{5A59F003-E00A-43F9-91DC-CC54E3B87466}"/>
+              </a:ext>
+              <a:ext uri="{C183D7F6-B498-43B3-948B-1728B52AA6E4}">
+                <adec:decorative xmlns:adec="http://schemas.microsoft.com/office/drawing/2017/decorative" val="1"/>
+              </a:ext>
+            </a:extLst>
+          </p:cNvPr>
+          <p:cNvSpPr>
+            <a:spLocks noGrp="1" noRot="1" noChangeAspect="1" noMove="1" noResize="1" noEditPoints="1" noAdjustHandles="1" noChangeArrowheads="1" noChangeShapeType="1" noTextEdit="1"/>
+          </p:cNvSpPr>
+          <p:nvPr>
+            <p:extLst>
+              <p:ext uri="{386F3935-93C4-4BCD-93E2-E3B085C9AB24}">
+                <p16:designElem xmlns:p16="http://schemas.microsoft.com/office/powerpoint/2015/main" val="1"/>
+              </p:ext>
+            </p:extLst>
+          </p:nvPr>
+        </p:nvSpPr>
+        <p:spPr>
+          <a:xfrm>
+            <a:off x="0" y="0"/>
+            <a:ext cx="12192000" cy="6858000"/>
+          </a:xfrm>
+          <a:prstGeom prst="rect">
+            <a:avLst/>
+          </a:prstGeom>
+          <a:ln>
+            <a:noFill/>
+          </a:ln>
+        </p:spPr>
+        <p:style>
+          <a:lnRef idx="2">
+            <a:schemeClr val="accent1">
+              <a:shade val="50000"/>
+            </a:schemeClr>
+          </a:lnRef>
+          <a:fillRef idx="1">
+            <a:schemeClr val="accent1"/>
+          </a:fillRef>
+          <a:effectRef idx="0">
+            <a:schemeClr val="accent1"/>
+          </a:effectRef>
+          <a:fontRef idx="minor">
+            <a:schemeClr val="lt1"/>
+          </a:fontRef>
+        </p:style>
+        <p:txBody>
+          <a:bodyPr rtlCol="0" anchor="ctr"/>
+          <a:lstStyle/>
+          <a:p>
+            <a:pPr marL="0" marR="0" lvl="0" indent="0" algn="ctr" defTabSz="914400" rtl="0" eaLnBrk="1" fontAlgn="auto" latinLnBrk="0" hangingPunct="1">
+              <a:lnSpc>
+                <a:spcPct val="100000"/>
+              </a:lnSpc>
+              <a:spcBef>
+                <a:spcPts val="0"/>
+              </a:spcBef>
+              <a:spcAft>
+                <a:spcPts val="0"/>
+              </a:spcAft>
+              <a:buClrTx/>
+              <a:buSzTx/>
+              <a:buFontTx/>
+              <a:buNone/>
+              <a:tabLst/>
+              <a:defRPr/>
+            </a:pPr>
+            <a:endParaRPr kumimoji="0" lang="en-US" sz="1800" b="0" i="0" u="none" strike="noStrike" kern="1200" cap="none" spc="0" normalizeH="0" baseline="0" noProof="0">
+              <a:ln>
+                <a:noFill/>
+              </a:ln>
+              <a:solidFill>
+                <a:srgbClr val="FFFFFF"/>
+              </a:solidFill>
+              <a:effectLst/>
+              <a:uLnTx/>
+              <a:uFillTx/>
+              <a:latin typeface="Neue Haas Grotesk Text Pro"/>
+              <a:ea typeface="+mn-ea"/>
+              <a:cs typeface="+mn-cs"/>
+            </a:endParaRPr>
+          </a:p>
+        </p:txBody>
+      </p:sp>
+      <p:pic>
+        <p:nvPicPr>
+          <p:cNvPr id="4" name="Picture 3">
+            <a:extLst>
+              <a:ext uri="{FF2B5EF4-FFF2-40B4-BE49-F238E27FC236}">
+                <a16:creationId xmlns:a16="http://schemas.microsoft.com/office/drawing/2014/main" id="{516FA81C-29D4-F25C-08C7-C836DF81E7AC}"/>
+              </a:ext>
+            </a:extLst>
+          </p:cNvPr>
+          <p:cNvPicPr>
+            <a:picLocks noChangeAspect="1"/>
+          </p:cNvPicPr>
+          <p:nvPr/>
+        </p:nvPicPr>
+        <p:blipFill rotWithShape="1">
+          <a:blip r:embed="rId2"/>
+          <a:srcRect t="8342" b="1296"/>
+          <a:stretch/>
+        </p:blipFill>
+        <p:spPr>
+          <a:xfrm>
+            <a:off x="20" y="10"/>
+            <a:ext cx="12191981" cy="6857990"/>
+          </a:xfrm>
+          <a:prstGeom prst="rect">
+            <a:avLst/>
+          </a:prstGeom>
+        </p:spPr>
+      </p:pic>
+      <p:sp>
+        <p:nvSpPr>
+          <p:cNvPr id="15" name="Rectangle 10">
+            <a:extLst>
+              <a:ext uri="{FF2B5EF4-FFF2-40B4-BE49-F238E27FC236}">
+                <a16:creationId xmlns:a16="http://schemas.microsoft.com/office/drawing/2014/main" id="{D74A4382-E3AD-430A-9A1F-DFA3E0E77A7D}"/>
+              </a:ext>
+              <a:ext uri="{C183D7F6-B498-43B3-948B-1728B52AA6E4}">
+                <adec:decorative xmlns:adec="http://schemas.microsoft.com/office/drawing/2017/decorative" val="1"/>
+              </a:ext>
+            </a:extLst>
+          </p:cNvPr>
+          <p:cNvSpPr>
+            <a:spLocks noGrp="1" noRot="1" noChangeAspect="1" noMove="1" noResize="1" noEditPoints="1" noAdjustHandles="1" noChangeArrowheads="1" noChangeShapeType="1" noTextEdit="1"/>
+          </p:cNvSpPr>
+          <p:nvPr>
+            <p:extLst>
+              <p:ext uri="{386F3935-93C4-4BCD-93E2-E3B085C9AB24}">
+                <p16:designElem xmlns:p16="http://schemas.microsoft.com/office/powerpoint/2015/main" val="1"/>
+              </p:ext>
+            </p:extLst>
+          </p:nvPr>
+        </p:nvSpPr>
+        <p:spPr>
+          <a:xfrm rot="16200000">
+            <a:off x="3799868" y="-1534136"/>
+            <a:ext cx="4592270" cy="12192001"/>
+          </a:xfrm>
+          <a:prstGeom prst="rect">
+            <a:avLst/>
+          </a:prstGeom>
+          <a:gradFill>
+            <a:gsLst>
+              <a:gs pos="35000">
+                <a:schemeClr val="bg1">
+                  <a:alpha val="46000"/>
+                </a:schemeClr>
+              </a:gs>
+              <a:gs pos="21000">
+                <a:schemeClr val="bg1">
+                  <a:alpha val="30000"/>
+                </a:schemeClr>
+              </a:gs>
+              <a:gs pos="0">
+                <a:schemeClr val="bg1">
+                  <a:alpha val="0"/>
+                </a:schemeClr>
+              </a:gs>
+              <a:gs pos="100000">
+                <a:schemeClr val="bg1">
+                  <a:alpha val="90000"/>
+                </a:schemeClr>
+              </a:gs>
+            </a:gsLst>
+            <a:lin ang="10800000" scaled="0"/>
+          </a:gradFill>
+          <a:ln>
+            <a:noFill/>
+          </a:ln>
+        </p:spPr>
+        <p:style>
+          <a:lnRef idx="2">
+            <a:schemeClr val="accent1">
+              <a:shade val="50000"/>
+            </a:schemeClr>
+          </a:lnRef>
+          <a:fillRef idx="1">
+            <a:schemeClr val="accent1"/>
+          </a:fillRef>
+          <a:effectRef idx="0">
+            <a:schemeClr val="accent1"/>
+          </a:effectRef>
+          <a:fontRef idx="minor">
+            <a:schemeClr val="lt1"/>
+          </a:fontRef>
+        </p:style>
+        <p:txBody>
+          <a:bodyPr rtlCol="0" anchor="ctr"/>
+          <a:lstStyle/>
+          <a:p>
+            <a:pPr marL="0" marR="0" lvl="0" indent="0" algn="ctr" defTabSz="914400" rtl="0" eaLnBrk="1" fontAlgn="auto" latinLnBrk="0" hangingPunct="1">
+              <a:lnSpc>
+                <a:spcPct val="100000"/>
+              </a:lnSpc>
+              <a:spcBef>
+                <a:spcPts val="0"/>
+              </a:spcBef>
+              <a:spcAft>
+                <a:spcPts val="0"/>
+              </a:spcAft>
+              <a:buClrTx/>
+              <a:buSzTx/>
+              <a:buFontTx/>
+              <a:buNone/>
+              <a:tabLst/>
+              <a:defRPr/>
+            </a:pPr>
+            <a:endParaRPr kumimoji="0" lang="en-US" sz="1800" b="0" i="0" u="none" strike="noStrike" kern="1200" cap="none" spc="0" normalizeH="0" baseline="0" noProof="0" dirty="0">
+              <a:ln>
+                <a:noFill/>
+              </a:ln>
+              <a:solidFill>
+                <a:srgbClr val="FFFFFF"/>
+              </a:solidFill>
+              <a:effectLst/>
+              <a:uLnTx/>
+              <a:uFillTx/>
+              <a:latin typeface="Neue Haas Grotesk Text Pro"/>
+              <a:ea typeface="+mn-ea"/>
+              <a:cs typeface="+mn-cs"/>
+            </a:endParaRPr>
+          </a:p>
+        </p:txBody>
+      </p:sp>
+      <p:sp>
+        <p:nvSpPr>
+          <p:cNvPr id="2" name="Titolo 1">
+            <a:extLst>
+              <a:ext uri="{FF2B5EF4-FFF2-40B4-BE49-F238E27FC236}">
+                <a16:creationId xmlns:a16="http://schemas.microsoft.com/office/drawing/2014/main" id="{CD8E8B45-6BC1-4CCB-F740-32753AD0EA75}"/>
+              </a:ext>
+            </a:extLst>
+          </p:cNvPr>
+          <p:cNvSpPr>
+            <a:spLocks noGrp="1"/>
+          </p:cNvSpPr>
+          <p:nvPr>
+            <p:ph type="ctrTitle"/>
+          </p:nvPr>
+        </p:nvSpPr>
+        <p:spPr>
+          <a:xfrm>
+            <a:off x="1673516" y="1593691"/>
+            <a:ext cx="9078562" cy="2387600"/>
+          </a:xfrm>
+        </p:spPr>
+        <p:txBody>
+          <a:bodyPr>
+            <a:normAutofit/>
+          </a:bodyPr>
+          <a:lstStyle/>
+          <a:p>
+            <a:pPr algn="ctr"/>
+            <a:r>
+              <a:rPr lang="it-IT" sz="6600" dirty="0"/>
+              <a:t>GRAZIE PER L’ATTENZIONE</a:t>
+            </a:r>
+          </a:p>
+        </p:txBody>
+      </p:sp>
+      <p:sp>
+        <p:nvSpPr>
+          <p:cNvPr id="16" name="Rectangle: Rounded Corners 12">
+            <a:extLst>
+              <a:ext uri="{FF2B5EF4-FFF2-40B4-BE49-F238E27FC236}">
+                <a16:creationId xmlns:a16="http://schemas.microsoft.com/office/drawing/2014/main" id="{79F40191-0F44-4FD1-82CC-ACB507C14BE6}"/>
+              </a:ext>
+              <a:ext uri="{C183D7F6-B498-43B3-948B-1728B52AA6E4}">
+                <adec:decorative xmlns:adec="http://schemas.microsoft.com/office/drawing/2017/decorative" val="1"/>
+              </a:ext>
+            </a:extLst>
+          </p:cNvPr>
+          <p:cNvSpPr>
+            <a:spLocks noGrp="1" noRot="1" noChangeAspect="1" noMove="1" noResize="1" noEditPoints="1" noAdjustHandles="1" noChangeArrowheads="1" noChangeShapeType="1" noTextEdit="1"/>
+          </p:cNvSpPr>
+          <p:nvPr>
+            <p:extLst>
+              <p:ext uri="{386F3935-93C4-4BCD-93E2-E3B085C9AB24}">
+                <p16:designElem xmlns:p16="http://schemas.microsoft.com/office/powerpoint/2015/main" val="1"/>
+              </p:ext>
+            </p:extLst>
+          </p:nvPr>
+        </p:nvSpPr>
+        <p:spPr>
+          <a:xfrm>
+            <a:off x="0" y="5575039"/>
+            <a:ext cx="9785897" cy="685800"/>
+          </a:xfrm>
+          <a:prstGeom prst="roundRect">
+            <a:avLst>
+              <a:gd name="adj" fmla="val 0"/>
+            </a:avLst>
+          </a:prstGeom>
+          <a:solidFill>
+            <a:schemeClr val="accent1"/>
+          </a:solidFill>
+          <a:ln>
+            <a:noFill/>
+          </a:ln>
+        </p:spPr>
+        <p:style>
+          <a:lnRef idx="2">
+            <a:schemeClr val="accent1">
+              <a:shade val="50000"/>
+            </a:schemeClr>
+          </a:lnRef>
+          <a:fillRef idx="1">
+            <a:schemeClr val="accent1"/>
+          </a:fillRef>
+          <a:effectRef idx="0">
+            <a:schemeClr val="accent1"/>
+          </a:effectRef>
+          <a:fontRef idx="minor">
+            <a:schemeClr val="lt1"/>
+          </a:fontRef>
+        </p:style>
+        <p:txBody>
+          <a:bodyPr rtlCol="0" anchor="ctr"/>
+          <a:lstStyle/>
+          <a:p>
+            <a:pPr marL="0" marR="0" lvl="0" indent="0" algn="ctr" defTabSz="914400" rtl="0" eaLnBrk="1" fontAlgn="auto" latinLnBrk="0" hangingPunct="1">
+              <a:lnSpc>
+                <a:spcPct val="100000"/>
+              </a:lnSpc>
+              <a:spcBef>
+                <a:spcPts val="0"/>
+              </a:spcBef>
+              <a:spcAft>
+                <a:spcPts val="0"/>
+              </a:spcAft>
+              <a:buClrTx/>
+              <a:buSzTx/>
+              <a:buFontTx/>
+              <a:buNone/>
+              <a:tabLst/>
+              <a:defRPr/>
+            </a:pPr>
+            <a:endParaRPr kumimoji="0" lang="en-US" sz="1800" b="0" i="0" u="none" strike="noStrike" kern="1200" cap="none" spc="0" normalizeH="0" baseline="0" noProof="0">
+              <a:ln>
+                <a:noFill/>
+              </a:ln>
+              <a:solidFill>
+                <a:srgbClr val="FFFFFF"/>
+              </a:solidFill>
+              <a:effectLst/>
+              <a:uLnTx/>
+              <a:uFillTx/>
+              <a:latin typeface="Neue Haas Grotesk Text Pro"/>
+              <a:ea typeface="+mn-ea"/>
+              <a:cs typeface="+mn-cs"/>
+            </a:endParaRPr>
+          </a:p>
+        </p:txBody>
+      </p:sp>
+      <p:sp>
+        <p:nvSpPr>
+          <p:cNvPr id="3" name="Sottotitolo 2">
+            <a:extLst>
+              <a:ext uri="{FF2B5EF4-FFF2-40B4-BE49-F238E27FC236}">
+                <a16:creationId xmlns:a16="http://schemas.microsoft.com/office/drawing/2014/main" id="{93D9762B-EF64-8E03-16EE-26E6B24A34DB}"/>
+              </a:ext>
+            </a:extLst>
+          </p:cNvPr>
+          <p:cNvSpPr>
+            <a:spLocks noGrp="1"/>
+          </p:cNvSpPr>
+          <p:nvPr>
+            <p:ph type="subTitle" idx="1"/>
+          </p:nvPr>
+        </p:nvSpPr>
+        <p:spPr>
+          <a:xfrm>
+            <a:off x="442597" y="5531136"/>
+            <a:ext cx="7301948" cy="773606"/>
+          </a:xfrm>
+        </p:spPr>
+        <p:txBody>
+          <a:bodyPr anchor="ctr">
+            <a:normAutofit/>
+          </a:bodyPr>
+          <a:lstStyle/>
+          <a:p>
+            <a:r>
+              <a:rPr lang="it-IT" sz="2000" dirty="0"/>
+              <a:t>Autori del progetto: Claudia Marano &amp; Antonio Spampinato</a:t>
+            </a:r>
+          </a:p>
+        </p:txBody>
+      </p:sp>
+    </p:spTree>
+    <p:extLst>
+      <p:ext uri="{BB962C8B-B14F-4D97-AF65-F5344CB8AC3E}">
+        <p14:creationId xmlns:p14="http://schemas.microsoft.com/office/powerpoint/2010/main" val="967791233"/>
+      </p:ext>
+    </p:extLst>
+  </p:cSld>
+  <p:clrMapOvr>
+    <a:overrideClrMapping bg1="dk1" tx1="lt1" bg2="dk2" tx2="lt2" accent1="accent1" accent2="accent2" accent3="accent3" accent4="accent4" accent5="accent5" accent6="accent6" hlink="hlink" folHlink="folHlink"/>
   </p:clrMapOvr>
 </p:sld>
 </file>
@@ -7217,8 +8518,8 @@
           </a:p>
         </p:txBody>
       </p:sp>
-      <mc:AlternateContent xmlns:mc="http://schemas.openxmlformats.org/markup-compatibility/2006">
-        <mc:Choice xmlns:p14="http://schemas.microsoft.com/office/powerpoint/2010/main" Requires="p14">
+      <mc:AlternateContent xmlns:mc="http://schemas.openxmlformats.org/markup-compatibility/2006" xmlns:p14="http://schemas.microsoft.com/office/powerpoint/2010/main">
+        <mc:Choice Requires="p14">
           <p:contentPart p14:bwMode="auto" r:id="rId2">
             <p14:nvContentPartPr>
               <p14:cNvPr id="5" name="Input penna 4">
@@ -7237,7 +8538,7 @@
             </p14:xfrm>
           </p:contentPart>
         </mc:Choice>
-        <mc:Fallback>
+        <mc:Fallback xmlns="">
           <p:pic>
             <p:nvPicPr>
               <p:cNvPr id="5" name="Input penna 4">
@@ -7607,7 +8908,7 @@
         </p:blipFill>
         <p:spPr>
           <a:xfrm>
-            <a:off x="1322022" y="3665011"/>
+            <a:off x="1322022" y="3604244"/>
             <a:ext cx="9547956" cy="2877607"/>
           </a:xfrm>
           <a:prstGeom prst="rect">
@@ -7967,8 +9268,8 @@
           </a:p>
         </p:txBody>
       </p:sp>
-      <mc:AlternateContent xmlns:mc="http://schemas.openxmlformats.org/markup-compatibility/2006">
-        <mc:Choice xmlns:p14="http://schemas.microsoft.com/office/powerpoint/2010/main" Requires="p14">
+      <mc:AlternateContent xmlns:mc="http://schemas.openxmlformats.org/markup-compatibility/2006" xmlns:p14="http://schemas.microsoft.com/office/powerpoint/2010/main">
+        <mc:Choice Requires="p14">
           <p:contentPart p14:bwMode="auto" r:id="rId2">
             <p14:nvContentPartPr>
               <p14:cNvPr id="5" name="Input penna 4">
@@ -7987,7 +9288,7 @@
             </p14:xfrm>
           </p:contentPart>
         </mc:Choice>
-        <mc:Fallback>
+        <mc:Fallback xmlns="">
           <p:pic>
             <p:nvPicPr>
               <p:cNvPr id="5" name="Input penna 4">
@@ -8335,8 +9636,8 @@
           </a:p>
         </p:txBody>
       </p:sp>
-      <mc:AlternateContent xmlns:mc="http://schemas.openxmlformats.org/markup-compatibility/2006">
-        <mc:Choice xmlns:p14="http://schemas.microsoft.com/office/powerpoint/2010/main" Requires="p14">
+      <mc:AlternateContent xmlns:mc="http://schemas.openxmlformats.org/markup-compatibility/2006" xmlns:p14="http://schemas.microsoft.com/office/powerpoint/2010/main">
+        <mc:Choice Requires="p14">
           <p:contentPart p14:bwMode="auto" r:id="rId2">
             <p14:nvContentPartPr>
               <p14:cNvPr id="5" name="Input penna 4">
@@ -8355,7 +9656,7 @@
             </p14:xfrm>
           </p:contentPart>
         </mc:Choice>
-        <mc:Fallback>
+        <mc:Fallback xmlns="">
           <p:pic>
             <p:nvPicPr>
               <p:cNvPr id="5" name="Input penna 4">
@@ -8594,8 +9895,8 @@
           </a:p>
         </p:txBody>
       </p:sp>
-      <mc:AlternateContent xmlns:mc="http://schemas.openxmlformats.org/markup-compatibility/2006">
-        <mc:Choice xmlns:p14="http://schemas.microsoft.com/office/powerpoint/2010/main" Requires="p14">
+      <mc:AlternateContent xmlns:mc="http://schemas.openxmlformats.org/markup-compatibility/2006" xmlns:p14="http://schemas.microsoft.com/office/powerpoint/2010/main">
+        <mc:Choice Requires="p14">
           <p:contentPart p14:bwMode="auto" r:id="rId2">
             <p14:nvContentPartPr>
               <p14:cNvPr id="5" name="Input penna 4">
@@ -8614,7 +9915,7 @@
             </p14:xfrm>
           </p:contentPart>
         </mc:Choice>
-        <mc:Fallback>
+        <mc:Fallback xmlns="">
           <p:pic>
             <p:nvPicPr>
               <p:cNvPr id="5" name="Input penna 4">
